--- a/ppt/硬件答辩.pptx
+++ b/ppt/硬件答辩.pptx
@@ -5,7 +5,7 @@
     <p:sldMasterId id="2147483648" r:id="rId1"/>
   </p:sldMasterIdLst>
   <p:notesMasterIdLst>
-    <p:notesMasterId r:id="rId18"/>
+    <p:notesMasterId r:id="rId23"/>
   </p:notesMasterIdLst>
   <p:sldIdLst>
     <p:sldId id="256" r:id="rId2"/>
@@ -21,9 +21,14 @@
     <p:sldId id="270" r:id="rId12"/>
     <p:sldId id="271" r:id="rId13"/>
     <p:sldId id="272" r:id="rId14"/>
-    <p:sldId id="263" r:id="rId15"/>
-    <p:sldId id="264" r:id="rId16"/>
-    <p:sldId id="265" r:id="rId17"/>
+    <p:sldId id="273" r:id="rId15"/>
+    <p:sldId id="263" r:id="rId16"/>
+    <p:sldId id="264" r:id="rId17"/>
+    <p:sldId id="265" r:id="rId18"/>
+    <p:sldId id="274" r:id="rId19"/>
+    <p:sldId id="275" r:id="rId20"/>
+    <p:sldId id="276" r:id="rId21"/>
+    <p:sldId id="277" r:id="rId22"/>
   </p:sldIdLst>
   <p:sldSz cx="12192000" cy="6858000"/>
   <p:notesSz cx="6858000" cy="9144000"/>
@@ -212,7 +217,7 @@
           <a:p>
             <a:fld id="{366FBAA0-3ED6-4CE4-9147-3721A0784C77}" type="datetimeFigureOut">
               <a:rPr lang="zh-CN" altLang="en-US" smtClean="0"/>
-              <a:t>2024/10/18</a:t>
+              <a:t>2024/10/19</a:t>
             </a:fld>
             <a:endParaRPr lang="zh-CN" altLang="en-US"/>
           </a:p>
@@ -626,7 +631,7 @@
           <a:p>
             <a:fld id="{E4085F88-82F5-49EA-B3B8-3656AD7C3CE9}" type="datetimeFigureOut">
               <a:rPr lang="zh-CN" altLang="en-US" smtClean="0"/>
-              <a:t>2024/10/18</a:t>
+              <a:t>2024/10/19</a:t>
             </a:fld>
             <a:endParaRPr lang="zh-CN" altLang="en-US"/>
           </a:p>
@@ -824,7 +829,7 @@
           <a:p>
             <a:fld id="{E4085F88-82F5-49EA-B3B8-3656AD7C3CE9}" type="datetimeFigureOut">
               <a:rPr lang="zh-CN" altLang="en-US" smtClean="0"/>
-              <a:t>2024/10/18</a:t>
+              <a:t>2024/10/19</a:t>
             </a:fld>
             <a:endParaRPr lang="zh-CN" altLang="en-US"/>
           </a:p>
@@ -1032,7 +1037,7 @@
           <a:p>
             <a:fld id="{E4085F88-82F5-49EA-B3B8-3656AD7C3CE9}" type="datetimeFigureOut">
               <a:rPr lang="zh-CN" altLang="en-US" smtClean="0"/>
-              <a:t>2024/10/18</a:t>
+              <a:t>2024/10/19</a:t>
             </a:fld>
             <a:endParaRPr lang="zh-CN" altLang="en-US"/>
           </a:p>
@@ -1230,7 +1235,7 @@
           <a:p>
             <a:fld id="{E4085F88-82F5-49EA-B3B8-3656AD7C3CE9}" type="datetimeFigureOut">
               <a:rPr lang="zh-CN" altLang="en-US" smtClean="0"/>
-              <a:t>2024/10/18</a:t>
+              <a:t>2024/10/19</a:t>
             </a:fld>
             <a:endParaRPr lang="zh-CN" altLang="en-US"/>
           </a:p>
@@ -1505,7 +1510,7 @@
           <a:p>
             <a:fld id="{E4085F88-82F5-49EA-B3B8-3656AD7C3CE9}" type="datetimeFigureOut">
               <a:rPr lang="zh-CN" altLang="en-US" smtClean="0"/>
-              <a:t>2024/10/18</a:t>
+              <a:t>2024/10/19</a:t>
             </a:fld>
             <a:endParaRPr lang="zh-CN" altLang="en-US"/>
           </a:p>
@@ -1770,7 +1775,7 @@
           <a:p>
             <a:fld id="{E4085F88-82F5-49EA-B3B8-3656AD7C3CE9}" type="datetimeFigureOut">
               <a:rPr lang="zh-CN" altLang="en-US" smtClean="0"/>
-              <a:t>2024/10/18</a:t>
+              <a:t>2024/10/19</a:t>
             </a:fld>
             <a:endParaRPr lang="zh-CN" altLang="en-US"/>
           </a:p>
@@ -2182,7 +2187,7 @@
           <a:p>
             <a:fld id="{E4085F88-82F5-49EA-B3B8-3656AD7C3CE9}" type="datetimeFigureOut">
               <a:rPr lang="zh-CN" altLang="en-US" smtClean="0"/>
-              <a:t>2024/10/18</a:t>
+              <a:t>2024/10/19</a:t>
             </a:fld>
             <a:endParaRPr lang="zh-CN" altLang="en-US"/>
           </a:p>
@@ -2323,7 +2328,7 @@
           <a:p>
             <a:fld id="{E4085F88-82F5-49EA-B3B8-3656AD7C3CE9}" type="datetimeFigureOut">
               <a:rPr lang="zh-CN" altLang="en-US" smtClean="0"/>
-              <a:t>2024/10/18</a:t>
+              <a:t>2024/10/19</a:t>
             </a:fld>
             <a:endParaRPr lang="zh-CN" altLang="en-US"/>
           </a:p>
@@ -2436,7 +2441,7 @@
           <a:p>
             <a:fld id="{E4085F88-82F5-49EA-B3B8-3656AD7C3CE9}" type="datetimeFigureOut">
               <a:rPr lang="zh-CN" altLang="en-US" smtClean="0"/>
-              <a:t>2024/10/18</a:t>
+              <a:t>2024/10/19</a:t>
             </a:fld>
             <a:endParaRPr lang="zh-CN" altLang="en-US"/>
           </a:p>
@@ -2747,7 +2752,7 @@
           <a:p>
             <a:fld id="{E4085F88-82F5-49EA-B3B8-3656AD7C3CE9}" type="datetimeFigureOut">
               <a:rPr lang="zh-CN" altLang="en-US" smtClean="0"/>
-              <a:t>2024/10/18</a:t>
+              <a:t>2024/10/19</a:t>
             </a:fld>
             <a:endParaRPr lang="zh-CN" altLang="en-US"/>
           </a:p>
@@ -3035,7 +3040,7 @@
           <a:p>
             <a:fld id="{E4085F88-82F5-49EA-B3B8-3656AD7C3CE9}" type="datetimeFigureOut">
               <a:rPr lang="zh-CN" altLang="en-US" smtClean="0"/>
-              <a:t>2024/10/18</a:t>
+              <a:t>2024/10/19</a:t>
             </a:fld>
             <a:endParaRPr lang="zh-CN" altLang="en-US"/>
           </a:p>
@@ -3276,7 +3281,7 @@
           <a:p>
             <a:fld id="{E4085F88-82F5-49EA-B3B8-3656AD7C3CE9}" type="datetimeFigureOut">
               <a:rPr lang="zh-CN" altLang="en-US" smtClean="0"/>
-              <a:t>2024/10/18</a:t>
+              <a:t>2024/10/19</a:t>
             </a:fld>
             <a:endParaRPr lang="zh-CN" altLang="en-US"/>
           </a:p>
@@ -4087,7 +4092,7 @@
           <p:nvPr>
             <p:extLst>
               <p:ext uri="{D42A27DB-BD31-4B8C-83A1-F6EECF244321}">
-                <p14:modId xmlns:p14="http://schemas.microsoft.com/office/powerpoint/2010/main" val="2190167284"/>
+                <p14:modId xmlns:p14="http://schemas.microsoft.com/office/powerpoint/2010/main" val="2656969766"/>
               </p:ext>
             </p:extLst>
           </p:nvPr>
@@ -4387,7 +4392,7 @@
                         </a:lnSpc>
                       </a:pPr>
                       <a:r>
-                        <a:rPr lang="en-US" sz="1400" b="0" kern="0">
+                        <a:rPr lang="en-US" sz="1400" b="0" kern="0" dirty="0">
                           <a:solidFill>
                             <a:srgbClr val="0D0D0D"/>
                           </a:solidFill>
@@ -4396,9 +4401,21 @@
                           <a:ea typeface="微软雅黑" panose="020B0503020204020204" pitchFamily="34" charset="-122"/>
                           <a:cs typeface="Segoe UI" panose="020B0502040204020203" pitchFamily="34" charset="0"/>
                         </a:rPr>
-                        <a:t>BEQ rs1, rs2, imm</a:t>
-                      </a:r>
-                      <a:endParaRPr lang="zh-CN" altLang="en-US" sz="1400" b="0" kern="0">
+                        <a:t>BEQ rs1, rs2, </a:t>
+                      </a:r>
+                      <a:r>
+                        <a:rPr lang="en-US" sz="1400" b="0" kern="0" dirty="0" err="1">
+                          <a:solidFill>
+                            <a:srgbClr val="0D0D0D"/>
+                          </a:solidFill>
+                          <a:effectLst/>
+                          <a:latin typeface="微软雅黑" panose="020B0503020204020204" pitchFamily="34" charset="-122"/>
+                          <a:ea typeface="微软雅黑" panose="020B0503020204020204" pitchFamily="34" charset="-122"/>
+                          <a:cs typeface="Segoe UI" panose="020B0502040204020203" pitchFamily="34" charset="0"/>
+                        </a:rPr>
+                        <a:t>imm</a:t>
+                      </a:r>
+                      <a:endParaRPr lang="zh-CN" altLang="en-US" sz="1400" b="0" kern="0" dirty="0">
                         <a:solidFill>
                           <a:srgbClr val="0D0D0D"/>
                         </a:solidFill>
@@ -8095,6 +8112,587 @@
   <p:cSld>
     <p:bg>
       <p:bgPr>
+        <a:gradFill flip="none" rotWithShape="1">
+          <a:gsLst>
+            <a:gs pos="0">
+              <a:schemeClr val="accent3">
+                <a:lumMod val="5000"/>
+                <a:lumOff val="95000"/>
+              </a:schemeClr>
+            </a:gs>
+            <a:gs pos="74000">
+              <a:schemeClr val="accent3">
+                <a:lumMod val="45000"/>
+                <a:lumOff val="55000"/>
+              </a:schemeClr>
+            </a:gs>
+            <a:gs pos="83000">
+              <a:schemeClr val="accent3">
+                <a:lumMod val="45000"/>
+                <a:lumOff val="55000"/>
+              </a:schemeClr>
+            </a:gs>
+            <a:gs pos="100000">
+              <a:schemeClr val="accent3">
+                <a:lumMod val="30000"/>
+                <a:lumOff val="70000"/>
+              </a:schemeClr>
+            </a:gs>
+          </a:gsLst>
+          <a:lin ang="5400000" scaled="1"/>
+          <a:tileRect/>
+        </a:gradFill>
+        <a:effectLst/>
+      </p:bgPr>
+    </p:bg>
+    <p:spTree>
+      <p:nvGrpSpPr>
+        <p:cNvPr id="1" name="">
+          <a:extLst>
+            <a:ext uri="{FF2B5EF4-FFF2-40B4-BE49-F238E27FC236}">
+              <a16:creationId xmlns:a16="http://schemas.microsoft.com/office/drawing/2014/main" id="{3648AA13-43CB-7747-3535-027F519E5EA2}"/>
+            </a:ext>
+          </a:extLst>
+        </p:cNvPr>
+        <p:cNvGrpSpPr/>
+        <p:nvPr/>
+      </p:nvGrpSpPr>
+      <p:grpSpPr>
+        <a:xfrm>
+          <a:off x="0" y="0"/>
+          <a:ext cx="0" cy="0"/>
+          <a:chOff x="0" y="0"/>
+          <a:chExt cx="0" cy="0"/>
+        </a:xfrm>
+      </p:grpSpPr>
+      <p:sp>
+        <p:nvSpPr>
+          <p:cNvPr id="7" name="内容占位符 2">
+            <a:extLst>
+              <a:ext uri="{FF2B5EF4-FFF2-40B4-BE49-F238E27FC236}">
+                <a16:creationId xmlns:a16="http://schemas.microsoft.com/office/drawing/2014/main" id="{77829806-4808-B206-E75A-859230E34682}"/>
+              </a:ext>
+            </a:extLst>
+          </p:cNvPr>
+          <p:cNvSpPr>
+            <a:spLocks noGrp="1"/>
+          </p:cNvSpPr>
+          <p:nvPr>
+            <p:ph idx="1"/>
+          </p:nvPr>
+        </p:nvSpPr>
+        <p:spPr>
+          <a:xfrm>
+            <a:off x="611679" y="577516"/>
+            <a:ext cx="10515600" cy="5599447"/>
+          </a:xfrm>
+        </p:spPr>
+        <p:txBody>
+          <a:bodyPr>
+            <a:normAutofit/>
+          </a:bodyPr>
+          <a:lstStyle/>
+          <a:p>
+            <a:pPr marL="0" indent="0">
+              <a:buNone/>
+            </a:pPr>
+            <a:r>
+              <a:rPr lang="en-US" altLang="zh-CN" sz="3200" dirty="0"/>
+              <a:t>    </a:t>
+            </a:r>
+            <a:r>
+              <a:rPr lang="zh-CN" altLang="en-US" sz="3200" dirty="0"/>
+              <a:t>程序测试</a:t>
+            </a:r>
+            <a:endParaRPr lang="en-US" altLang="zh-CN" sz="3200" dirty="0"/>
+          </a:p>
+          <a:p>
+            <a:pPr marL="0" indent="0">
+              <a:buNone/>
+            </a:pPr>
+            <a:endParaRPr lang="en-US" altLang="zh-CN" sz="3200" dirty="0"/>
+          </a:p>
+          <a:p>
+            <a:pPr marL="0" indent="0">
+              <a:buNone/>
+            </a:pPr>
+            <a:r>
+              <a:rPr lang="en-US" altLang="zh-CN" sz="3200" dirty="0"/>
+              <a:t>	</a:t>
+            </a:r>
+          </a:p>
+          <a:p>
+            <a:pPr lvl="1"/>
+            <a:endParaRPr lang="en-US" altLang="zh-CN" sz="2800" dirty="0"/>
+          </a:p>
+        </p:txBody>
+      </p:sp>
+      <p:cxnSp>
+        <p:nvCxnSpPr>
+          <p:cNvPr id="3" name="直接连接符 2">
+            <a:extLst>
+              <a:ext uri="{FF2B5EF4-FFF2-40B4-BE49-F238E27FC236}">
+                <a16:creationId xmlns:a16="http://schemas.microsoft.com/office/drawing/2014/main" id="{331B80A6-470A-4689-4A66-1ED0398488F0}"/>
+              </a:ext>
+            </a:extLst>
+          </p:cNvPr>
+          <p:cNvCxnSpPr/>
+          <p:nvPr/>
+        </p:nvCxnSpPr>
+        <p:spPr>
+          <a:xfrm>
+            <a:off x="876000" y="1240910"/>
+            <a:ext cx="10440000" cy="0"/>
+          </a:xfrm>
+          <a:prstGeom prst="line">
+            <a:avLst/>
+          </a:prstGeom>
+        </p:spPr>
+        <p:style>
+          <a:lnRef idx="3">
+            <a:schemeClr val="dk1"/>
+          </a:lnRef>
+          <a:fillRef idx="0">
+            <a:schemeClr val="dk1"/>
+          </a:fillRef>
+          <a:effectRef idx="2">
+            <a:schemeClr val="dk1"/>
+          </a:effectRef>
+          <a:fontRef idx="minor">
+            <a:schemeClr val="tx1"/>
+          </a:fontRef>
+        </p:style>
+      </p:cxnSp>
+      <p:sp>
+        <p:nvSpPr>
+          <p:cNvPr id="9" name="文本框 8">
+            <a:hlinkClick r:id="rId2" action="ppaction://hlinksldjump"/>
+            <a:extLst>
+              <a:ext uri="{FF2B5EF4-FFF2-40B4-BE49-F238E27FC236}">
+                <a16:creationId xmlns:a16="http://schemas.microsoft.com/office/drawing/2014/main" id="{7C11CC3D-27AD-9BB7-27F8-304A5AABB3E9}"/>
+              </a:ext>
+            </a:extLst>
+          </p:cNvPr>
+          <p:cNvSpPr txBox="1"/>
+          <p:nvPr/>
+        </p:nvSpPr>
+        <p:spPr>
+          <a:xfrm>
+            <a:off x="1064721" y="1780888"/>
+            <a:ext cx="9756559" cy="461665"/>
+          </a:xfrm>
+          <a:prstGeom prst="rect">
+            <a:avLst/>
+          </a:prstGeom>
+          <a:noFill/>
+        </p:spPr>
+        <p:txBody>
+          <a:bodyPr wrap="square" rtlCol="0">
+            <a:spAutoFit/>
+          </a:bodyPr>
+          <a:lstStyle/>
+          <a:p>
+            <a:r>
+              <a:rPr lang="en-US" altLang="zh-CN" sz="2400" b="1" kern="50" dirty="0">
+                <a:effectLst/>
+                <a:latin typeface="仿宋" panose="02010609060101010101" pitchFamily="49" charset="-122"/>
+                <a:ea typeface="仿宋" panose="02010609060101010101" pitchFamily="49" charset="-122"/>
+                <a:cs typeface="Times New Roman" panose="02020603050405020304" pitchFamily="18" charset="0"/>
+              </a:rPr>
+              <a:t>1</a:t>
+            </a:r>
+            <a:r>
+              <a:rPr lang="zh-CN" altLang="en-US" sz="2400" b="1" kern="50" dirty="0">
+                <a:effectLst/>
+                <a:latin typeface="仿宋" panose="02010609060101010101" pitchFamily="49" charset="-122"/>
+                <a:ea typeface="仿宋" panose="02010609060101010101" pitchFamily="49" charset="-122"/>
+                <a:cs typeface="Times New Roman" panose="02020603050405020304" pitchFamily="18" charset="0"/>
+              </a:rPr>
+              <a:t>、</a:t>
+            </a:r>
+            <a:r>
+              <a:rPr lang="en-US" altLang="zh-CN" sz="2400" b="1" kern="50" dirty="0">
+                <a:effectLst/>
+                <a:latin typeface="仿宋" panose="02010609060101010101" pitchFamily="49" charset="-122"/>
+                <a:ea typeface="仿宋" panose="02010609060101010101" pitchFamily="49" charset="-122"/>
+                <a:cs typeface="Times New Roman" panose="02020603050405020304" pitchFamily="18" charset="0"/>
+              </a:rPr>
+              <a:t>1-100</a:t>
+            </a:r>
+            <a:r>
+              <a:rPr lang="zh-CN" altLang="en-US" sz="2400" b="1" kern="50" dirty="0">
+                <a:effectLst/>
+                <a:latin typeface="仿宋" panose="02010609060101010101" pitchFamily="49" charset="-122"/>
+                <a:ea typeface="仿宋" panose="02010609060101010101" pitchFamily="49" charset="-122"/>
+                <a:cs typeface="Times New Roman" panose="02020603050405020304" pitchFamily="18" charset="0"/>
+              </a:rPr>
+              <a:t>累加（测试</a:t>
+            </a:r>
+            <a:r>
+              <a:rPr lang="en-US" altLang="zh-CN" sz="2400" b="1" kern="50" dirty="0">
+                <a:effectLst/>
+                <a:latin typeface="仿宋" panose="02010609060101010101" pitchFamily="49" charset="-122"/>
+                <a:ea typeface="仿宋" panose="02010609060101010101" pitchFamily="49" charset="-122"/>
+                <a:cs typeface="Times New Roman" panose="02020603050405020304" pitchFamily="18" charset="0"/>
+              </a:rPr>
+              <a:t>R</a:t>
+            </a:r>
+            <a:r>
+              <a:rPr lang="zh-CN" altLang="en-US" sz="2400" b="1" kern="50" dirty="0">
+                <a:effectLst/>
+                <a:latin typeface="仿宋" panose="02010609060101010101" pitchFamily="49" charset="-122"/>
+                <a:ea typeface="仿宋" panose="02010609060101010101" pitchFamily="49" charset="-122"/>
+                <a:cs typeface="Times New Roman" panose="02020603050405020304" pitchFamily="18" charset="0"/>
+              </a:rPr>
+              <a:t>型指令，</a:t>
+            </a:r>
+            <a:r>
+              <a:rPr lang="en-US" altLang="zh-CN" sz="2400" b="1" kern="50" dirty="0">
+                <a:effectLst/>
+                <a:latin typeface="仿宋" panose="02010609060101010101" pitchFamily="49" charset="-122"/>
+                <a:ea typeface="仿宋" panose="02010609060101010101" pitchFamily="49" charset="-122"/>
+                <a:cs typeface="Times New Roman" panose="02020603050405020304" pitchFamily="18" charset="0"/>
+              </a:rPr>
+              <a:t>I</a:t>
+            </a:r>
+            <a:r>
+              <a:rPr lang="zh-CN" altLang="en-US" sz="2400" b="1" kern="50" dirty="0">
+                <a:effectLst/>
+                <a:latin typeface="仿宋" panose="02010609060101010101" pitchFamily="49" charset="-122"/>
+                <a:ea typeface="仿宋" panose="02010609060101010101" pitchFamily="49" charset="-122"/>
+                <a:cs typeface="Times New Roman" panose="02020603050405020304" pitchFamily="18" charset="0"/>
+              </a:rPr>
+              <a:t>型指令，</a:t>
+            </a:r>
+            <a:r>
+              <a:rPr lang="en-US" altLang="zh-CN" sz="2400" b="1" kern="50" dirty="0">
+                <a:effectLst/>
+                <a:latin typeface="仿宋" panose="02010609060101010101" pitchFamily="49" charset="-122"/>
+                <a:ea typeface="仿宋" panose="02010609060101010101" pitchFamily="49" charset="-122"/>
+                <a:cs typeface="Times New Roman" panose="02020603050405020304" pitchFamily="18" charset="0"/>
+              </a:rPr>
+              <a:t>B</a:t>
+            </a:r>
+            <a:r>
+              <a:rPr lang="zh-CN" altLang="en-US" sz="2400" b="1" kern="50" dirty="0">
+                <a:latin typeface="仿宋" panose="02010609060101010101" pitchFamily="49" charset="-122"/>
+                <a:ea typeface="仿宋" panose="02010609060101010101" pitchFamily="49" charset="-122"/>
+                <a:cs typeface="Times New Roman" panose="02020603050405020304" pitchFamily="18" charset="0"/>
+              </a:rPr>
+              <a:t>型</a:t>
+            </a:r>
+            <a:r>
+              <a:rPr lang="zh-CN" altLang="en-US" sz="2400" b="1" kern="50" dirty="0">
+                <a:effectLst/>
+                <a:latin typeface="仿宋" panose="02010609060101010101" pitchFamily="49" charset="-122"/>
+                <a:ea typeface="仿宋" panose="02010609060101010101" pitchFamily="49" charset="-122"/>
+                <a:cs typeface="Times New Roman" panose="02020603050405020304" pitchFamily="18" charset="0"/>
+              </a:rPr>
+              <a:t>指令，</a:t>
+            </a:r>
+            <a:r>
+              <a:rPr lang="en-US" altLang="zh-CN" sz="2400" b="1" kern="50" dirty="0">
+                <a:effectLst/>
+                <a:latin typeface="仿宋" panose="02010609060101010101" pitchFamily="49" charset="-122"/>
+                <a:ea typeface="仿宋" panose="02010609060101010101" pitchFamily="49" charset="-122"/>
+                <a:cs typeface="Times New Roman" panose="02020603050405020304" pitchFamily="18" charset="0"/>
+              </a:rPr>
+              <a:t>S</a:t>
+            </a:r>
+            <a:r>
+              <a:rPr lang="zh-CN" altLang="en-US" sz="2400" b="1" kern="50" dirty="0">
+                <a:effectLst/>
+                <a:latin typeface="仿宋" panose="02010609060101010101" pitchFamily="49" charset="-122"/>
+                <a:ea typeface="仿宋" panose="02010609060101010101" pitchFamily="49" charset="-122"/>
+                <a:cs typeface="Times New Roman" panose="02020603050405020304" pitchFamily="18" charset="0"/>
+              </a:rPr>
+              <a:t>型指令）</a:t>
+            </a:r>
+            <a:endParaRPr lang="zh-CN" altLang="en-US" sz="2400" b="1" dirty="0">
+              <a:latin typeface="仿宋" panose="02010609060101010101" pitchFamily="49" charset="-122"/>
+              <a:ea typeface="仿宋" panose="02010609060101010101" pitchFamily="49" charset="-122"/>
+            </a:endParaRPr>
+          </a:p>
+        </p:txBody>
+      </p:sp>
+      <p:sp>
+        <p:nvSpPr>
+          <p:cNvPr id="2" name="文本框 1">
+            <a:hlinkClick r:id="rId3" action="ppaction://hlinksldjump"/>
+            <a:extLst>
+              <a:ext uri="{FF2B5EF4-FFF2-40B4-BE49-F238E27FC236}">
+                <a16:creationId xmlns:a16="http://schemas.microsoft.com/office/drawing/2014/main" id="{105CE0DD-B027-F448-D6B3-47B7D28B75E0}"/>
+              </a:ext>
+            </a:extLst>
+          </p:cNvPr>
+          <p:cNvSpPr txBox="1"/>
+          <p:nvPr/>
+        </p:nvSpPr>
+        <p:spPr>
+          <a:xfrm>
+            <a:off x="1064721" y="3146406"/>
+            <a:ext cx="9756559" cy="461665"/>
+          </a:xfrm>
+          <a:prstGeom prst="rect">
+            <a:avLst/>
+          </a:prstGeom>
+          <a:noFill/>
+        </p:spPr>
+        <p:txBody>
+          <a:bodyPr wrap="square" rtlCol="0">
+            <a:spAutoFit/>
+          </a:bodyPr>
+          <a:lstStyle/>
+          <a:p>
+            <a:r>
+              <a:rPr lang="en-US" altLang="zh-CN" sz="2400" b="1" kern="50" dirty="0">
+                <a:latin typeface="仿宋" panose="02010609060101010101" pitchFamily="49" charset="-122"/>
+                <a:ea typeface="仿宋" panose="02010609060101010101" pitchFamily="49" charset="-122"/>
+                <a:cs typeface="Times New Roman" panose="02020603050405020304" pitchFamily="18" charset="0"/>
+              </a:rPr>
+              <a:t>2</a:t>
+            </a:r>
+            <a:r>
+              <a:rPr lang="zh-CN" altLang="en-US" sz="2400" b="1" kern="50" dirty="0">
+                <a:effectLst/>
+                <a:latin typeface="仿宋" panose="02010609060101010101" pitchFamily="49" charset="-122"/>
+                <a:ea typeface="仿宋" panose="02010609060101010101" pitchFamily="49" charset="-122"/>
+                <a:cs typeface="Times New Roman" panose="02020603050405020304" pitchFamily="18" charset="0"/>
+              </a:rPr>
+              <a:t>、判断</a:t>
+            </a:r>
+            <a:r>
+              <a:rPr lang="en-US" altLang="zh-CN" sz="2400" b="1" kern="50" dirty="0">
+                <a:effectLst/>
+                <a:latin typeface="仿宋" panose="02010609060101010101" pitchFamily="49" charset="-122"/>
+                <a:ea typeface="仿宋" panose="02010609060101010101" pitchFamily="49" charset="-122"/>
+                <a:cs typeface="Times New Roman" panose="02020603050405020304" pitchFamily="18" charset="0"/>
+              </a:rPr>
+              <a:t>t1</a:t>
+            </a:r>
+            <a:r>
+              <a:rPr lang="zh-CN" altLang="en-US" sz="2400" b="1" kern="50" dirty="0">
+                <a:effectLst/>
+                <a:latin typeface="仿宋" panose="02010609060101010101" pitchFamily="49" charset="-122"/>
+                <a:ea typeface="仿宋" panose="02010609060101010101" pitchFamily="49" charset="-122"/>
+                <a:cs typeface="Times New Roman" panose="02020603050405020304" pitchFamily="18" charset="0"/>
+              </a:rPr>
+              <a:t>和</a:t>
+            </a:r>
+            <a:r>
+              <a:rPr lang="en-US" altLang="zh-CN" sz="2400" b="1" kern="50" dirty="0">
+                <a:effectLst/>
+                <a:latin typeface="仿宋" panose="02010609060101010101" pitchFamily="49" charset="-122"/>
+                <a:ea typeface="仿宋" panose="02010609060101010101" pitchFamily="49" charset="-122"/>
+                <a:cs typeface="Times New Roman" panose="02020603050405020304" pitchFamily="18" charset="0"/>
+              </a:rPr>
+              <a:t>t2</a:t>
+            </a:r>
+            <a:r>
+              <a:rPr lang="zh-CN" altLang="en-US" sz="2400" b="1" kern="50" dirty="0">
+                <a:effectLst/>
+                <a:latin typeface="仿宋" panose="02010609060101010101" pitchFamily="49" charset="-122"/>
+                <a:ea typeface="仿宋" panose="02010609060101010101" pitchFamily="49" charset="-122"/>
+                <a:cs typeface="Times New Roman" panose="02020603050405020304" pitchFamily="18" charset="0"/>
+              </a:rPr>
+              <a:t>的大小关系（测试</a:t>
+            </a:r>
+            <a:r>
+              <a:rPr lang="en-US" altLang="zh-CN" sz="2400" b="1" kern="50" dirty="0">
+                <a:effectLst/>
+                <a:latin typeface="仿宋" panose="02010609060101010101" pitchFamily="49" charset="-122"/>
+                <a:ea typeface="仿宋" panose="02010609060101010101" pitchFamily="49" charset="-122"/>
+                <a:cs typeface="Times New Roman" panose="02020603050405020304" pitchFamily="18" charset="0"/>
+              </a:rPr>
+              <a:t>B</a:t>
+            </a:r>
+            <a:r>
+              <a:rPr lang="zh-CN" altLang="en-US" sz="2400" b="1" kern="50" dirty="0">
+                <a:effectLst/>
+                <a:latin typeface="仿宋" panose="02010609060101010101" pitchFamily="49" charset="-122"/>
+                <a:ea typeface="仿宋" panose="02010609060101010101" pitchFamily="49" charset="-122"/>
+                <a:cs typeface="Times New Roman" panose="02020603050405020304" pitchFamily="18" charset="0"/>
+              </a:rPr>
+              <a:t>型指令和</a:t>
+            </a:r>
+            <a:r>
+              <a:rPr lang="en-US" altLang="zh-CN" sz="2400" b="1" kern="50" dirty="0">
+                <a:effectLst/>
+                <a:latin typeface="仿宋" panose="02010609060101010101" pitchFamily="49" charset="-122"/>
+                <a:ea typeface="仿宋" panose="02010609060101010101" pitchFamily="49" charset="-122"/>
+                <a:cs typeface="Times New Roman" panose="02020603050405020304" pitchFamily="18" charset="0"/>
+              </a:rPr>
+              <a:t>J</a:t>
+            </a:r>
+            <a:r>
+              <a:rPr lang="zh-CN" altLang="en-US" sz="2400" b="1" kern="50" dirty="0">
+                <a:effectLst/>
+                <a:latin typeface="仿宋" panose="02010609060101010101" pitchFamily="49" charset="-122"/>
+                <a:ea typeface="仿宋" panose="02010609060101010101" pitchFamily="49" charset="-122"/>
+                <a:cs typeface="Times New Roman" panose="02020603050405020304" pitchFamily="18" charset="0"/>
+              </a:rPr>
+              <a:t>型指令）</a:t>
+            </a:r>
+            <a:endParaRPr lang="zh-CN" altLang="en-US" sz="2400" b="1" dirty="0">
+              <a:latin typeface="仿宋" panose="02010609060101010101" pitchFamily="49" charset="-122"/>
+              <a:ea typeface="仿宋" panose="02010609060101010101" pitchFamily="49" charset="-122"/>
+            </a:endParaRPr>
+          </a:p>
+        </p:txBody>
+      </p:sp>
+      <p:sp>
+        <p:nvSpPr>
+          <p:cNvPr id="5" name="文本框 4">
+            <a:hlinkClick r:id="rId4" action="ppaction://hlinksldjump"/>
+            <a:extLst>
+              <a:ext uri="{FF2B5EF4-FFF2-40B4-BE49-F238E27FC236}">
+                <a16:creationId xmlns:a16="http://schemas.microsoft.com/office/drawing/2014/main" id="{EDE6E451-6BF9-2B68-E44B-F110C3CCEDA7}"/>
+              </a:ext>
+            </a:extLst>
+          </p:cNvPr>
+          <p:cNvSpPr txBox="1"/>
+          <p:nvPr/>
+        </p:nvSpPr>
+        <p:spPr>
+          <a:xfrm>
+            <a:off x="1064721" y="4511924"/>
+            <a:ext cx="9756559" cy="461665"/>
+          </a:xfrm>
+          <a:prstGeom prst="rect">
+            <a:avLst/>
+          </a:prstGeom>
+          <a:noFill/>
+        </p:spPr>
+        <p:txBody>
+          <a:bodyPr wrap="square" rtlCol="0">
+            <a:spAutoFit/>
+          </a:bodyPr>
+          <a:lstStyle/>
+          <a:p>
+            <a:r>
+              <a:rPr lang="en-US" altLang="zh-CN" sz="2400" b="1" kern="50" dirty="0">
+                <a:latin typeface="仿宋" panose="02010609060101010101" pitchFamily="49" charset="-122"/>
+                <a:ea typeface="仿宋" panose="02010609060101010101" pitchFamily="49" charset="-122"/>
+                <a:cs typeface="Times New Roman" panose="02020603050405020304" pitchFamily="18" charset="0"/>
+              </a:rPr>
+              <a:t>3</a:t>
+            </a:r>
+            <a:r>
+              <a:rPr lang="zh-CN" altLang="en-US" sz="2400" b="1" kern="50" dirty="0">
+                <a:effectLst/>
+                <a:latin typeface="仿宋" panose="02010609060101010101" pitchFamily="49" charset="-122"/>
+                <a:ea typeface="仿宋" panose="02010609060101010101" pitchFamily="49" charset="-122"/>
+                <a:cs typeface="Times New Roman" panose="02020603050405020304" pitchFamily="18" charset="0"/>
+              </a:rPr>
+              <a:t>、</a:t>
+            </a:r>
+            <a:r>
+              <a:rPr lang="zh-CN" altLang="en-US" sz="2400" b="1" kern="50" dirty="0">
+                <a:latin typeface="仿宋" panose="02010609060101010101" pitchFamily="49" charset="-122"/>
+                <a:ea typeface="仿宋" panose="02010609060101010101" pitchFamily="49" charset="-122"/>
+                <a:cs typeface="Times New Roman" panose="02020603050405020304" pitchFamily="18" charset="0"/>
+              </a:rPr>
+              <a:t>计算类</a:t>
+            </a:r>
+            <a:r>
+              <a:rPr lang="zh-CN" altLang="en-US" sz="2400" b="1" kern="50" dirty="0">
+                <a:effectLst/>
+                <a:latin typeface="仿宋" panose="02010609060101010101" pitchFamily="49" charset="-122"/>
+                <a:ea typeface="仿宋" panose="02010609060101010101" pitchFamily="49" charset="-122"/>
+                <a:cs typeface="Times New Roman" panose="02020603050405020304" pitchFamily="18" charset="0"/>
+              </a:rPr>
+              <a:t>指令测试（</a:t>
+            </a:r>
+            <a:r>
+              <a:rPr lang="en-US" altLang="zh-CN" sz="2400" b="1" kern="50" dirty="0">
+                <a:effectLst/>
+                <a:latin typeface="仿宋" panose="02010609060101010101" pitchFamily="49" charset="-122"/>
+                <a:ea typeface="仿宋" panose="02010609060101010101" pitchFamily="49" charset="-122"/>
+                <a:cs typeface="Times New Roman" panose="02020603050405020304" pitchFamily="18" charset="0"/>
+              </a:rPr>
+              <a:t>R</a:t>
+            </a:r>
+            <a:r>
+              <a:rPr lang="zh-CN" altLang="en-US" sz="2400" b="1" kern="50">
+                <a:effectLst/>
+                <a:latin typeface="仿宋" panose="02010609060101010101" pitchFamily="49" charset="-122"/>
+                <a:ea typeface="仿宋" panose="02010609060101010101" pitchFamily="49" charset="-122"/>
+                <a:cs typeface="Times New Roman" panose="02020603050405020304" pitchFamily="18" charset="0"/>
+              </a:rPr>
+              <a:t>型指令）</a:t>
+            </a:r>
+            <a:endParaRPr lang="zh-CN" altLang="en-US" sz="2400" b="1" dirty="0">
+              <a:latin typeface="仿宋" panose="02010609060101010101" pitchFamily="49" charset="-122"/>
+              <a:ea typeface="仿宋" panose="02010609060101010101" pitchFamily="49" charset="-122"/>
+            </a:endParaRPr>
+          </a:p>
+        </p:txBody>
+      </p:sp>
+      <p:sp>
+        <p:nvSpPr>
+          <p:cNvPr id="8" name="箭头: 右 7">
+            <a:hlinkClick r:id="rId5" action="ppaction://hlinksldjump"/>
+            <a:extLst>
+              <a:ext uri="{FF2B5EF4-FFF2-40B4-BE49-F238E27FC236}">
+                <a16:creationId xmlns:a16="http://schemas.microsoft.com/office/drawing/2014/main" id="{9633A50E-A5BE-9554-48DD-D7A0A9FB946E}"/>
+              </a:ext>
+            </a:extLst>
+          </p:cNvPr>
+          <p:cNvSpPr/>
+          <p:nvPr/>
+        </p:nvSpPr>
+        <p:spPr>
+          <a:xfrm>
+            <a:off x="10732655" y="6086764"/>
+            <a:ext cx="461818" cy="341731"/>
+          </a:xfrm>
+          <a:prstGeom prst="rightArrow">
+            <a:avLst/>
+          </a:prstGeom>
+        </p:spPr>
+        <p:style>
+          <a:lnRef idx="2">
+            <a:schemeClr val="accent1">
+              <a:shade val="15000"/>
+            </a:schemeClr>
+          </a:lnRef>
+          <a:fillRef idx="1">
+            <a:schemeClr val="accent1"/>
+          </a:fillRef>
+          <a:effectRef idx="0">
+            <a:schemeClr val="accent1"/>
+          </a:effectRef>
+          <a:fontRef idx="minor">
+            <a:schemeClr val="lt1"/>
+          </a:fontRef>
+        </p:style>
+        <p:txBody>
+          <a:bodyPr rtlCol="0" anchor="ctr"/>
+          <a:lstStyle/>
+          <a:p>
+            <a:pPr algn="ctr"/>
+            <a:endParaRPr lang="zh-CN" altLang="en-US"/>
+          </a:p>
+        </p:txBody>
+      </p:sp>
+    </p:spTree>
+    <p:extLst>
+      <p:ext uri="{BB962C8B-B14F-4D97-AF65-F5344CB8AC3E}">
+        <p14:creationId xmlns:p14="http://schemas.microsoft.com/office/powerpoint/2010/main" val="1760113418"/>
+      </p:ext>
+    </p:extLst>
+  </p:cSld>
+  <p:clrMapOvr>
+    <a:masterClrMapping/>
+  </p:clrMapOvr>
+</p:sld>
+</file>
+
+<file path=ppt/slides/slide15.xml><?xml version="1.0" encoding="utf-8"?>
+<p:sld xmlns:a="http://schemas.openxmlformats.org/drawingml/2006/main" xmlns:r="http://schemas.openxmlformats.org/officeDocument/2006/relationships" xmlns:p="http://schemas.openxmlformats.org/presentationml/2006/main">
+  <p:cSld>
+    <p:bg>
+      <p:bgPr>
         <a:gradFill>
           <a:gsLst>
             <a:gs pos="0">
@@ -10976,7 +11574,7 @@
 </p:sld>
 </file>
 
-<file path=ppt/slides/slide15.xml><?xml version="1.0" encoding="utf-8"?>
+<file path=ppt/slides/slide16.xml><?xml version="1.0" encoding="utf-8"?>
 <p:sld xmlns:a="http://schemas.openxmlformats.org/drawingml/2006/main" xmlns:r="http://schemas.openxmlformats.org/officeDocument/2006/relationships" xmlns:p="http://schemas.openxmlformats.org/presentationml/2006/main">
   <p:cSld>
     <p:bg>
@@ -11458,7 +12056,7 @@
 </p:sld>
 </file>
 
-<file path=ppt/slides/slide16.xml><?xml version="1.0" encoding="utf-8"?>
+<file path=ppt/slides/slide17.xml><?xml version="1.0" encoding="utf-8"?>
 <p:sld xmlns:a="http://schemas.openxmlformats.org/drawingml/2006/main" xmlns:r="http://schemas.openxmlformats.org/officeDocument/2006/relationships" xmlns:p="http://schemas.openxmlformats.org/presentationml/2006/main">
   <p:cSld>
     <p:bg>
@@ -13224,6 +13822,700 @@
 </p:sld>
 </file>
 
+<file path=ppt/slides/slide18.xml><?xml version="1.0" encoding="utf-8"?>
+<p:sld xmlns:a="http://schemas.openxmlformats.org/drawingml/2006/main" xmlns:r="http://schemas.openxmlformats.org/officeDocument/2006/relationships" xmlns:p="http://schemas.openxmlformats.org/presentationml/2006/main">
+  <p:cSld>
+    <p:bg>
+      <p:bgPr>
+        <a:gradFill>
+          <a:gsLst>
+            <a:gs pos="0">
+              <a:schemeClr val="accent3">
+                <a:lumMod val="5000"/>
+                <a:lumOff val="95000"/>
+              </a:schemeClr>
+            </a:gs>
+            <a:gs pos="74000">
+              <a:schemeClr val="accent3">
+                <a:lumMod val="45000"/>
+                <a:lumOff val="55000"/>
+              </a:schemeClr>
+            </a:gs>
+            <a:gs pos="83000">
+              <a:schemeClr val="accent3">
+                <a:lumMod val="45000"/>
+                <a:lumOff val="55000"/>
+              </a:schemeClr>
+            </a:gs>
+            <a:gs pos="100000">
+              <a:schemeClr val="accent3">
+                <a:lumMod val="30000"/>
+                <a:lumOff val="70000"/>
+              </a:schemeClr>
+            </a:gs>
+          </a:gsLst>
+          <a:lin ang="5400000" scaled="1"/>
+        </a:gradFill>
+        <a:effectLst/>
+      </p:bgPr>
+    </p:bg>
+    <p:spTree>
+      <p:nvGrpSpPr>
+        <p:cNvPr id="1" name="">
+          <a:extLst>
+            <a:ext uri="{FF2B5EF4-FFF2-40B4-BE49-F238E27FC236}">
+              <a16:creationId xmlns:a16="http://schemas.microsoft.com/office/drawing/2014/main" id="{E832E956-3FE8-8ED7-4E30-B073404580B6}"/>
+            </a:ext>
+          </a:extLst>
+        </p:cNvPr>
+        <p:cNvGrpSpPr/>
+        <p:nvPr/>
+      </p:nvGrpSpPr>
+      <p:grpSpPr>
+        <a:xfrm>
+          <a:off x="0" y="0"/>
+          <a:ext cx="0" cy="0"/>
+          <a:chOff x="0" y="0"/>
+          <a:chExt cx="0" cy="0"/>
+        </a:xfrm>
+      </p:grpSpPr>
+      <p:sp>
+        <p:nvSpPr>
+          <p:cNvPr id="7" name="内容占位符 2">
+            <a:extLst>
+              <a:ext uri="{FF2B5EF4-FFF2-40B4-BE49-F238E27FC236}">
+                <a16:creationId xmlns:a16="http://schemas.microsoft.com/office/drawing/2014/main" id="{029D5FAF-F04C-1E23-7D8A-42E853697DD0}"/>
+              </a:ext>
+            </a:extLst>
+          </p:cNvPr>
+          <p:cNvSpPr>
+            <a:spLocks noGrp="1"/>
+          </p:cNvSpPr>
+          <p:nvPr>
+            <p:ph idx="1"/>
+          </p:nvPr>
+        </p:nvSpPr>
+        <p:spPr>
+          <a:xfrm>
+            <a:off x="611679" y="577516"/>
+            <a:ext cx="10515600" cy="5599447"/>
+          </a:xfrm>
+        </p:spPr>
+        <p:txBody>
+          <a:bodyPr>
+            <a:normAutofit/>
+          </a:bodyPr>
+          <a:lstStyle/>
+          <a:p>
+            <a:pPr marL="0" indent="0">
+              <a:buNone/>
+            </a:pPr>
+            <a:r>
+              <a:rPr lang="en-US" altLang="zh-CN" sz="3200" dirty="0"/>
+              <a:t>    </a:t>
+            </a:r>
+            <a:r>
+              <a:rPr lang="zh-CN" altLang="en-US" sz="3200" dirty="0"/>
+              <a:t>程序测试</a:t>
+            </a:r>
+            <a:endParaRPr lang="en-US" altLang="zh-CN" sz="3200" dirty="0"/>
+          </a:p>
+          <a:p>
+            <a:pPr marL="0" indent="0">
+              <a:buNone/>
+            </a:pPr>
+            <a:endParaRPr lang="en-US" altLang="zh-CN" sz="3200" dirty="0"/>
+          </a:p>
+          <a:p>
+            <a:pPr marL="0" indent="0">
+              <a:buNone/>
+            </a:pPr>
+            <a:r>
+              <a:rPr lang="en-US" altLang="zh-CN" sz="3200" dirty="0"/>
+              <a:t>	</a:t>
+            </a:r>
+          </a:p>
+          <a:p>
+            <a:pPr lvl="1"/>
+            <a:endParaRPr lang="en-US" altLang="zh-CN" sz="2800" dirty="0"/>
+          </a:p>
+        </p:txBody>
+      </p:sp>
+      <p:cxnSp>
+        <p:nvCxnSpPr>
+          <p:cNvPr id="3" name="直接连接符 2">
+            <a:extLst>
+              <a:ext uri="{FF2B5EF4-FFF2-40B4-BE49-F238E27FC236}">
+                <a16:creationId xmlns:a16="http://schemas.microsoft.com/office/drawing/2014/main" id="{0942771D-FE97-D3B5-6B09-C84B27ABF722}"/>
+              </a:ext>
+            </a:extLst>
+          </p:cNvPr>
+          <p:cNvCxnSpPr/>
+          <p:nvPr/>
+        </p:nvCxnSpPr>
+        <p:spPr>
+          <a:xfrm>
+            <a:off x="876000" y="1240910"/>
+            <a:ext cx="10440000" cy="0"/>
+          </a:xfrm>
+          <a:prstGeom prst="line">
+            <a:avLst/>
+          </a:prstGeom>
+        </p:spPr>
+        <p:style>
+          <a:lnRef idx="3">
+            <a:schemeClr val="dk1"/>
+          </a:lnRef>
+          <a:fillRef idx="0">
+            <a:schemeClr val="dk1"/>
+          </a:fillRef>
+          <a:effectRef idx="2">
+            <a:schemeClr val="dk1"/>
+          </a:effectRef>
+          <a:fontRef idx="minor">
+            <a:schemeClr val="tx1"/>
+          </a:fontRef>
+        </p:style>
+      </p:cxnSp>
+      <p:pic>
+        <p:nvPicPr>
+          <p:cNvPr id="4" name="图片 3">
+            <a:extLst>
+              <a:ext uri="{FF2B5EF4-FFF2-40B4-BE49-F238E27FC236}">
+                <a16:creationId xmlns:a16="http://schemas.microsoft.com/office/drawing/2014/main" id="{CFC6F2F6-C02B-77B9-23B7-E4FEFA9F20B6}"/>
+              </a:ext>
+            </a:extLst>
+          </p:cNvPr>
+          <p:cNvPicPr>
+            <a:picLocks noChangeAspect="1"/>
+          </p:cNvPicPr>
+          <p:nvPr/>
+        </p:nvPicPr>
+        <p:blipFill rotWithShape="1">
+          <a:blip r:embed="rId2" cstate="print">
+            <a:extLst>
+              <a:ext uri="{28A0092B-C50C-407E-A947-70E740481C1C}">
+                <a14:useLocalDpi xmlns:a14="http://schemas.microsoft.com/office/drawing/2010/main" val="0"/>
+              </a:ext>
+            </a:extLst>
+          </a:blip>
+          <a:srcRect l="7559" t="5760" r="7551" b="5898"/>
+          <a:stretch/>
+        </p:blipFill>
+        <p:spPr bwMode="auto">
+          <a:xfrm>
+            <a:off x="2016305" y="138641"/>
+            <a:ext cx="4743565" cy="6477195"/>
+          </a:xfrm>
+          <a:prstGeom prst="rect">
+            <a:avLst/>
+          </a:prstGeom>
+          <a:noFill/>
+          <a:ln>
+            <a:noFill/>
+          </a:ln>
+          <a:extLst>
+            <a:ext uri="{53640926-AAD7-44D8-BBD7-CCE9431645EC}">
+              <a14:shadowObscured xmlns:a14="http://schemas.microsoft.com/office/drawing/2010/main"/>
+            </a:ext>
+          </a:extLst>
+        </p:spPr>
+      </p:pic>
+      <p:pic>
+        <p:nvPicPr>
+          <p:cNvPr id="6" name="图片 5">
+            <a:extLst>
+              <a:ext uri="{FF2B5EF4-FFF2-40B4-BE49-F238E27FC236}">
+                <a16:creationId xmlns:a16="http://schemas.microsoft.com/office/drawing/2014/main" id="{75C7BA16-751B-0C84-9673-147D45CBDDAD}"/>
+              </a:ext>
+            </a:extLst>
+          </p:cNvPr>
+          <p:cNvPicPr>
+            <a:picLocks noChangeAspect="1"/>
+          </p:cNvPicPr>
+          <p:nvPr/>
+        </p:nvPicPr>
+        <p:blipFill rotWithShape="1">
+          <a:blip r:embed="rId3">
+            <a:extLst>
+              <a:ext uri="{28A0092B-C50C-407E-A947-70E740481C1C}">
+                <a14:useLocalDpi xmlns:a14="http://schemas.microsoft.com/office/drawing/2010/main" val="0"/>
+              </a:ext>
+            </a:extLst>
+          </a:blip>
+          <a:srcRect l="19038" t="23635" r="18018" b="5694"/>
+          <a:stretch/>
+        </p:blipFill>
+        <p:spPr bwMode="auto">
+          <a:xfrm>
+            <a:off x="8005501" y="55913"/>
+            <a:ext cx="1876147" cy="6802087"/>
+          </a:xfrm>
+          <a:prstGeom prst="rect">
+            <a:avLst/>
+          </a:prstGeom>
+          <a:noFill/>
+          <a:ln>
+            <a:noFill/>
+          </a:ln>
+          <a:extLst>
+            <a:ext uri="{53640926-AAD7-44D8-BBD7-CCE9431645EC}">
+              <a14:shadowObscured xmlns:a14="http://schemas.microsoft.com/office/drawing/2010/main"/>
+            </a:ext>
+          </a:extLst>
+        </p:spPr>
+      </p:pic>
+      <p:sp>
+        <p:nvSpPr>
+          <p:cNvPr id="10" name="椭圆 9">
+            <a:hlinkClick r:id="rId4" action="ppaction://hlinksldjump"/>
+            <a:extLst>
+              <a:ext uri="{FF2B5EF4-FFF2-40B4-BE49-F238E27FC236}">
+                <a16:creationId xmlns:a16="http://schemas.microsoft.com/office/drawing/2014/main" id="{CA2AD0B9-5741-87EB-2692-373271E4FFFE}"/>
+              </a:ext>
+            </a:extLst>
+          </p:cNvPr>
+          <p:cNvSpPr/>
+          <p:nvPr/>
+        </p:nvSpPr>
+        <p:spPr>
+          <a:xfrm>
+            <a:off x="11316000" y="6345382"/>
+            <a:ext cx="359972" cy="359972"/>
+          </a:xfrm>
+          <a:prstGeom prst="ellipse">
+            <a:avLst/>
+          </a:prstGeom>
+        </p:spPr>
+        <p:style>
+          <a:lnRef idx="2">
+            <a:schemeClr val="accent1">
+              <a:shade val="15000"/>
+            </a:schemeClr>
+          </a:lnRef>
+          <a:fillRef idx="1">
+            <a:schemeClr val="accent1"/>
+          </a:fillRef>
+          <a:effectRef idx="0">
+            <a:schemeClr val="accent1"/>
+          </a:effectRef>
+          <a:fontRef idx="minor">
+            <a:schemeClr val="lt1"/>
+          </a:fontRef>
+        </p:style>
+        <p:txBody>
+          <a:bodyPr rtlCol="0" anchor="ctr"/>
+          <a:lstStyle/>
+          <a:p>
+            <a:pPr algn="ctr"/>
+            <a:endParaRPr lang="zh-CN" altLang="en-US"/>
+          </a:p>
+        </p:txBody>
+      </p:sp>
+    </p:spTree>
+    <p:extLst>
+      <p:ext uri="{BB962C8B-B14F-4D97-AF65-F5344CB8AC3E}">
+        <p14:creationId xmlns:p14="http://schemas.microsoft.com/office/powerpoint/2010/main" val="1951672750"/>
+      </p:ext>
+    </p:extLst>
+  </p:cSld>
+  <p:clrMapOvr>
+    <a:masterClrMapping/>
+  </p:clrMapOvr>
+</p:sld>
+</file>
+
+<file path=ppt/slides/slide19.xml><?xml version="1.0" encoding="utf-8"?>
+<p:sld xmlns:a="http://schemas.openxmlformats.org/drawingml/2006/main" xmlns:r="http://schemas.openxmlformats.org/officeDocument/2006/relationships" xmlns:p="http://schemas.openxmlformats.org/presentationml/2006/main">
+  <p:cSld>
+    <p:bg>
+      <p:bgPr>
+        <a:gradFill>
+          <a:gsLst>
+            <a:gs pos="0">
+              <a:schemeClr val="accent3">
+                <a:lumMod val="5000"/>
+                <a:lumOff val="95000"/>
+              </a:schemeClr>
+            </a:gs>
+            <a:gs pos="74000">
+              <a:schemeClr val="accent3">
+                <a:lumMod val="45000"/>
+                <a:lumOff val="55000"/>
+              </a:schemeClr>
+            </a:gs>
+            <a:gs pos="83000">
+              <a:schemeClr val="accent3">
+                <a:lumMod val="45000"/>
+                <a:lumOff val="55000"/>
+              </a:schemeClr>
+            </a:gs>
+            <a:gs pos="100000">
+              <a:schemeClr val="accent3">
+                <a:lumMod val="30000"/>
+                <a:lumOff val="70000"/>
+              </a:schemeClr>
+            </a:gs>
+          </a:gsLst>
+          <a:lin ang="5400000" scaled="1"/>
+        </a:gradFill>
+        <a:effectLst/>
+      </p:bgPr>
+    </p:bg>
+    <p:spTree>
+      <p:nvGrpSpPr>
+        <p:cNvPr id="1" name="">
+          <a:extLst>
+            <a:ext uri="{FF2B5EF4-FFF2-40B4-BE49-F238E27FC236}">
+              <a16:creationId xmlns:a16="http://schemas.microsoft.com/office/drawing/2014/main" id="{FE90AB36-8F89-5A62-8955-EF5C5F2003C7}"/>
+            </a:ext>
+          </a:extLst>
+        </p:cNvPr>
+        <p:cNvGrpSpPr/>
+        <p:nvPr/>
+      </p:nvGrpSpPr>
+      <p:grpSpPr>
+        <a:xfrm>
+          <a:off x="0" y="0"/>
+          <a:ext cx="0" cy="0"/>
+          <a:chOff x="0" y="0"/>
+          <a:chExt cx="0" cy="0"/>
+        </a:xfrm>
+      </p:grpSpPr>
+      <p:sp>
+        <p:nvSpPr>
+          <p:cNvPr id="7" name="内容占位符 2">
+            <a:extLst>
+              <a:ext uri="{FF2B5EF4-FFF2-40B4-BE49-F238E27FC236}">
+                <a16:creationId xmlns:a16="http://schemas.microsoft.com/office/drawing/2014/main" id="{B948E018-C1B3-AF4B-A877-E2F131CDF9E7}"/>
+              </a:ext>
+            </a:extLst>
+          </p:cNvPr>
+          <p:cNvSpPr>
+            <a:spLocks noGrp="1"/>
+          </p:cNvSpPr>
+          <p:nvPr>
+            <p:ph idx="1"/>
+          </p:nvPr>
+        </p:nvSpPr>
+        <p:spPr>
+          <a:xfrm>
+            <a:off x="611679" y="577516"/>
+            <a:ext cx="10515600" cy="5599447"/>
+          </a:xfrm>
+        </p:spPr>
+        <p:txBody>
+          <a:bodyPr>
+            <a:normAutofit/>
+          </a:bodyPr>
+          <a:lstStyle/>
+          <a:p>
+            <a:pPr marL="0" indent="0">
+              <a:buNone/>
+            </a:pPr>
+            <a:r>
+              <a:rPr lang="en-US" altLang="zh-CN" sz="3200" dirty="0"/>
+              <a:t>    </a:t>
+            </a:r>
+            <a:r>
+              <a:rPr lang="zh-CN" altLang="en-US" sz="3200" dirty="0"/>
+              <a:t>程序测试</a:t>
+            </a:r>
+            <a:endParaRPr lang="en-US" altLang="zh-CN" sz="3200" dirty="0"/>
+          </a:p>
+          <a:p>
+            <a:pPr marL="0" indent="0">
+              <a:buNone/>
+            </a:pPr>
+            <a:endParaRPr lang="en-US" altLang="zh-CN" sz="3200" dirty="0"/>
+          </a:p>
+          <a:p>
+            <a:pPr marL="0" indent="0">
+              <a:buNone/>
+            </a:pPr>
+            <a:r>
+              <a:rPr lang="en-US" altLang="zh-CN" sz="3200" dirty="0"/>
+              <a:t>	</a:t>
+            </a:r>
+          </a:p>
+          <a:p>
+            <a:pPr lvl="1"/>
+            <a:endParaRPr lang="en-US" altLang="zh-CN" sz="2800" dirty="0"/>
+          </a:p>
+        </p:txBody>
+      </p:sp>
+      <p:cxnSp>
+        <p:nvCxnSpPr>
+          <p:cNvPr id="3" name="直接连接符 2">
+            <a:extLst>
+              <a:ext uri="{FF2B5EF4-FFF2-40B4-BE49-F238E27FC236}">
+                <a16:creationId xmlns:a16="http://schemas.microsoft.com/office/drawing/2014/main" id="{07C7BCE0-85D8-9BF2-392C-FE84AAA6F16C}"/>
+              </a:ext>
+            </a:extLst>
+          </p:cNvPr>
+          <p:cNvCxnSpPr/>
+          <p:nvPr/>
+        </p:nvCxnSpPr>
+        <p:spPr>
+          <a:xfrm>
+            <a:off x="876000" y="1240910"/>
+            <a:ext cx="10440000" cy="0"/>
+          </a:xfrm>
+          <a:prstGeom prst="line">
+            <a:avLst/>
+          </a:prstGeom>
+        </p:spPr>
+        <p:style>
+          <a:lnRef idx="3">
+            <a:schemeClr val="dk1"/>
+          </a:lnRef>
+          <a:fillRef idx="0">
+            <a:schemeClr val="dk1"/>
+          </a:fillRef>
+          <a:effectRef idx="2">
+            <a:schemeClr val="dk1"/>
+          </a:effectRef>
+          <a:fontRef idx="minor">
+            <a:schemeClr val="tx1"/>
+          </a:fontRef>
+        </p:style>
+      </p:cxnSp>
+      <p:pic>
+        <p:nvPicPr>
+          <p:cNvPr id="2" name="图片 1">
+            <a:extLst>
+              <a:ext uri="{FF2B5EF4-FFF2-40B4-BE49-F238E27FC236}">
+                <a16:creationId xmlns:a16="http://schemas.microsoft.com/office/drawing/2014/main" id="{6E0FD8A9-4352-FC7D-0497-F86A4DE8B3CD}"/>
+              </a:ext>
+            </a:extLst>
+          </p:cNvPr>
+          <p:cNvPicPr>
+            <a:picLocks noChangeAspect="1"/>
+          </p:cNvPicPr>
+          <p:nvPr/>
+        </p:nvPicPr>
+        <p:blipFill rotWithShape="1">
+          <a:blip r:embed="rId2" cstate="print">
+            <a:extLst>
+              <a:ext uri="{28A0092B-C50C-407E-A947-70E740481C1C}">
+                <a14:useLocalDpi xmlns:a14="http://schemas.microsoft.com/office/drawing/2010/main" val="0"/>
+              </a:ext>
+            </a:extLst>
+          </a:blip>
+          <a:srcRect l="9835" t="5370" r="9119" b="5209"/>
+          <a:stretch/>
+        </p:blipFill>
+        <p:spPr bwMode="auto">
+          <a:xfrm>
+            <a:off x="1287432" y="69589"/>
+            <a:ext cx="3256857" cy="6759271"/>
+          </a:xfrm>
+          <a:prstGeom prst="rect">
+            <a:avLst/>
+          </a:prstGeom>
+          <a:noFill/>
+          <a:ln>
+            <a:noFill/>
+          </a:ln>
+          <a:extLst>
+            <a:ext uri="{53640926-AAD7-44D8-BBD7-CCE9431645EC}">
+              <a14:shadowObscured xmlns:a14="http://schemas.microsoft.com/office/drawing/2010/main"/>
+            </a:ext>
+          </a:extLst>
+        </p:spPr>
+      </p:pic>
+      <p:pic>
+        <p:nvPicPr>
+          <p:cNvPr id="5" name="图片 4">
+            <a:extLst>
+              <a:ext uri="{FF2B5EF4-FFF2-40B4-BE49-F238E27FC236}">
+                <a16:creationId xmlns:a16="http://schemas.microsoft.com/office/drawing/2014/main" id="{C5D8E9DE-C550-870B-F5C1-C910C98F4F97}"/>
+              </a:ext>
+            </a:extLst>
+          </p:cNvPr>
+          <p:cNvPicPr>
+            <a:picLocks noChangeAspect="1"/>
+          </p:cNvPicPr>
+          <p:nvPr/>
+        </p:nvPicPr>
+        <p:blipFill rotWithShape="1">
+          <a:blip r:embed="rId3">
+            <a:extLst>
+              <a:ext uri="{28A0092B-C50C-407E-A947-70E740481C1C}">
+                <a14:useLocalDpi xmlns:a14="http://schemas.microsoft.com/office/drawing/2010/main" val="0"/>
+              </a:ext>
+            </a:extLst>
+          </a:blip>
+          <a:srcRect l="18504" t="14955" r="18032" b="15331"/>
+          <a:stretch/>
+        </p:blipFill>
+        <p:spPr bwMode="auto">
+          <a:xfrm>
+            <a:off x="5485188" y="69589"/>
+            <a:ext cx="2596630" cy="3440468"/>
+          </a:xfrm>
+          <a:prstGeom prst="rect">
+            <a:avLst/>
+          </a:prstGeom>
+          <a:noFill/>
+          <a:ln>
+            <a:noFill/>
+          </a:ln>
+          <a:extLst>
+            <a:ext uri="{53640926-AAD7-44D8-BBD7-CCE9431645EC}">
+              <a14:shadowObscured xmlns:a14="http://schemas.microsoft.com/office/drawing/2010/main"/>
+            </a:ext>
+          </a:extLst>
+        </p:spPr>
+      </p:pic>
+      <p:pic>
+        <p:nvPicPr>
+          <p:cNvPr id="8" name="图片 7">
+            <a:extLst>
+              <a:ext uri="{FF2B5EF4-FFF2-40B4-BE49-F238E27FC236}">
+                <a16:creationId xmlns:a16="http://schemas.microsoft.com/office/drawing/2014/main" id="{DE65B7E8-415B-C8F0-E839-7672E077715A}"/>
+              </a:ext>
+            </a:extLst>
+          </p:cNvPr>
+          <p:cNvPicPr>
+            <a:picLocks noChangeAspect="1"/>
+          </p:cNvPicPr>
+          <p:nvPr/>
+        </p:nvPicPr>
+        <p:blipFill rotWithShape="1">
+          <a:blip r:embed="rId4">
+            <a:extLst>
+              <a:ext uri="{28A0092B-C50C-407E-A947-70E740481C1C}">
+                <a14:useLocalDpi xmlns:a14="http://schemas.microsoft.com/office/drawing/2010/main" val="0"/>
+              </a:ext>
+            </a:extLst>
+          </a:blip>
+          <a:srcRect l="17977" t="15141" r="17863" b="14881"/>
+          <a:stretch/>
+        </p:blipFill>
+        <p:spPr bwMode="auto">
+          <a:xfrm>
+            <a:off x="8719370" y="94457"/>
+            <a:ext cx="2596630" cy="3415600"/>
+          </a:xfrm>
+          <a:prstGeom prst="rect">
+            <a:avLst/>
+          </a:prstGeom>
+          <a:noFill/>
+          <a:ln>
+            <a:noFill/>
+          </a:ln>
+          <a:extLst>
+            <a:ext uri="{53640926-AAD7-44D8-BBD7-CCE9431645EC}">
+              <a14:shadowObscured xmlns:a14="http://schemas.microsoft.com/office/drawing/2010/main"/>
+            </a:ext>
+          </a:extLst>
+        </p:spPr>
+      </p:pic>
+      <p:pic>
+        <p:nvPicPr>
+          <p:cNvPr id="9" name="图片 8">
+            <a:extLst>
+              <a:ext uri="{FF2B5EF4-FFF2-40B4-BE49-F238E27FC236}">
+                <a16:creationId xmlns:a16="http://schemas.microsoft.com/office/drawing/2014/main" id="{3B18946B-8CE5-7C5A-0595-3A69DA1D4C15}"/>
+              </a:ext>
+            </a:extLst>
+          </p:cNvPr>
+          <p:cNvPicPr>
+            <a:picLocks noChangeAspect="1"/>
+          </p:cNvPicPr>
+          <p:nvPr/>
+        </p:nvPicPr>
+        <p:blipFill rotWithShape="1">
+          <a:blip r:embed="rId5">
+            <a:extLst>
+              <a:ext uri="{28A0092B-C50C-407E-A947-70E740481C1C}">
+                <a14:useLocalDpi xmlns:a14="http://schemas.microsoft.com/office/drawing/2010/main" val="0"/>
+              </a:ext>
+            </a:extLst>
+          </a:blip>
+          <a:srcRect l="18849" t="15325" r="18501" b="15000"/>
+          <a:stretch/>
+        </p:blipFill>
+        <p:spPr bwMode="auto">
+          <a:xfrm>
+            <a:off x="7212388" y="3583948"/>
+            <a:ext cx="2596630" cy="3482042"/>
+          </a:xfrm>
+          <a:prstGeom prst="rect">
+            <a:avLst/>
+          </a:prstGeom>
+          <a:noFill/>
+          <a:ln>
+            <a:noFill/>
+          </a:ln>
+          <a:extLst>
+            <a:ext uri="{53640926-AAD7-44D8-BBD7-CCE9431645EC}">
+              <a14:shadowObscured xmlns:a14="http://schemas.microsoft.com/office/drawing/2010/main"/>
+            </a:ext>
+          </a:extLst>
+        </p:spPr>
+      </p:pic>
+      <p:sp>
+        <p:nvSpPr>
+          <p:cNvPr id="10" name="椭圆 9">
+            <a:hlinkClick r:id="rId6" action="ppaction://hlinksldjump"/>
+            <a:extLst>
+              <a:ext uri="{FF2B5EF4-FFF2-40B4-BE49-F238E27FC236}">
+                <a16:creationId xmlns:a16="http://schemas.microsoft.com/office/drawing/2014/main" id="{33AD9C1D-402D-C60D-DF30-37DD20110D3D}"/>
+              </a:ext>
+            </a:extLst>
+          </p:cNvPr>
+          <p:cNvSpPr/>
+          <p:nvPr/>
+        </p:nvSpPr>
+        <p:spPr>
+          <a:xfrm>
+            <a:off x="11316000" y="6345382"/>
+            <a:ext cx="359972" cy="359972"/>
+          </a:xfrm>
+          <a:prstGeom prst="ellipse">
+            <a:avLst/>
+          </a:prstGeom>
+        </p:spPr>
+        <p:style>
+          <a:lnRef idx="2">
+            <a:schemeClr val="accent1">
+              <a:shade val="15000"/>
+            </a:schemeClr>
+          </a:lnRef>
+          <a:fillRef idx="1">
+            <a:schemeClr val="accent1"/>
+          </a:fillRef>
+          <a:effectRef idx="0">
+            <a:schemeClr val="accent1"/>
+          </a:effectRef>
+          <a:fontRef idx="minor">
+            <a:schemeClr val="lt1"/>
+          </a:fontRef>
+        </p:style>
+        <p:txBody>
+          <a:bodyPr rtlCol="0" anchor="ctr"/>
+          <a:lstStyle/>
+          <a:p>
+            <a:pPr algn="ctr"/>
+            <a:endParaRPr lang="zh-CN" altLang="en-US"/>
+          </a:p>
+        </p:txBody>
+      </p:sp>
+    </p:spTree>
+    <p:extLst>
+      <p:ext uri="{BB962C8B-B14F-4D97-AF65-F5344CB8AC3E}">
+        <p14:creationId xmlns:p14="http://schemas.microsoft.com/office/powerpoint/2010/main" val="1911519669"/>
+      </p:ext>
+    </p:extLst>
+  </p:cSld>
+  <p:clrMapOvr>
+    <a:masterClrMapping/>
+  </p:clrMapOvr>
+</p:sld>
+</file>
+
 <file path=ppt/slides/slide2.xml><?xml version="1.0" encoding="utf-8"?>
 <p:sld xmlns:a="http://schemas.openxmlformats.org/drawingml/2006/main" xmlns:r="http://schemas.openxmlformats.org/officeDocument/2006/relationships" xmlns:p="http://schemas.openxmlformats.org/presentationml/2006/main">
   <p:cSld>
@@ -13349,6 +14641,547 @@
     <p:extLst>
       <p:ext uri="{BB962C8B-B14F-4D97-AF65-F5344CB8AC3E}">
         <p14:creationId xmlns:p14="http://schemas.microsoft.com/office/powerpoint/2010/main" val="3960934432"/>
+      </p:ext>
+    </p:extLst>
+  </p:cSld>
+  <p:clrMapOvr>
+    <a:masterClrMapping/>
+  </p:clrMapOvr>
+</p:sld>
+</file>
+
+<file path=ppt/slides/slide20.xml><?xml version="1.0" encoding="utf-8"?>
+<p:sld xmlns:a="http://schemas.openxmlformats.org/drawingml/2006/main" xmlns:r="http://schemas.openxmlformats.org/officeDocument/2006/relationships" xmlns:p="http://schemas.openxmlformats.org/presentationml/2006/main">
+  <p:cSld>
+    <p:bg>
+      <p:bgPr>
+        <a:gradFill>
+          <a:gsLst>
+            <a:gs pos="0">
+              <a:schemeClr val="accent3">
+                <a:lumMod val="5000"/>
+                <a:lumOff val="95000"/>
+              </a:schemeClr>
+            </a:gs>
+            <a:gs pos="74000">
+              <a:schemeClr val="accent3">
+                <a:lumMod val="45000"/>
+                <a:lumOff val="55000"/>
+              </a:schemeClr>
+            </a:gs>
+            <a:gs pos="83000">
+              <a:schemeClr val="accent3">
+                <a:lumMod val="45000"/>
+                <a:lumOff val="55000"/>
+              </a:schemeClr>
+            </a:gs>
+            <a:gs pos="100000">
+              <a:schemeClr val="accent3">
+                <a:lumMod val="30000"/>
+                <a:lumOff val="70000"/>
+              </a:schemeClr>
+            </a:gs>
+          </a:gsLst>
+          <a:lin ang="5400000" scaled="1"/>
+        </a:gradFill>
+        <a:effectLst/>
+      </p:bgPr>
+    </p:bg>
+    <p:spTree>
+      <p:nvGrpSpPr>
+        <p:cNvPr id="1" name="">
+          <a:extLst>
+            <a:ext uri="{FF2B5EF4-FFF2-40B4-BE49-F238E27FC236}">
+              <a16:creationId xmlns:a16="http://schemas.microsoft.com/office/drawing/2014/main" id="{09ACA3E5-2361-8A24-E9DA-13CB203F59E1}"/>
+            </a:ext>
+          </a:extLst>
+        </p:cNvPr>
+        <p:cNvGrpSpPr/>
+        <p:nvPr/>
+      </p:nvGrpSpPr>
+      <p:grpSpPr>
+        <a:xfrm>
+          <a:off x="0" y="0"/>
+          <a:ext cx="0" cy="0"/>
+          <a:chOff x="0" y="0"/>
+          <a:chExt cx="0" cy="0"/>
+        </a:xfrm>
+      </p:grpSpPr>
+      <p:sp>
+        <p:nvSpPr>
+          <p:cNvPr id="7" name="内容占位符 2">
+            <a:extLst>
+              <a:ext uri="{FF2B5EF4-FFF2-40B4-BE49-F238E27FC236}">
+                <a16:creationId xmlns:a16="http://schemas.microsoft.com/office/drawing/2014/main" id="{D4CEE295-ED5B-E201-1E8A-21BB50A85DFF}"/>
+              </a:ext>
+            </a:extLst>
+          </p:cNvPr>
+          <p:cNvSpPr>
+            <a:spLocks noGrp="1"/>
+          </p:cNvSpPr>
+          <p:nvPr>
+            <p:ph idx="1"/>
+          </p:nvPr>
+        </p:nvSpPr>
+        <p:spPr>
+          <a:xfrm>
+            <a:off x="611679" y="577516"/>
+            <a:ext cx="10515600" cy="5599447"/>
+          </a:xfrm>
+        </p:spPr>
+        <p:txBody>
+          <a:bodyPr>
+            <a:normAutofit/>
+          </a:bodyPr>
+          <a:lstStyle/>
+          <a:p>
+            <a:pPr marL="0" indent="0">
+              <a:buNone/>
+            </a:pPr>
+            <a:r>
+              <a:rPr lang="en-US" altLang="zh-CN" sz="3200" dirty="0"/>
+              <a:t>    </a:t>
+            </a:r>
+            <a:r>
+              <a:rPr lang="zh-CN" altLang="en-US" sz="3200" dirty="0"/>
+              <a:t>程序测试</a:t>
+            </a:r>
+            <a:endParaRPr lang="en-US" altLang="zh-CN" sz="3200" dirty="0"/>
+          </a:p>
+          <a:p>
+            <a:pPr marL="0" indent="0">
+              <a:buNone/>
+            </a:pPr>
+            <a:endParaRPr lang="en-US" altLang="zh-CN" sz="3200" dirty="0"/>
+          </a:p>
+          <a:p>
+            <a:pPr marL="0" indent="0">
+              <a:buNone/>
+            </a:pPr>
+            <a:r>
+              <a:rPr lang="en-US" altLang="zh-CN" sz="3200" dirty="0"/>
+              <a:t>	</a:t>
+            </a:r>
+          </a:p>
+          <a:p>
+            <a:pPr lvl="1"/>
+            <a:endParaRPr lang="en-US" altLang="zh-CN" sz="2800" dirty="0"/>
+          </a:p>
+        </p:txBody>
+      </p:sp>
+      <p:cxnSp>
+        <p:nvCxnSpPr>
+          <p:cNvPr id="3" name="直接连接符 2">
+            <a:extLst>
+              <a:ext uri="{FF2B5EF4-FFF2-40B4-BE49-F238E27FC236}">
+                <a16:creationId xmlns:a16="http://schemas.microsoft.com/office/drawing/2014/main" id="{CF6C951C-C69A-02F1-1346-C0E5824D281A}"/>
+              </a:ext>
+            </a:extLst>
+          </p:cNvPr>
+          <p:cNvCxnSpPr/>
+          <p:nvPr/>
+        </p:nvCxnSpPr>
+        <p:spPr>
+          <a:xfrm>
+            <a:off x="876000" y="1240910"/>
+            <a:ext cx="10440000" cy="0"/>
+          </a:xfrm>
+          <a:prstGeom prst="line">
+            <a:avLst/>
+          </a:prstGeom>
+        </p:spPr>
+        <p:style>
+          <a:lnRef idx="3">
+            <a:schemeClr val="dk1"/>
+          </a:lnRef>
+          <a:fillRef idx="0">
+            <a:schemeClr val="dk1"/>
+          </a:fillRef>
+          <a:effectRef idx="2">
+            <a:schemeClr val="dk1"/>
+          </a:effectRef>
+          <a:fontRef idx="minor">
+            <a:schemeClr val="tx1"/>
+          </a:fontRef>
+        </p:style>
+      </p:cxnSp>
+      <p:sp>
+        <p:nvSpPr>
+          <p:cNvPr id="10" name="椭圆 9">
+            <a:hlinkClick r:id="rId2" action="ppaction://hlinksldjump"/>
+            <a:extLst>
+              <a:ext uri="{FF2B5EF4-FFF2-40B4-BE49-F238E27FC236}">
+                <a16:creationId xmlns:a16="http://schemas.microsoft.com/office/drawing/2014/main" id="{4D367C3C-088F-B316-4940-80DF3D7BDBAA}"/>
+              </a:ext>
+            </a:extLst>
+          </p:cNvPr>
+          <p:cNvSpPr/>
+          <p:nvPr/>
+        </p:nvSpPr>
+        <p:spPr>
+          <a:xfrm>
+            <a:off x="11316000" y="6345382"/>
+            <a:ext cx="359972" cy="359972"/>
+          </a:xfrm>
+          <a:prstGeom prst="ellipse">
+            <a:avLst/>
+          </a:prstGeom>
+        </p:spPr>
+        <p:style>
+          <a:lnRef idx="2">
+            <a:schemeClr val="accent1">
+              <a:shade val="15000"/>
+            </a:schemeClr>
+          </a:lnRef>
+          <a:fillRef idx="1">
+            <a:schemeClr val="accent1"/>
+          </a:fillRef>
+          <a:effectRef idx="0">
+            <a:schemeClr val="accent1"/>
+          </a:effectRef>
+          <a:fontRef idx="minor">
+            <a:schemeClr val="lt1"/>
+          </a:fontRef>
+        </p:style>
+        <p:txBody>
+          <a:bodyPr rtlCol="0" anchor="ctr"/>
+          <a:lstStyle/>
+          <a:p>
+            <a:pPr algn="ctr"/>
+            <a:endParaRPr lang="zh-CN" altLang="en-US"/>
+          </a:p>
+        </p:txBody>
+      </p:sp>
+      <p:pic>
+        <p:nvPicPr>
+          <p:cNvPr id="4" name="图片 3">
+            <a:extLst>
+              <a:ext uri="{FF2B5EF4-FFF2-40B4-BE49-F238E27FC236}">
+                <a16:creationId xmlns:a16="http://schemas.microsoft.com/office/drawing/2014/main" id="{21A395F4-94CC-3EE1-BC15-A184F089B15D}"/>
+              </a:ext>
+            </a:extLst>
+          </p:cNvPr>
+          <p:cNvPicPr>
+            <a:picLocks noChangeAspect="1"/>
+          </p:cNvPicPr>
+          <p:nvPr/>
+        </p:nvPicPr>
+        <p:blipFill rotWithShape="1">
+          <a:blip r:embed="rId3" cstate="print">
+            <a:extLst>
+              <a:ext uri="{28A0092B-C50C-407E-A947-70E740481C1C}">
+                <a14:useLocalDpi xmlns:a14="http://schemas.microsoft.com/office/drawing/2010/main" val="0"/>
+              </a:ext>
+            </a:extLst>
+          </a:blip>
+          <a:srcRect l="11790" t="4648" r="11784" b="4672"/>
+          <a:stretch/>
+        </p:blipFill>
+        <p:spPr bwMode="auto">
+          <a:xfrm>
+            <a:off x="157019" y="0"/>
+            <a:ext cx="2142836" cy="6840592"/>
+          </a:xfrm>
+          <a:prstGeom prst="rect">
+            <a:avLst/>
+          </a:prstGeom>
+          <a:noFill/>
+          <a:ln>
+            <a:noFill/>
+          </a:ln>
+          <a:extLst>
+            <a:ext uri="{53640926-AAD7-44D8-BBD7-CCE9431645EC}">
+              <a14:shadowObscured xmlns:a14="http://schemas.microsoft.com/office/drawing/2010/main"/>
+            </a:ext>
+          </a:extLst>
+        </p:spPr>
+      </p:pic>
+      <p:pic>
+        <p:nvPicPr>
+          <p:cNvPr id="6" name="图片 5">
+            <a:extLst>
+              <a:ext uri="{FF2B5EF4-FFF2-40B4-BE49-F238E27FC236}">
+                <a16:creationId xmlns:a16="http://schemas.microsoft.com/office/drawing/2014/main" id="{BCA06355-8B1B-7637-FC87-089B71E0BC63}"/>
+              </a:ext>
+            </a:extLst>
+          </p:cNvPr>
+          <p:cNvPicPr>
+            <a:picLocks noChangeAspect="1"/>
+          </p:cNvPicPr>
+          <p:nvPr/>
+        </p:nvPicPr>
+        <p:blipFill rotWithShape="1">
+          <a:blip r:embed="rId4">
+            <a:extLst>
+              <a:ext uri="{28A0092B-C50C-407E-A947-70E740481C1C}">
+                <a14:useLocalDpi xmlns:a14="http://schemas.microsoft.com/office/drawing/2010/main" val="0"/>
+              </a:ext>
+            </a:extLst>
+          </a:blip>
+          <a:srcRect l="18511" t="6009" r="18234" b="5969"/>
+          <a:stretch/>
+        </p:blipFill>
+        <p:spPr bwMode="auto">
+          <a:xfrm>
+            <a:off x="2496242" y="0"/>
+            <a:ext cx="1743249" cy="7054556"/>
+          </a:xfrm>
+          <a:prstGeom prst="rect">
+            <a:avLst/>
+          </a:prstGeom>
+          <a:noFill/>
+          <a:ln>
+            <a:noFill/>
+          </a:ln>
+          <a:extLst>
+            <a:ext uri="{53640926-AAD7-44D8-BBD7-CCE9431645EC}">
+              <a14:shadowObscured xmlns:a14="http://schemas.microsoft.com/office/drawing/2010/main"/>
+            </a:ext>
+          </a:extLst>
+        </p:spPr>
+      </p:pic>
+      <p:pic>
+        <p:nvPicPr>
+          <p:cNvPr id="11" name="图片 10">
+            <a:extLst>
+              <a:ext uri="{FF2B5EF4-FFF2-40B4-BE49-F238E27FC236}">
+                <a16:creationId xmlns:a16="http://schemas.microsoft.com/office/drawing/2014/main" id="{935CB220-A914-3706-E793-00B06FCEAD41}"/>
+              </a:ext>
+            </a:extLst>
+          </p:cNvPr>
+          <p:cNvPicPr>
+            <a:picLocks noChangeAspect="1"/>
+          </p:cNvPicPr>
+          <p:nvPr/>
+        </p:nvPicPr>
+        <p:blipFill rotWithShape="1">
+          <a:blip r:embed="rId5" cstate="print">
+            <a:extLst>
+              <a:ext uri="{28A0092B-C50C-407E-A947-70E740481C1C}">
+                <a14:useLocalDpi xmlns:a14="http://schemas.microsoft.com/office/drawing/2010/main" val="0"/>
+              </a:ext>
+            </a:extLst>
+          </a:blip>
+          <a:srcRect l="10064" t="6058" r="9641" b="5913"/>
+          <a:stretch/>
+        </p:blipFill>
+        <p:spPr bwMode="auto">
+          <a:xfrm>
+            <a:off x="4561291" y="-1"/>
+            <a:ext cx="3945400" cy="7046153"/>
+          </a:xfrm>
+          <a:prstGeom prst="rect">
+            <a:avLst/>
+          </a:prstGeom>
+          <a:noFill/>
+          <a:ln>
+            <a:noFill/>
+          </a:ln>
+          <a:extLst>
+            <a:ext uri="{53640926-AAD7-44D8-BBD7-CCE9431645EC}">
+              <a14:shadowObscured xmlns:a14="http://schemas.microsoft.com/office/drawing/2010/main"/>
+            </a:ext>
+          </a:extLst>
+        </p:spPr>
+      </p:pic>
+      <p:pic>
+        <p:nvPicPr>
+          <p:cNvPr id="12" name="图片 11">
+            <a:extLst>
+              <a:ext uri="{FF2B5EF4-FFF2-40B4-BE49-F238E27FC236}">
+                <a16:creationId xmlns:a16="http://schemas.microsoft.com/office/drawing/2014/main" id="{41122F2B-C763-AA7B-045E-C1288EED189F}"/>
+              </a:ext>
+            </a:extLst>
+          </p:cNvPr>
+          <p:cNvPicPr>
+            <a:picLocks noChangeAspect="1"/>
+          </p:cNvPicPr>
+          <p:nvPr/>
+        </p:nvPicPr>
+        <p:blipFill rotWithShape="1">
+          <a:blip r:embed="rId6" cstate="print">
+            <a:extLst>
+              <a:ext uri="{28A0092B-C50C-407E-A947-70E740481C1C}">
+                <a14:useLocalDpi xmlns:a14="http://schemas.microsoft.com/office/drawing/2010/main" val="0"/>
+              </a:ext>
+            </a:extLst>
+          </a:blip>
+          <a:srcRect l="15586" t="5997" r="15788" b="6244"/>
+          <a:stretch/>
+        </p:blipFill>
+        <p:spPr bwMode="auto">
+          <a:xfrm>
+            <a:off x="8771011" y="0"/>
+            <a:ext cx="2118661" cy="7042491"/>
+          </a:xfrm>
+          <a:prstGeom prst="rect">
+            <a:avLst/>
+          </a:prstGeom>
+          <a:noFill/>
+          <a:ln>
+            <a:noFill/>
+          </a:ln>
+          <a:extLst>
+            <a:ext uri="{53640926-AAD7-44D8-BBD7-CCE9431645EC}">
+              <a14:shadowObscured xmlns:a14="http://schemas.microsoft.com/office/drawing/2010/main"/>
+            </a:ext>
+          </a:extLst>
+        </p:spPr>
+      </p:pic>
+    </p:spTree>
+    <p:extLst>
+      <p:ext uri="{BB962C8B-B14F-4D97-AF65-F5344CB8AC3E}">
+        <p14:creationId xmlns:p14="http://schemas.microsoft.com/office/powerpoint/2010/main" val="3997574278"/>
+      </p:ext>
+    </p:extLst>
+  </p:cSld>
+  <p:clrMapOvr>
+    <a:masterClrMapping/>
+  </p:clrMapOvr>
+</p:sld>
+</file>
+
+<file path=ppt/slides/slide21.xml><?xml version="1.0" encoding="utf-8"?>
+<p:sld xmlns:a="http://schemas.openxmlformats.org/drawingml/2006/main" xmlns:r="http://schemas.openxmlformats.org/officeDocument/2006/relationships" xmlns:p="http://schemas.openxmlformats.org/presentationml/2006/main">
+  <p:cSld>
+    <p:bg>
+      <p:bgPr>
+        <a:gradFill>
+          <a:gsLst>
+            <a:gs pos="0">
+              <a:schemeClr val="accent3">
+                <a:lumMod val="5000"/>
+                <a:lumOff val="95000"/>
+              </a:schemeClr>
+            </a:gs>
+            <a:gs pos="74000">
+              <a:schemeClr val="accent3">
+                <a:lumMod val="45000"/>
+                <a:lumOff val="55000"/>
+              </a:schemeClr>
+            </a:gs>
+            <a:gs pos="83000">
+              <a:schemeClr val="accent3">
+                <a:lumMod val="45000"/>
+                <a:lumOff val="55000"/>
+              </a:schemeClr>
+            </a:gs>
+            <a:gs pos="100000">
+              <a:schemeClr val="accent3">
+                <a:lumMod val="30000"/>
+                <a:lumOff val="70000"/>
+              </a:schemeClr>
+            </a:gs>
+          </a:gsLst>
+          <a:lin ang="5400000" scaled="1"/>
+        </a:gradFill>
+        <a:effectLst/>
+      </p:bgPr>
+    </p:bg>
+    <p:spTree>
+      <p:nvGrpSpPr>
+        <p:cNvPr id="1" name="">
+          <a:extLst>
+            <a:ext uri="{FF2B5EF4-FFF2-40B4-BE49-F238E27FC236}">
+              <a16:creationId xmlns:a16="http://schemas.microsoft.com/office/drawing/2014/main" id="{56B7B996-2AF9-571A-48DC-0C3BDB65CDA5}"/>
+            </a:ext>
+          </a:extLst>
+        </p:cNvPr>
+        <p:cNvGrpSpPr/>
+        <p:nvPr/>
+      </p:nvGrpSpPr>
+      <p:grpSpPr>
+        <a:xfrm>
+          <a:off x="0" y="0"/>
+          <a:ext cx="0" cy="0"/>
+          <a:chOff x="0" y="0"/>
+          <a:chExt cx="0" cy="0"/>
+        </a:xfrm>
+      </p:grpSpPr>
+      <p:sp>
+        <p:nvSpPr>
+          <p:cNvPr id="3" name="内容占位符 2">
+            <a:extLst>
+              <a:ext uri="{FF2B5EF4-FFF2-40B4-BE49-F238E27FC236}">
+                <a16:creationId xmlns:a16="http://schemas.microsoft.com/office/drawing/2014/main" id="{B4DA6D2B-BE47-D4FA-DA42-2DE2EBF3ACA6}"/>
+              </a:ext>
+            </a:extLst>
+          </p:cNvPr>
+          <p:cNvSpPr>
+            <a:spLocks noGrp="1"/>
+          </p:cNvSpPr>
+          <p:nvPr>
+            <p:ph idx="1"/>
+          </p:nvPr>
+        </p:nvSpPr>
+        <p:spPr>
+          <a:xfrm>
+            <a:off x="838200" y="577516"/>
+            <a:ext cx="10515600" cy="5599447"/>
+          </a:xfrm>
+        </p:spPr>
+        <p:txBody>
+          <a:bodyPr>
+            <a:normAutofit/>
+          </a:bodyPr>
+          <a:lstStyle/>
+          <a:p>
+            <a:endParaRPr lang="en-US" altLang="zh-CN" sz="3200" dirty="0"/>
+          </a:p>
+          <a:p>
+            <a:endParaRPr lang="en-US" altLang="zh-CN" sz="3200" dirty="0"/>
+          </a:p>
+          <a:p>
+            <a:endParaRPr lang="en-US" altLang="zh-CN" sz="3200" dirty="0"/>
+          </a:p>
+          <a:p>
+            <a:pPr marL="0" indent="0">
+              <a:buNone/>
+            </a:pPr>
+            <a:endParaRPr lang="en-US" altLang="zh-CN" sz="3200" dirty="0"/>
+          </a:p>
+        </p:txBody>
+      </p:sp>
+      <p:sp>
+        <p:nvSpPr>
+          <p:cNvPr id="2" name="文本框 1">
+            <a:extLst>
+              <a:ext uri="{FF2B5EF4-FFF2-40B4-BE49-F238E27FC236}">
+                <a16:creationId xmlns:a16="http://schemas.microsoft.com/office/drawing/2014/main" id="{889982AB-D8D3-B3AD-4D0E-E7EED6DC06C9}"/>
+              </a:ext>
+            </a:extLst>
+          </p:cNvPr>
+          <p:cNvSpPr txBox="1"/>
+          <p:nvPr/>
+        </p:nvSpPr>
+        <p:spPr>
+          <a:xfrm>
+            <a:off x="3288146" y="2653964"/>
+            <a:ext cx="5902036" cy="1446550"/>
+          </a:xfrm>
+          <a:prstGeom prst="rect">
+            <a:avLst/>
+          </a:prstGeom>
+          <a:noFill/>
+        </p:spPr>
+        <p:txBody>
+          <a:bodyPr wrap="square" rtlCol="0">
+            <a:spAutoFit/>
+          </a:bodyPr>
+          <a:lstStyle/>
+          <a:p>
+            <a:r>
+              <a:rPr lang="en-US" altLang="zh-CN" sz="8800" b="1" dirty="0"/>
+              <a:t>Thank you</a:t>
+            </a:r>
+            <a:endParaRPr lang="zh-CN" altLang="en-US" sz="8800" b="1" dirty="0"/>
+          </a:p>
+        </p:txBody>
+      </p:sp>
+    </p:spTree>
+    <p:extLst>
+      <p:ext uri="{BB962C8B-B14F-4D97-AF65-F5344CB8AC3E}">
+        <p14:creationId xmlns:p14="http://schemas.microsoft.com/office/powerpoint/2010/main" val="3598685201"/>
       </p:ext>
     </p:extLst>
   </p:cSld>
@@ -14881,7 +16714,7 @@
           <p:nvPr>
             <p:extLst>
               <p:ext uri="{D42A27DB-BD31-4B8C-83A1-F6EECF244321}">
-                <p14:modId xmlns:p14="http://schemas.microsoft.com/office/powerpoint/2010/main" val="3956443196"/>
+                <p14:modId xmlns:p14="http://schemas.microsoft.com/office/powerpoint/2010/main" val="4197272461"/>
               </p:ext>
             </p:extLst>
           </p:nvPr>
@@ -14931,13 +16764,13 @@
                         </a:lnSpc>
                       </a:pPr>
                       <a:r>
-                        <a:rPr lang="zh-CN" altLang="en-US" sz="1600" b="1" kern="0" dirty="0">
-                          <a:solidFill>
-                            <a:schemeClr val="tx1"/>
-                          </a:solidFill>
-                          <a:effectLst/>
-                          <a:latin typeface="Microsoft YaHei Light" panose="020B0502040204020203" pitchFamily="34" charset="-122"/>
-                          <a:ea typeface="Microsoft YaHei Light" panose="020B0502040204020203" pitchFamily="34" charset="-122"/>
+                        <a:rPr lang="zh-CN" altLang="en-US" sz="1600" b="0" kern="0" dirty="0">
+                          <a:solidFill>
+                            <a:schemeClr val="tx1"/>
+                          </a:solidFill>
+                          <a:effectLst/>
+                          <a:latin typeface="微软雅黑" panose="020B0503020204020204" pitchFamily="34" charset="-122"/>
+                          <a:ea typeface="微软雅黑" panose="020B0503020204020204" pitchFamily="34" charset="-122"/>
                           <a:cs typeface="+mn-cs"/>
                         </a:rPr>
                         <a:t>名称</a:t>
@@ -14991,13 +16824,13 @@
                         </a:lnSpc>
                       </a:pPr>
                       <a:r>
-                        <a:rPr lang="zh-CN" altLang="en-US" sz="1600" b="1" kern="0" dirty="0">
-                          <a:solidFill>
-                            <a:schemeClr val="tx1"/>
-                          </a:solidFill>
-                          <a:effectLst/>
-                          <a:latin typeface="Microsoft YaHei Light" panose="020B0502040204020203" pitchFamily="34" charset="-122"/>
-                          <a:ea typeface="Microsoft YaHei Light" panose="020B0502040204020203" pitchFamily="34" charset="-122"/>
+                        <a:rPr lang="zh-CN" altLang="en-US" sz="1600" b="0" kern="0" dirty="0">
+                          <a:solidFill>
+                            <a:schemeClr val="tx1"/>
+                          </a:solidFill>
+                          <a:effectLst/>
+                          <a:latin typeface="微软雅黑" panose="020B0503020204020204" pitchFamily="34" charset="-122"/>
+                          <a:ea typeface="微软雅黑" panose="020B0503020204020204" pitchFamily="34" charset="-122"/>
                           <a:cs typeface="+mn-cs"/>
                         </a:rPr>
                         <a:t>格式</a:t>
@@ -15051,13 +16884,13 @@
                         </a:lnSpc>
                       </a:pPr>
                       <a:r>
-                        <a:rPr lang="zh-CN" altLang="en-US" sz="1600" b="1" kern="0" dirty="0">
-                          <a:solidFill>
-                            <a:schemeClr val="tx1"/>
-                          </a:solidFill>
-                          <a:effectLst/>
-                          <a:latin typeface="Microsoft YaHei Light" panose="020B0502040204020203" pitchFamily="34" charset="-122"/>
-                          <a:ea typeface="Microsoft YaHei Light" panose="020B0502040204020203" pitchFamily="34" charset="-122"/>
+                        <a:rPr lang="zh-CN" altLang="en-US" sz="1600" b="0" kern="0" dirty="0">
+                          <a:solidFill>
+                            <a:schemeClr val="tx1"/>
+                          </a:solidFill>
+                          <a:effectLst/>
+                          <a:latin typeface="微软雅黑" panose="020B0503020204020204" pitchFamily="34" charset="-122"/>
+                          <a:ea typeface="微软雅黑" panose="020B0503020204020204" pitchFamily="34" charset="-122"/>
                           <a:cs typeface="+mn-cs"/>
                         </a:rPr>
                         <a:t>功能</a:t>
@@ -15118,24 +16951,24 @@
                         </a:lnSpc>
                       </a:pPr>
                       <a:r>
-                        <a:rPr lang="en-US" sz="1600" b="1" kern="0" dirty="0">
-                          <a:solidFill>
-                            <a:schemeClr val="tx1"/>
-                          </a:solidFill>
-                          <a:effectLst/>
-                          <a:latin typeface="Microsoft YaHei Light" panose="020B0502040204020203" pitchFamily="34" charset="-122"/>
-                          <a:ea typeface="Microsoft YaHei Light" panose="020B0502040204020203" pitchFamily="34" charset="-122"/>
+                        <a:rPr lang="en-US" sz="1600" b="0" kern="0" dirty="0">
+                          <a:solidFill>
+                            <a:schemeClr val="tx1"/>
+                          </a:solidFill>
+                          <a:effectLst/>
+                          <a:latin typeface="微软雅黑" panose="020B0503020204020204" pitchFamily="34" charset="-122"/>
+                          <a:ea typeface="微软雅黑" panose="020B0503020204020204" pitchFamily="34" charset="-122"/>
                           <a:cs typeface="+mn-cs"/>
                         </a:rPr>
                         <a:t>ADD</a:t>
                       </a:r>
-                      <a:endParaRPr lang="zh-CN" altLang="en-US" sz="1600" b="1" kern="0" dirty="0">
+                      <a:endParaRPr lang="zh-CN" altLang="en-US" sz="1600" b="0" kern="0" dirty="0">
                         <a:solidFill>
                           <a:schemeClr val="tx1"/>
                         </a:solidFill>
                         <a:effectLst/>
-                        <a:latin typeface="Microsoft YaHei Light" panose="020B0502040204020203" pitchFamily="34" charset="-122"/>
-                        <a:ea typeface="Microsoft YaHei Light" panose="020B0502040204020203" pitchFamily="34" charset="-122"/>
+                        <a:latin typeface="微软雅黑" panose="020B0503020204020204" pitchFamily="34" charset="-122"/>
+                        <a:ea typeface="微软雅黑" panose="020B0503020204020204" pitchFamily="34" charset="-122"/>
                         <a:cs typeface="+mn-cs"/>
                       </a:endParaRPr>
                     </a:p>
@@ -15181,24 +17014,24 @@
                         </a:lnSpc>
                       </a:pPr>
                       <a:r>
-                        <a:rPr lang="en-US" sz="1600" b="1" kern="0" dirty="0">
-                          <a:solidFill>
-                            <a:schemeClr val="tx1"/>
-                          </a:solidFill>
-                          <a:effectLst/>
-                          <a:latin typeface="Microsoft YaHei Light" panose="020B0502040204020203" pitchFamily="34" charset="-122"/>
-                          <a:ea typeface="Microsoft YaHei Light" panose="020B0502040204020203" pitchFamily="34" charset="-122"/>
+                        <a:rPr lang="en-US" sz="1600" b="0" kern="0" dirty="0">
+                          <a:solidFill>
+                            <a:schemeClr val="tx1"/>
+                          </a:solidFill>
+                          <a:effectLst/>
+                          <a:latin typeface="微软雅黑" panose="020B0503020204020204" pitchFamily="34" charset="-122"/>
+                          <a:ea typeface="微软雅黑" panose="020B0503020204020204" pitchFamily="34" charset="-122"/>
                           <a:cs typeface="+mn-cs"/>
                         </a:rPr>
                         <a:t>ADD rd,rs1,rs2</a:t>
                       </a:r>
-                      <a:endParaRPr lang="zh-CN" altLang="en-US" sz="1600" b="1" kern="0" dirty="0">
+                      <a:endParaRPr lang="zh-CN" altLang="en-US" sz="1600" b="0" kern="0" dirty="0">
                         <a:solidFill>
                           <a:schemeClr val="tx1"/>
                         </a:solidFill>
                         <a:effectLst/>
-                        <a:latin typeface="Microsoft YaHei Light" panose="020B0502040204020203" pitchFamily="34" charset="-122"/>
-                        <a:ea typeface="Microsoft YaHei Light" panose="020B0502040204020203" pitchFamily="34" charset="-122"/>
+                        <a:latin typeface="微软雅黑" panose="020B0503020204020204" pitchFamily="34" charset="-122"/>
+                        <a:ea typeface="微软雅黑" panose="020B0503020204020204" pitchFamily="34" charset="-122"/>
                         <a:cs typeface="+mn-cs"/>
                       </a:endParaRPr>
                     </a:p>
@@ -15244,36 +17077,36 @@
                         </a:lnSpc>
                       </a:pPr>
                       <a:r>
-                        <a:rPr lang="en-US" sz="1600" b="1" kern="0" dirty="0">
-                          <a:solidFill>
-                            <a:schemeClr val="tx1"/>
-                          </a:solidFill>
-                          <a:effectLst/>
-                          <a:latin typeface="Microsoft YaHei Light" panose="020B0502040204020203" pitchFamily="34" charset="-122"/>
-                          <a:ea typeface="Microsoft YaHei Light" panose="020B0502040204020203" pitchFamily="34" charset="-122"/>
+                        <a:rPr lang="en-US" sz="1600" b="0" kern="0" dirty="0">
+                          <a:solidFill>
+                            <a:schemeClr val="tx1"/>
+                          </a:solidFill>
+                          <a:effectLst/>
+                          <a:latin typeface="微软雅黑" panose="020B0503020204020204" pitchFamily="34" charset="-122"/>
+                          <a:ea typeface="微软雅黑" panose="020B0503020204020204" pitchFamily="34" charset="-122"/>
                           <a:cs typeface="+mn-cs"/>
                         </a:rPr>
                         <a:t>rs1 + rs2 -&gt; </a:t>
                       </a:r>
                       <a:r>
-                        <a:rPr lang="en-US" sz="1600" b="1" kern="0" dirty="0" err="1">
-                          <a:solidFill>
-                            <a:schemeClr val="tx1"/>
-                          </a:solidFill>
-                          <a:effectLst/>
-                          <a:latin typeface="Microsoft YaHei Light" panose="020B0502040204020203" pitchFamily="34" charset="-122"/>
-                          <a:ea typeface="Microsoft YaHei Light" panose="020B0502040204020203" pitchFamily="34" charset="-122"/>
+                        <a:rPr lang="en-US" sz="1600" b="0" kern="0" dirty="0" err="1">
+                          <a:solidFill>
+                            <a:schemeClr val="tx1"/>
+                          </a:solidFill>
+                          <a:effectLst/>
+                          <a:latin typeface="微软雅黑" panose="020B0503020204020204" pitchFamily="34" charset="-122"/>
+                          <a:ea typeface="微软雅黑" panose="020B0503020204020204" pitchFamily="34" charset="-122"/>
                           <a:cs typeface="+mn-cs"/>
                         </a:rPr>
                         <a:t>rd</a:t>
                       </a:r>
-                      <a:endParaRPr lang="zh-CN" altLang="en-US" sz="1600" b="1" kern="0" dirty="0">
+                      <a:endParaRPr lang="zh-CN" altLang="en-US" sz="1600" b="0" kern="0" dirty="0">
                         <a:solidFill>
                           <a:schemeClr val="tx1"/>
                         </a:solidFill>
                         <a:effectLst/>
-                        <a:latin typeface="Microsoft YaHei Light" panose="020B0502040204020203" pitchFamily="34" charset="-122"/>
-                        <a:ea typeface="Microsoft YaHei Light" panose="020B0502040204020203" pitchFamily="34" charset="-122"/>
+                        <a:latin typeface="微软雅黑" panose="020B0503020204020204" pitchFamily="34" charset="-122"/>
+                        <a:ea typeface="微软雅黑" panose="020B0503020204020204" pitchFamily="34" charset="-122"/>
                         <a:cs typeface="+mn-cs"/>
                       </a:endParaRPr>
                     </a:p>
@@ -15326,24 +17159,24 @@
                         </a:lnSpc>
                       </a:pPr>
                       <a:r>
-                        <a:rPr lang="en-US" sz="1600" b="1" kern="0" dirty="0">
-                          <a:solidFill>
-                            <a:schemeClr val="tx1"/>
-                          </a:solidFill>
-                          <a:effectLst/>
-                          <a:latin typeface="Microsoft YaHei Light" panose="020B0502040204020203" pitchFamily="34" charset="-122"/>
-                          <a:ea typeface="Microsoft YaHei Light" panose="020B0502040204020203" pitchFamily="34" charset="-122"/>
+                        <a:rPr lang="en-US" sz="1600" b="0" kern="0" dirty="0">
+                          <a:solidFill>
+                            <a:schemeClr val="tx1"/>
+                          </a:solidFill>
+                          <a:effectLst/>
+                          <a:latin typeface="微软雅黑" panose="020B0503020204020204" pitchFamily="34" charset="-122"/>
+                          <a:ea typeface="微软雅黑" panose="020B0503020204020204" pitchFamily="34" charset="-122"/>
                           <a:cs typeface="+mn-cs"/>
                         </a:rPr>
                         <a:t>SUB</a:t>
                       </a:r>
-                      <a:endParaRPr lang="zh-CN" altLang="en-US" sz="1600" b="1" kern="0" dirty="0">
+                      <a:endParaRPr lang="zh-CN" altLang="en-US" sz="1600" b="0" kern="0" dirty="0">
                         <a:solidFill>
                           <a:schemeClr val="tx1"/>
                         </a:solidFill>
                         <a:effectLst/>
-                        <a:latin typeface="Microsoft YaHei Light" panose="020B0502040204020203" pitchFamily="34" charset="-122"/>
-                        <a:ea typeface="Microsoft YaHei Light" panose="020B0502040204020203" pitchFamily="34" charset="-122"/>
+                        <a:latin typeface="微软雅黑" panose="020B0503020204020204" pitchFamily="34" charset="-122"/>
+                        <a:ea typeface="微软雅黑" panose="020B0503020204020204" pitchFamily="34" charset="-122"/>
                         <a:cs typeface="+mn-cs"/>
                       </a:endParaRPr>
                     </a:p>
@@ -15383,24 +17216,24 @@
                         </a:lnSpc>
                       </a:pPr>
                       <a:r>
-                        <a:rPr lang="en-US" sz="1600" b="1" kern="0" dirty="0">
-                          <a:solidFill>
-                            <a:schemeClr val="tx1"/>
-                          </a:solidFill>
-                          <a:effectLst/>
-                          <a:latin typeface="Microsoft YaHei Light" panose="020B0502040204020203" pitchFamily="34" charset="-122"/>
-                          <a:ea typeface="Microsoft YaHei Light" panose="020B0502040204020203" pitchFamily="34" charset="-122"/>
+                        <a:rPr lang="en-US" sz="1600" b="0" kern="0" dirty="0">
+                          <a:solidFill>
+                            <a:schemeClr val="tx1"/>
+                          </a:solidFill>
+                          <a:effectLst/>
+                          <a:latin typeface="微软雅黑" panose="020B0503020204020204" pitchFamily="34" charset="-122"/>
+                          <a:ea typeface="微软雅黑" panose="020B0503020204020204" pitchFamily="34" charset="-122"/>
                           <a:cs typeface="+mn-cs"/>
                         </a:rPr>
                         <a:t>SUB rd,rs1,rs2</a:t>
                       </a:r>
-                      <a:endParaRPr lang="zh-CN" altLang="en-US" sz="1600" b="1" kern="0" dirty="0">
+                      <a:endParaRPr lang="zh-CN" altLang="en-US" sz="1600" b="0" kern="0" dirty="0">
                         <a:solidFill>
                           <a:schemeClr val="tx1"/>
                         </a:solidFill>
                         <a:effectLst/>
-                        <a:latin typeface="Microsoft YaHei Light" panose="020B0502040204020203" pitchFamily="34" charset="-122"/>
-                        <a:ea typeface="Microsoft YaHei Light" panose="020B0502040204020203" pitchFamily="34" charset="-122"/>
+                        <a:latin typeface="微软雅黑" panose="020B0503020204020204" pitchFamily="34" charset="-122"/>
+                        <a:ea typeface="微软雅黑" panose="020B0503020204020204" pitchFamily="34" charset="-122"/>
                         <a:cs typeface="+mn-cs"/>
                       </a:endParaRPr>
                     </a:p>
@@ -15440,36 +17273,36 @@
                         </a:lnSpc>
                       </a:pPr>
                       <a:r>
-                        <a:rPr lang="en-US" sz="1600" b="1" kern="0" dirty="0">
-                          <a:solidFill>
-                            <a:schemeClr val="tx1"/>
-                          </a:solidFill>
-                          <a:effectLst/>
-                          <a:latin typeface="Microsoft YaHei Light" panose="020B0502040204020203" pitchFamily="34" charset="-122"/>
-                          <a:ea typeface="Microsoft YaHei Light" panose="020B0502040204020203" pitchFamily="34" charset="-122"/>
+                        <a:rPr lang="en-US" sz="1600" b="0" kern="0" dirty="0">
+                          <a:solidFill>
+                            <a:schemeClr val="tx1"/>
+                          </a:solidFill>
+                          <a:effectLst/>
+                          <a:latin typeface="微软雅黑" panose="020B0503020204020204" pitchFamily="34" charset="-122"/>
+                          <a:ea typeface="微软雅黑" panose="020B0503020204020204" pitchFamily="34" charset="-122"/>
                           <a:cs typeface="+mn-cs"/>
                         </a:rPr>
                         <a:t>rs1 - rs2 -&gt; </a:t>
                       </a:r>
                       <a:r>
-                        <a:rPr lang="en-US" sz="1600" b="1" kern="0" dirty="0" err="1">
-                          <a:solidFill>
-                            <a:schemeClr val="tx1"/>
-                          </a:solidFill>
-                          <a:effectLst/>
-                          <a:latin typeface="Microsoft YaHei Light" panose="020B0502040204020203" pitchFamily="34" charset="-122"/>
-                          <a:ea typeface="Microsoft YaHei Light" panose="020B0502040204020203" pitchFamily="34" charset="-122"/>
+                        <a:rPr lang="en-US" sz="1600" b="0" kern="0" dirty="0" err="1">
+                          <a:solidFill>
+                            <a:schemeClr val="tx1"/>
+                          </a:solidFill>
+                          <a:effectLst/>
+                          <a:latin typeface="微软雅黑" panose="020B0503020204020204" pitchFamily="34" charset="-122"/>
+                          <a:ea typeface="微软雅黑" panose="020B0503020204020204" pitchFamily="34" charset="-122"/>
                           <a:cs typeface="+mn-cs"/>
                         </a:rPr>
                         <a:t>rd</a:t>
                       </a:r>
-                      <a:endParaRPr lang="zh-CN" altLang="en-US" sz="1600" b="1" kern="0" dirty="0">
+                      <a:endParaRPr lang="zh-CN" altLang="en-US" sz="1600" b="0" kern="0" dirty="0">
                         <a:solidFill>
                           <a:schemeClr val="tx1"/>
                         </a:solidFill>
                         <a:effectLst/>
-                        <a:latin typeface="Microsoft YaHei Light" panose="020B0502040204020203" pitchFamily="34" charset="-122"/>
-                        <a:ea typeface="Microsoft YaHei Light" panose="020B0502040204020203" pitchFamily="34" charset="-122"/>
+                        <a:latin typeface="微软雅黑" panose="020B0503020204020204" pitchFamily="34" charset="-122"/>
+                        <a:ea typeface="微软雅黑" panose="020B0503020204020204" pitchFamily="34" charset="-122"/>
                         <a:cs typeface="+mn-cs"/>
                       </a:endParaRPr>
                     </a:p>
@@ -15516,24 +17349,24 @@
                         </a:lnSpc>
                       </a:pPr>
                       <a:r>
-                        <a:rPr lang="en-US" sz="1600" b="1" kern="0" dirty="0">
-                          <a:solidFill>
-                            <a:schemeClr val="tx1"/>
-                          </a:solidFill>
-                          <a:effectLst/>
-                          <a:latin typeface="Microsoft YaHei Light" panose="020B0502040204020203" pitchFamily="34" charset="-122"/>
-                          <a:ea typeface="Microsoft YaHei Light" panose="020B0502040204020203" pitchFamily="34" charset="-122"/>
+                        <a:rPr lang="en-US" sz="1600" b="0" kern="0" dirty="0">
+                          <a:solidFill>
+                            <a:schemeClr val="tx1"/>
+                          </a:solidFill>
+                          <a:effectLst/>
+                          <a:latin typeface="微软雅黑" panose="020B0503020204020204" pitchFamily="34" charset="-122"/>
+                          <a:ea typeface="微软雅黑" panose="020B0503020204020204" pitchFamily="34" charset="-122"/>
                           <a:cs typeface="+mn-cs"/>
                         </a:rPr>
                         <a:t>XOR</a:t>
                       </a:r>
-                      <a:endParaRPr lang="zh-CN" altLang="en-US" sz="1600" b="1" kern="0" dirty="0">
+                      <a:endParaRPr lang="zh-CN" altLang="en-US" sz="1600" b="0" kern="0" dirty="0">
                         <a:solidFill>
                           <a:schemeClr val="tx1"/>
                         </a:solidFill>
                         <a:effectLst/>
-                        <a:latin typeface="Microsoft YaHei Light" panose="020B0502040204020203" pitchFamily="34" charset="-122"/>
-                        <a:ea typeface="Microsoft YaHei Light" panose="020B0502040204020203" pitchFamily="34" charset="-122"/>
+                        <a:latin typeface="微软雅黑" panose="020B0503020204020204" pitchFamily="34" charset="-122"/>
+                        <a:ea typeface="微软雅黑" panose="020B0503020204020204" pitchFamily="34" charset="-122"/>
                         <a:cs typeface="+mn-cs"/>
                       </a:endParaRPr>
                     </a:p>
@@ -15573,24 +17406,24 @@
                         </a:lnSpc>
                       </a:pPr>
                       <a:r>
-                        <a:rPr lang="en-US" sz="1600" b="1" kern="0" dirty="0">
-                          <a:solidFill>
-                            <a:schemeClr val="tx1"/>
-                          </a:solidFill>
-                          <a:effectLst/>
-                          <a:latin typeface="Microsoft YaHei Light" panose="020B0502040204020203" pitchFamily="34" charset="-122"/>
-                          <a:ea typeface="Microsoft YaHei Light" panose="020B0502040204020203" pitchFamily="34" charset="-122"/>
+                        <a:rPr lang="en-US" sz="1600" b="0" kern="0" dirty="0">
+                          <a:solidFill>
+                            <a:schemeClr val="tx1"/>
+                          </a:solidFill>
+                          <a:effectLst/>
+                          <a:latin typeface="微软雅黑" panose="020B0503020204020204" pitchFamily="34" charset="-122"/>
+                          <a:ea typeface="微软雅黑" panose="020B0503020204020204" pitchFamily="34" charset="-122"/>
                           <a:cs typeface="+mn-cs"/>
                         </a:rPr>
                         <a:t>XOR rd,rs1,rs2</a:t>
                       </a:r>
-                      <a:endParaRPr lang="zh-CN" altLang="en-US" sz="1600" b="1" kern="0" dirty="0">
+                      <a:endParaRPr lang="zh-CN" altLang="en-US" sz="1600" b="0" kern="0" dirty="0">
                         <a:solidFill>
                           <a:schemeClr val="tx1"/>
                         </a:solidFill>
                         <a:effectLst/>
-                        <a:latin typeface="Microsoft YaHei Light" panose="020B0502040204020203" pitchFamily="34" charset="-122"/>
-                        <a:ea typeface="Microsoft YaHei Light" panose="020B0502040204020203" pitchFamily="34" charset="-122"/>
+                        <a:latin typeface="微软雅黑" panose="020B0503020204020204" pitchFamily="34" charset="-122"/>
+                        <a:ea typeface="微软雅黑" panose="020B0503020204020204" pitchFamily="34" charset="-122"/>
                         <a:cs typeface="+mn-cs"/>
                       </a:endParaRPr>
                     </a:p>
@@ -15630,36 +17463,36 @@
                         </a:lnSpc>
                       </a:pPr>
                       <a:r>
-                        <a:rPr lang="en-US" sz="1600" b="1" kern="0" dirty="0">
-                          <a:solidFill>
-                            <a:schemeClr val="tx1"/>
-                          </a:solidFill>
-                          <a:effectLst/>
-                          <a:latin typeface="Microsoft YaHei Light" panose="020B0502040204020203" pitchFamily="34" charset="-122"/>
-                          <a:ea typeface="Microsoft YaHei Light" panose="020B0502040204020203" pitchFamily="34" charset="-122"/>
+                        <a:rPr lang="en-US" sz="1600" b="0" kern="0" dirty="0">
+                          <a:solidFill>
+                            <a:schemeClr val="tx1"/>
+                          </a:solidFill>
+                          <a:effectLst/>
+                          <a:latin typeface="微软雅黑" panose="020B0503020204020204" pitchFamily="34" charset="-122"/>
+                          <a:ea typeface="微软雅黑" panose="020B0503020204020204" pitchFamily="34" charset="-122"/>
                           <a:cs typeface="+mn-cs"/>
                         </a:rPr>
                         <a:t>rs1 ^ rs2 -&gt; </a:t>
                       </a:r>
                       <a:r>
-                        <a:rPr lang="en-US" sz="1600" b="1" kern="0" dirty="0" err="1">
-                          <a:solidFill>
-                            <a:schemeClr val="tx1"/>
-                          </a:solidFill>
-                          <a:effectLst/>
-                          <a:latin typeface="Microsoft YaHei Light" panose="020B0502040204020203" pitchFamily="34" charset="-122"/>
-                          <a:ea typeface="Microsoft YaHei Light" panose="020B0502040204020203" pitchFamily="34" charset="-122"/>
+                        <a:rPr lang="en-US" sz="1600" b="0" kern="0" dirty="0" err="1">
+                          <a:solidFill>
+                            <a:schemeClr val="tx1"/>
+                          </a:solidFill>
+                          <a:effectLst/>
+                          <a:latin typeface="微软雅黑" panose="020B0503020204020204" pitchFamily="34" charset="-122"/>
+                          <a:ea typeface="微软雅黑" panose="020B0503020204020204" pitchFamily="34" charset="-122"/>
                           <a:cs typeface="+mn-cs"/>
                         </a:rPr>
                         <a:t>rd</a:t>
                       </a:r>
-                      <a:endParaRPr lang="zh-CN" altLang="en-US" sz="1600" b="1" kern="0" dirty="0">
+                      <a:endParaRPr lang="zh-CN" altLang="en-US" sz="1600" b="0" kern="0" dirty="0">
                         <a:solidFill>
                           <a:schemeClr val="tx1"/>
                         </a:solidFill>
                         <a:effectLst/>
-                        <a:latin typeface="Microsoft YaHei Light" panose="020B0502040204020203" pitchFamily="34" charset="-122"/>
-                        <a:ea typeface="Microsoft YaHei Light" panose="020B0502040204020203" pitchFamily="34" charset="-122"/>
+                        <a:latin typeface="微软雅黑" panose="020B0503020204020204" pitchFamily="34" charset="-122"/>
+                        <a:ea typeface="微软雅黑" panose="020B0503020204020204" pitchFamily="34" charset="-122"/>
                         <a:cs typeface="+mn-cs"/>
                       </a:endParaRPr>
                     </a:p>
@@ -15706,24 +17539,24 @@
                         </a:lnSpc>
                       </a:pPr>
                       <a:r>
-                        <a:rPr lang="en-US" sz="1600" b="1" kern="0" dirty="0">
-                          <a:solidFill>
-                            <a:schemeClr val="tx1"/>
-                          </a:solidFill>
-                          <a:effectLst/>
-                          <a:latin typeface="Microsoft YaHei Light" panose="020B0502040204020203" pitchFamily="34" charset="-122"/>
-                          <a:ea typeface="Microsoft YaHei Light" panose="020B0502040204020203" pitchFamily="34" charset="-122"/>
+                        <a:rPr lang="en-US" sz="1600" b="0" kern="0" dirty="0">
+                          <a:solidFill>
+                            <a:schemeClr val="tx1"/>
+                          </a:solidFill>
+                          <a:effectLst/>
+                          <a:latin typeface="微软雅黑" panose="020B0503020204020204" pitchFamily="34" charset="-122"/>
+                          <a:ea typeface="微软雅黑" panose="020B0503020204020204" pitchFamily="34" charset="-122"/>
                           <a:cs typeface="+mn-cs"/>
                         </a:rPr>
                         <a:t>SRL</a:t>
                       </a:r>
-                      <a:endParaRPr lang="zh-CN" altLang="en-US" sz="1600" b="1" kern="0" dirty="0">
+                      <a:endParaRPr lang="zh-CN" altLang="en-US" sz="1600" b="0" kern="0" dirty="0">
                         <a:solidFill>
                           <a:schemeClr val="tx1"/>
                         </a:solidFill>
                         <a:effectLst/>
-                        <a:latin typeface="Microsoft YaHei Light" panose="020B0502040204020203" pitchFamily="34" charset="-122"/>
-                        <a:ea typeface="Microsoft YaHei Light" panose="020B0502040204020203" pitchFamily="34" charset="-122"/>
+                        <a:latin typeface="微软雅黑" panose="020B0503020204020204" pitchFamily="34" charset="-122"/>
+                        <a:ea typeface="微软雅黑" panose="020B0503020204020204" pitchFamily="34" charset="-122"/>
                         <a:cs typeface="+mn-cs"/>
                       </a:endParaRPr>
                     </a:p>
@@ -15763,24 +17596,24 @@
                         </a:lnSpc>
                       </a:pPr>
                       <a:r>
-                        <a:rPr lang="en-US" sz="1600" b="1" kern="0" dirty="0">
-                          <a:solidFill>
-                            <a:schemeClr val="tx1"/>
-                          </a:solidFill>
-                          <a:effectLst/>
-                          <a:latin typeface="Microsoft YaHei Light" panose="020B0502040204020203" pitchFamily="34" charset="-122"/>
-                          <a:ea typeface="Microsoft YaHei Light" panose="020B0502040204020203" pitchFamily="34" charset="-122"/>
+                        <a:rPr lang="en-US" sz="1600" b="0" kern="0" dirty="0">
+                          <a:solidFill>
+                            <a:schemeClr val="tx1"/>
+                          </a:solidFill>
+                          <a:effectLst/>
+                          <a:latin typeface="微软雅黑" panose="020B0503020204020204" pitchFamily="34" charset="-122"/>
+                          <a:ea typeface="微软雅黑" panose="020B0503020204020204" pitchFamily="34" charset="-122"/>
                           <a:cs typeface="+mn-cs"/>
                         </a:rPr>
                         <a:t>SRL rd,rs1,rs2</a:t>
                       </a:r>
-                      <a:endParaRPr lang="zh-CN" altLang="en-US" sz="1600" b="1" kern="0" dirty="0">
+                      <a:endParaRPr lang="zh-CN" altLang="en-US" sz="1600" b="0" kern="0" dirty="0">
                         <a:solidFill>
                           <a:schemeClr val="tx1"/>
                         </a:solidFill>
                         <a:effectLst/>
-                        <a:latin typeface="Microsoft YaHei Light" panose="020B0502040204020203" pitchFamily="34" charset="-122"/>
-                        <a:ea typeface="Microsoft YaHei Light" panose="020B0502040204020203" pitchFamily="34" charset="-122"/>
+                        <a:latin typeface="微软雅黑" panose="020B0503020204020204" pitchFamily="34" charset="-122"/>
+                        <a:ea typeface="微软雅黑" panose="020B0503020204020204" pitchFamily="34" charset="-122"/>
                         <a:cs typeface="+mn-cs"/>
                       </a:endParaRPr>
                     </a:p>
@@ -15820,60 +17653,60 @@
                         </a:lnSpc>
                       </a:pPr>
                       <a:r>
-                        <a:rPr lang="en-US" sz="1600" b="1" kern="0" dirty="0">
-                          <a:solidFill>
-                            <a:schemeClr val="tx1"/>
-                          </a:solidFill>
-                          <a:effectLst/>
-                          <a:latin typeface="Microsoft YaHei Light" panose="020B0502040204020203" pitchFamily="34" charset="-122"/>
-                          <a:ea typeface="Microsoft YaHei Light" panose="020B0502040204020203" pitchFamily="34" charset="-122"/>
+                        <a:rPr lang="en-US" sz="1600" b="0" kern="0" dirty="0">
+                          <a:solidFill>
+                            <a:schemeClr val="tx1"/>
+                          </a:solidFill>
+                          <a:effectLst/>
+                          <a:latin typeface="微软雅黑" panose="020B0503020204020204" pitchFamily="34" charset="-122"/>
+                          <a:ea typeface="微软雅黑" panose="020B0503020204020204" pitchFamily="34" charset="-122"/>
                           <a:cs typeface="+mn-cs"/>
                         </a:rPr>
                         <a:t>(</a:t>
                       </a:r>
                       <a:r>
-                        <a:rPr lang="zh-CN" altLang="en-US" sz="1600" b="1" kern="0" dirty="0">
-                          <a:solidFill>
-                            <a:schemeClr val="tx1"/>
-                          </a:solidFill>
-                          <a:effectLst/>
-                          <a:latin typeface="Microsoft YaHei Light" panose="020B0502040204020203" pitchFamily="34" charset="-122"/>
-                          <a:ea typeface="Microsoft YaHei Light" panose="020B0502040204020203" pitchFamily="34" charset="-122"/>
+                        <a:rPr lang="zh-CN" altLang="en-US" sz="1600" b="0" kern="0" dirty="0">
+                          <a:solidFill>
+                            <a:schemeClr val="tx1"/>
+                          </a:solidFill>
+                          <a:effectLst/>
+                          <a:latin typeface="微软雅黑" panose="020B0503020204020204" pitchFamily="34" charset="-122"/>
+                          <a:ea typeface="微软雅黑" panose="020B0503020204020204" pitchFamily="34" charset="-122"/>
                           <a:cs typeface="+mn-cs"/>
                         </a:rPr>
                         <a:t>逻辑右移</a:t>
                       </a:r>
                       <a:r>
-                        <a:rPr lang="en-US" sz="1600" b="1" kern="0" dirty="0">
-                          <a:solidFill>
-                            <a:schemeClr val="tx1"/>
-                          </a:solidFill>
-                          <a:effectLst/>
-                          <a:latin typeface="Microsoft YaHei Light" panose="020B0502040204020203" pitchFamily="34" charset="-122"/>
-                          <a:ea typeface="Microsoft YaHei Light" panose="020B0502040204020203" pitchFamily="34" charset="-122"/>
+                        <a:rPr lang="en-US" sz="1600" b="0" kern="0" dirty="0">
+                          <a:solidFill>
+                            <a:schemeClr val="tx1"/>
+                          </a:solidFill>
+                          <a:effectLst/>
+                          <a:latin typeface="微软雅黑" panose="020B0503020204020204" pitchFamily="34" charset="-122"/>
+                          <a:ea typeface="微软雅黑" panose="020B0503020204020204" pitchFamily="34" charset="-122"/>
                           <a:cs typeface="+mn-cs"/>
                         </a:rPr>
                         <a:t>) rs1 &gt;&gt; rs2-&gt;</a:t>
                       </a:r>
                       <a:r>
-                        <a:rPr lang="en-US" sz="1600" b="1" kern="0" dirty="0" err="1">
-                          <a:solidFill>
-                            <a:schemeClr val="tx1"/>
-                          </a:solidFill>
-                          <a:effectLst/>
-                          <a:latin typeface="Microsoft YaHei Light" panose="020B0502040204020203" pitchFamily="34" charset="-122"/>
-                          <a:ea typeface="Microsoft YaHei Light" panose="020B0502040204020203" pitchFamily="34" charset="-122"/>
+                        <a:rPr lang="en-US" sz="1600" b="0" kern="0" dirty="0" err="1">
+                          <a:solidFill>
+                            <a:schemeClr val="tx1"/>
+                          </a:solidFill>
+                          <a:effectLst/>
+                          <a:latin typeface="微软雅黑" panose="020B0503020204020204" pitchFamily="34" charset="-122"/>
+                          <a:ea typeface="微软雅黑" panose="020B0503020204020204" pitchFamily="34" charset="-122"/>
                           <a:cs typeface="+mn-cs"/>
                         </a:rPr>
                         <a:t>rd</a:t>
                       </a:r>
-                      <a:endParaRPr lang="zh-CN" altLang="en-US" sz="1600" b="1" kern="0" dirty="0">
+                      <a:endParaRPr lang="zh-CN" altLang="en-US" sz="1600" b="0" kern="0" dirty="0">
                         <a:solidFill>
                           <a:schemeClr val="tx1"/>
                         </a:solidFill>
                         <a:effectLst/>
-                        <a:latin typeface="Microsoft YaHei Light" panose="020B0502040204020203" pitchFamily="34" charset="-122"/>
-                        <a:ea typeface="Microsoft YaHei Light" panose="020B0502040204020203" pitchFamily="34" charset="-122"/>
+                        <a:latin typeface="微软雅黑" panose="020B0503020204020204" pitchFamily="34" charset="-122"/>
+                        <a:ea typeface="微软雅黑" panose="020B0503020204020204" pitchFamily="34" charset="-122"/>
                         <a:cs typeface="+mn-cs"/>
                       </a:endParaRPr>
                     </a:p>
@@ -15920,24 +17753,24 @@
                         </a:lnSpc>
                       </a:pPr>
                       <a:r>
-                        <a:rPr lang="en-US" sz="1600" b="1" kern="0" dirty="0">
-                          <a:solidFill>
-                            <a:schemeClr val="tx1"/>
-                          </a:solidFill>
-                          <a:effectLst/>
-                          <a:latin typeface="Microsoft YaHei Light" panose="020B0502040204020203" pitchFamily="34" charset="-122"/>
-                          <a:ea typeface="Microsoft YaHei Light" panose="020B0502040204020203" pitchFamily="34" charset="-122"/>
+                        <a:rPr lang="en-US" sz="1600" b="0" kern="0" dirty="0">
+                          <a:solidFill>
+                            <a:schemeClr val="tx1"/>
+                          </a:solidFill>
+                          <a:effectLst/>
+                          <a:latin typeface="微软雅黑" panose="020B0503020204020204" pitchFamily="34" charset="-122"/>
+                          <a:ea typeface="微软雅黑" panose="020B0503020204020204" pitchFamily="34" charset="-122"/>
                           <a:cs typeface="+mn-cs"/>
                         </a:rPr>
                         <a:t>OR</a:t>
                       </a:r>
-                      <a:endParaRPr lang="zh-CN" altLang="en-US" sz="1600" b="1" kern="0" dirty="0">
+                      <a:endParaRPr lang="zh-CN" altLang="en-US" sz="1600" b="0" kern="0" dirty="0">
                         <a:solidFill>
                           <a:schemeClr val="tx1"/>
                         </a:solidFill>
                         <a:effectLst/>
-                        <a:latin typeface="Microsoft YaHei Light" panose="020B0502040204020203" pitchFamily="34" charset="-122"/>
-                        <a:ea typeface="Microsoft YaHei Light" panose="020B0502040204020203" pitchFamily="34" charset="-122"/>
+                        <a:latin typeface="微软雅黑" panose="020B0503020204020204" pitchFamily="34" charset="-122"/>
+                        <a:ea typeface="微软雅黑" panose="020B0503020204020204" pitchFamily="34" charset="-122"/>
                         <a:cs typeface="+mn-cs"/>
                       </a:endParaRPr>
                     </a:p>
@@ -15977,24 +17810,24 @@
                         </a:lnSpc>
                       </a:pPr>
                       <a:r>
-                        <a:rPr lang="en-US" sz="1600" b="1" kern="0" dirty="0">
-                          <a:solidFill>
-                            <a:schemeClr val="tx1"/>
-                          </a:solidFill>
-                          <a:effectLst/>
-                          <a:latin typeface="Microsoft YaHei Light" panose="020B0502040204020203" pitchFamily="34" charset="-122"/>
-                          <a:ea typeface="Microsoft YaHei Light" panose="020B0502040204020203" pitchFamily="34" charset="-122"/>
+                        <a:rPr lang="en-US" sz="1600" b="0" kern="0" dirty="0">
+                          <a:solidFill>
+                            <a:schemeClr val="tx1"/>
+                          </a:solidFill>
+                          <a:effectLst/>
+                          <a:latin typeface="微软雅黑" panose="020B0503020204020204" pitchFamily="34" charset="-122"/>
+                          <a:ea typeface="微软雅黑" panose="020B0503020204020204" pitchFamily="34" charset="-122"/>
                           <a:cs typeface="+mn-cs"/>
                         </a:rPr>
                         <a:t>OR rd,rs1,rs2</a:t>
                       </a:r>
-                      <a:endParaRPr lang="zh-CN" altLang="en-US" sz="1600" b="1" kern="0" dirty="0">
+                      <a:endParaRPr lang="zh-CN" altLang="en-US" sz="1600" b="0" kern="0" dirty="0">
                         <a:solidFill>
                           <a:schemeClr val="tx1"/>
                         </a:solidFill>
                         <a:effectLst/>
-                        <a:latin typeface="Microsoft YaHei Light" panose="020B0502040204020203" pitchFamily="34" charset="-122"/>
-                        <a:ea typeface="Microsoft YaHei Light" panose="020B0502040204020203" pitchFamily="34" charset="-122"/>
+                        <a:latin typeface="微软雅黑" panose="020B0503020204020204" pitchFamily="34" charset="-122"/>
+                        <a:ea typeface="微软雅黑" panose="020B0503020204020204" pitchFamily="34" charset="-122"/>
                         <a:cs typeface="+mn-cs"/>
                       </a:endParaRPr>
                     </a:p>
@@ -16034,36 +17867,36 @@
                         </a:lnSpc>
                       </a:pPr>
                       <a:r>
-                        <a:rPr lang="en-US" sz="1600" b="1" kern="0" dirty="0">
-                          <a:solidFill>
-                            <a:schemeClr val="tx1"/>
-                          </a:solidFill>
-                          <a:effectLst/>
-                          <a:latin typeface="Microsoft YaHei Light" panose="020B0502040204020203" pitchFamily="34" charset="-122"/>
-                          <a:ea typeface="Microsoft YaHei Light" panose="020B0502040204020203" pitchFamily="34" charset="-122"/>
+                        <a:rPr lang="en-US" sz="1600" b="0" kern="0" dirty="0">
+                          <a:solidFill>
+                            <a:schemeClr val="tx1"/>
+                          </a:solidFill>
+                          <a:effectLst/>
+                          <a:latin typeface="微软雅黑" panose="020B0503020204020204" pitchFamily="34" charset="-122"/>
+                          <a:ea typeface="微软雅黑" panose="020B0503020204020204" pitchFamily="34" charset="-122"/>
                           <a:cs typeface="+mn-cs"/>
                         </a:rPr>
                         <a:t>rs1 | rs2 -&gt; </a:t>
                       </a:r>
                       <a:r>
-                        <a:rPr lang="en-US" sz="1600" b="1" kern="0" dirty="0" err="1">
-                          <a:solidFill>
-                            <a:schemeClr val="tx1"/>
-                          </a:solidFill>
-                          <a:effectLst/>
-                          <a:latin typeface="Microsoft YaHei Light" panose="020B0502040204020203" pitchFamily="34" charset="-122"/>
-                          <a:ea typeface="Microsoft YaHei Light" panose="020B0502040204020203" pitchFamily="34" charset="-122"/>
+                        <a:rPr lang="en-US" sz="1600" b="0" kern="0" dirty="0" err="1">
+                          <a:solidFill>
+                            <a:schemeClr val="tx1"/>
+                          </a:solidFill>
+                          <a:effectLst/>
+                          <a:latin typeface="微软雅黑" panose="020B0503020204020204" pitchFamily="34" charset="-122"/>
+                          <a:ea typeface="微软雅黑" panose="020B0503020204020204" pitchFamily="34" charset="-122"/>
                           <a:cs typeface="+mn-cs"/>
                         </a:rPr>
                         <a:t>rd</a:t>
                       </a:r>
-                      <a:endParaRPr lang="zh-CN" altLang="en-US" sz="1600" b="1" kern="0" dirty="0">
+                      <a:endParaRPr lang="zh-CN" altLang="en-US" sz="1600" b="0" kern="0" dirty="0">
                         <a:solidFill>
                           <a:schemeClr val="tx1"/>
                         </a:solidFill>
                         <a:effectLst/>
-                        <a:latin typeface="Microsoft YaHei Light" panose="020B0502040204020203" pitchFamily="34" charset="-122"/>
-                        <a:ea typeface="Microsoft YaHei Light" panose="020B0502040204020203" pitchFamily="34" charset="-122"/>
+                        <a:latin typeface="微软雅黑" panose="020B0503020204020204" pitchFamily="34" charset="-122"/>
+                        <a:ea typeface="微软雅黑" panose="020B0503020204020204" pitchFamily="34" charset="-122"/>
                         <a:cs typeface="+mn-cs"/>
                       </a:endParaRPr>
                     </a:p>
@@ -16110,24 +17943,24 @@
                         </a:lnSpc>
                       </a:pPr>
                       <a:r>
-                        <a:rPr lang="en-US" sz="1600" b="1" kern="0" dirty="0">
-                          <a:solidFill>
-                            <a:schemeClr val="tx1"/>
-                          </a:solidFill>
-                          <a:effectLst/>
-                          <a:latin typeface="Microsoft YaHei Light" panose="020B0502040204020203" pitchFamily="34" charset="-122"/>
-                          <a:ea typeface="Microsoft YaHei Light" panose="020B0502040204020203" pitchFamily="34" charset="-122"/>
+                        <a:rPr lang="en-US" sz="1600" b="0" kern="0" dirty="0">
+                          <a:solidFill>
+                            <a:schemeClr val="tx1"/>
+                          </a:solidFill>
+                          <a:effectLst/>
+                          <a:latin typeface="微软雅黑" panose="020B0503020204020204" pitchFamily="34" charset="-122"/>
+                          <a:ea typeface="微软雅黑" panose="020B0503020204020204" pitchFamily="34" charset="-122"/>
                           <a:cs typeface="+mn-cs"/>
                         </a:rPr>
                         <a:t>AND</a:t>
                       </a:r>
-                      <a:endParaRPr lang="zh-CN" altLang="en-US" sz="1600" b="1" kern="0" dirty="0">
+                      <a:endParaRPr lang="zh-CN" altLang="en-US" sz="1600" b="0" kern="0" dirty="0">
                         <a:solidFill>
                           <a:schemeClr val="tx1"/>
                         </a:solidFill>
                         <a:effectLst/>
-                        <a:latin typeface="Microsoft YaHei Light" panose="020B0502040204020203" pitchFamily="34" charset="-122"/>
-                        <a:ea typeface="Microsoft YaHei Light" panose="020B0502040204020203" pitchFamily="34" charset="-122"/>
+                        <a:latin typeface="微软雅黑" panose="020B0503020204020204" pitchFamily="34" charset="-122"/>
+                        <a:ea typeface="微软雅黑" panose="020B0503020204020204" pitchFamily="34" charset="-122"/>
                         <a:cs typeface="+mn-cs"/>
                       </a:endParaRPr>
                     </a:p>
@@ -16167,24 +18000,24 @@
                         </a:lnSpc>
                       </a:pPr>
                       <a:r>
-                        <a:rPr lang="en-US" sz="1600" b="1" kern="0" dirty="0">
-                          <a:solidFill>
-                            <a:schemeClr val="tx1"/>
-                          </a:solidFill>
-                          <a:effectLst/>
-                          <a:latin typeface="Microsoft YaHei Light" panose="020B0502040204020203" pitchFamily="34" charset="-122"/>
-                          <a:ea typeface="Microsoft YaHei Light" panose="020B0502040204020203" pitchFamily="34" charset="-122"/>
+                        <a:rPr lang="en-US" sz="1600" b="0" kern="0" dirty="0">
+                          <a:solidFill>
+                            <a:schemeClr val="tx1"/>
+                          </a:solidFill>
+                          <a:effectLst/>
+                          <a:latin typeface="微软雅黑" panose="020B0503020204020204" pitchFamily="34" charset="-122"/>
+                          <a:ea typeface="微软雅黑" panose="020B0503020204020204" pitchFamily="34" charset="-122"/>
                           <a:cs typeface="+mn-cs"/>
                         </a:rPr>
                         <a:t>AND rd,rs1,rs2</a:t>
                       </a:r>
-                      <a:endParaRPr lang="zh-CN" altLang="en-US" sz="1600" b="1" kern="0" dirty="0">
+                      <a:endParaRPr lang="zh-CN" altLang="en-US" sz="1600" b="0" kern="0" dirty="0">
                         <a:solidFill>
                           <a:schemeClr val="tx1"/>
                         </a:solidFill>
                         <a:effectLst/>
-                        <a:latin typeface="Microsoft YaHei Light" panose="020B0502040204020203" pitchFamily="34" charset="-122"/>
-                        <a:ea typeface="Microsoft YaHei Light" panose="020B0502040204020203" pitchFamily="34" charset="-122"/>
+                        <a:latin typeface="微软雅黑" panose="020B0503020204020204" pitchFamily="34" charset="-122"/>
+                        <a:ea typeface="微软雅黑" panose="020B0503020204020204" pitchFamily="34" charset="-122"/>
                         <a:cs typeface="+mn-cs"/>
                       </a:endParaRPr>
                     </a:p>
@@ -16224,36 +18057,36 @@
                         </a:lnSpc>
                       </a:pPr>
                       <a:r>
-                        <a:rPr lang="en-US" sz="1600" b="1" kern="0" dirty="0">
-                          <a:solidFill>
-                            <a:schemeClr val="tx1"/>
-                          </a:solidFill>
-                          <a:effectLst/>
-                          <a:latin typeface="Microsoft YaHei Light" panose="020B0502040204020203" pitchFamily="34" charset="-122"/>
-                          <a:ea typeface="Microsoft YaHei Light" panose="020B0502040204020203" pitchFamily="34" charset="-122"/>
+                        <a:rPr lang="en-US" sz="1600" b="0" kern="0" dirty="0">
+                          <a:solidFill>
+                            <a:schemeClr val="tx1"/>
+                          </a:solidFill>
+                          <a:effectLst/>
+                          <a:latin typeface="微软雅黑" panose="020B0503020204020204" pitchFamily="34" charset="-122"/>
+                          <a:ea typeface="微软雅黑" panose="020B0503020204020204" pitchFamily="34" charset="-122"/>
                           <a:cs typeface="+mn-cs"/>
                         </a:rPr>
                         <a:t>rs1 &amp; rs2 -&gt; </a:t>
                       </a:r>
                       <a:r>
-                        <a:rPr lang="en-US" sz="1600" b="1" kern="0" dirty="0" err="1">
-                          <a:solidFill>
-                            <a:schemeClr val="tx1"/>
-                          </a:solidFill>
-                          <a:effectLst/>
-                          <a:latin typeface="Microsoft YaHei Light" panose="020B0502040204020203" pitchFamily="34" charset="-122"/>
-                          <a:ea typeface="Microsoft YaHei Light" panose="020B0502040204020203" pitchFamily="34" charset="-122"/>
+                        <a:rPr lang="en-US" sz="1600" b="0" kern="0" dirty="0" err="1">
+                          <a:solidFill>
+                            <a:schemeClr val="tx1"/>
+                          </a:solidFill>
+                          <a:effectLst/>
+                          <a:latin typeface="微软雅黑" panose="020B0503020204020204" pitchFamily="34" charset="-122"/>
+                          <a:ea typeface="微软雅黑" panose="020B0503020204020204" pitchFamily="34" charset="-122"/>
                           <a:cs typeface="+mn-cs"/>
                         </a:rPr>
                         <a:t>rd</a:t>
                       </a:r>
-                      <a:endParaRPr lang="zh-CN" altLang="en-US" sz="1600" b="1" kern="0" dirty="0">
+                      <a:endParaRPr lang="zh-CN" altLang="en-US" sz="1600" b="0" kern="0" dirty="0">
                         <a:solidFill>
                           <a:schemeClr val="tx1"/>
                         </a:solidFill>
                         <a:effectLst/>
-                        <a:latin typeface="Microsoft YaHei Light" panose="020B0502040204020203" pitchFamily="34" charset="-122"/>
-                        <a:ea typeface="Microsoft YaHei Light" panose="020B0502040204020203" pitchFamily="34" charset="-122"/>
+                        <a:latin typeface="微软雅黑" panose="020B0503020204020204" pitchFamily="34" charset="-122"/>
+                        <a:ea typeface="微软雅黑" panose="020B0503020204020204" pitchFamily="34" charset="-122"/>
                         <a:cs typeface="+mn-cs"/>
                       </a:endParaRPr>
                     </a:p>
@@ -16300,24 +18133,24 @@
                         </a:lnSpc>
                       </a:pPr>
                       <a:r>
-                        <a:rPr lang="en-US" sz="1600" b="1" kern="0" dirty="0">
-                          <a:solidFill>
-                            <a:schemeClr val="tx1"/>
-                          </a:solidFill>
-                          <a:effectLst/>
-                          <a:latin typeface="Microsoft YaHei Light" panose="020B0502040204020203" pitchFamily="34" charset="-122"/>
-                          <a:ea typeface="Microsoft YaHei Light" panose="020B0502040204020203" pitchFamily="34" charset="-122"/>
+                        <a:rPr lang="en-US" sz="1600" b="0" kern="0" dirty="0">
+                          <a:solidFill>
+                            <a:schemeClr val="tx1"/>
+                          </a:solidFill>
+                          <a:effectLst/>
+                          <a:latin typeface="微软雅黑" panose="020B0503020204020204" pitchFamily="34" charset="-122"/>
+                          <a:ea typeface="微软雅黑" panose="020B0503020204020204" pitchFamily="34" charset="-122"/>
                           <a:cs typeface="+mn-cs"/>
                         </a:rPr>
                         <a:t>SLL</a:t>
                       </a:r>
-                      <a:endParaRPr lang="zh-CN" altLang="en-US" sz="1600" b="1" kern="0" dirty="0">
+                      <a:endParaRPr lang="zh-CN" altLang="en-US" sz="1600" b="0" kern="0" dirty="0">
                         <a:solidFill>
                           <a:schemeClr val="tx1"/>
                         </a:solidFill>
                         <a:effectLst/>
-                        <a:latin typeface="Microsoft YaHei Light" panose="020B0502040204020203" pitchFamily="34" charset="-122"/>
-                        <a:ea typeface="Microsoft YaHei Light" panose="020B0502040204020203" pitchFamily="34" charset="-122"/>
+                        <a:latin typeface="微软雅黑" panose="020B0503020204020204" pitchFamily="34" charset="-122"/>
+                        <a:ea typeface="微软雅黑" panose="020B0503020204020204" pitchFamily="34" charset="-122"/>
                         <a:cs typeface="+mn-cs"/>
                       </a:endParaRPr>
                     </a:p>
@@ -16357,24 +18190,24 @@
                         </a:lnSpc>
                       </a:pPr>
                       <a:r>
-                        <a:rPr lang="en-US" sz="1600" b="1" kern="0">
-                          <a:solidFill>
-                            <a:schemeClr val="tx1"/>
-                          </a:solidFill>
-                          <a:effectLst/>
-                          <a:latin typeface="Microsoft YaHei Light" panose="020B0502040204020203" pitchFamily="34" charset="-122"/>
-                          <a:ea typeface="Microsoft YaHei Light" panose="020B0502040204020203" pitchFamily="34" charset="-122"/>
+                        <a:rPr lang="en-US" sz="1600" b="0" kern="0">
+                          <a:solidFill>
+                            <a:schemeClr val="tx1"/>
+                          </a:solidFill>
+                          <a:effectLst/>
+                          <a:latin typeface="微软雅黑" panose="020B0503020204020204" pitchFamily="34" charset="-122"/>
+                          <a:ea typeface="微软雅黑" panose="020B0503020204020204" pitchFamily="34" charset="-122"/>
                           <a:cs typeface="+mn-cs"/>
                         </a:rPr>
                         <a:t>SLL rd,rs1,rs2</a:t>
                       </a:r>
-                      <a:endParaRPr lang="zh-CN" altLang="en-US" sz="1600" b="1" kern="0">
+                      <a:endParaRPr lang="zh-CN" altLang="en-US" sz="1600" b="0" kern="0">
                         <a:solidFill>
                           <a:schemeClr val="tx1"/>
                         </a:solidFill>
                         <a:effectLst/>
-                        <a:latin typeface="Microsoft YaHei Light" panose="020B0502040204020203" pitchFamily="34" charset="-122"/>
-                        <a:ea typeface="Microsoft YaHei Light" panose="020B0502040204020203" pitchFamily="34" charset="-122"/>
+                        <a:latin typeface="微软雅黑" panose="020B0503020204020204" pitchFamily="34" charset="-122"/>
+                        <a:ea typeface="微软雅黑" panose="020B0503020204020204" pitchFamily="34" charset="-122"/>
                         <a:cs typeface="+mn-cs"/>
                       </a:endParaRPr>
                     </a:p>
@@ -16414,60 +18247,60 @@
                         </a:lnSpc>
                       </a:pPr>
                       <a:r>
-                        <a:rPr lang="en-US" sz="1600" b="1" kern="0" dirty="0">
-                          <a:solidFill>
-                            <a:schemeClr val="tx1"/>
-                          </a:solidFill>
-                          <a:effectLst/>
-                          <a:latin typeface="Microsoft YaHei Light" panose="020B0502040204020203" pitchFamily="34" charset="-122"/>
-                          <a:ea typeface="Microsoft YaHei Light" panose="020B0502040204020203" pitchFamily="34" charset="-122"/>
+                        <a:rPr lang="en-US" sz="1600" b="0" kern="0" dirty="0">
+                          <a:solidFill>
+                            <a:schemeClr val="tx1"/>
+                          </a:solidFill>
+                          <a:effectLst/>
+                          <a:latin typeface="微软雅黑" panose="020B0503020204020204" pitchFamily="34" charset="-122"/>
+                          <a:ea typeface="微软雅黑" panose="020B0503020204020204" pitchFamily="34" charset="-122"/>
                           <a:cs typeface="+mn-cs"/>
                         </a:rPr>
                         <a:t>(</a:t>
                       </a:r>
                       <a:r>
-                        <a:rPr lang="zh-CN" altLang="en-US" sz="1600" b="1" kern="0" dirty="0">
-                          <a:solidFill>
-                            <a:schemeClr val="tx1"/>
-                          </a:solidFill>
-                          <a:effectLst/>
-                          <a:latin typeface="Microsoft YaHei Light" panose="020B0502040204020203" pitchFamily="34" charset="-122"/>
-                          <a:ea typeface="Microsoft YaHei Light" panose="020B0502040204020203" pitchFamily="34" charset="-122"/>
+                        <a:rPr lang="zh-CN" altLang="en-US" sz="1600" b="0" kern="0" dirty="0">
+                          <a:solidFill>
+                            <a:schemeClr val="tx1"/>
+                          </a:solidFill>
+                          <a:effectLst/>
+                          <a:latin typeface="微软雅黑" panose="020B0503020204020204" pitchFamily="34" charset="-122"/>
+                          <a:ea typeface="微软雅黑" panose="020B0503020204020204" pitchFamily="34" charset="-122"/>
                           <a:cs typeface="+mn-cs"/>
                         </a:rPr>
                         <a:t>逻辑左移</a:t>
                       </a:r>
                       <a:r>
-                        <a:rPr lang="en-US" sz="1600" b="1" kern="0" dirty="0">
-                          <a:solidFill>
-                            <a:schemeClr val="tx1"/>
-                          </a:solidFill>
-                          <a:effectLst/>
-                          <a:latin typeface="Microsoft YaHei Light" panose="020B0502040204020203" pitchFamily="34" charset="-122"/>
-                          <a:ea typeface="Microsoft YaHei Light" panose="020B0502040204020203" pitchFamily="34" charset="-122"/>
+                        <a:rPr lang="en-US" sz="1600" b="0" kern="0" dirty="0">
+                          <a:solidFill>
+                            <a:schemeClr val="tx1"/>
+                          </a:solidFill>
+                          <a:effectLst/>
+                          <a:latin typeface="微软雅黑" panose="020B0503020204020204" pitchFamily="34" charset="-122"/>
+                          <a:ea typeface="微软雅黑" panose="020B0503020204020204" pitchFamily="34" charset="-122"/>
                           <a:cs typeface="+mn-cs"/>
                         </a:rPr>
                         <a:t>) rs1 &lt;&lt; rs2-&gt;</a:t>
                       </a:r>
                       <a:r>
-                        <a:rPr lang="en-US" sz="1600" b="1" kern="0" dirty="0" err="1">
-                          <a:solidFill>
-                            <a:schemeClr val="tx1"/>
-                          </a:solidFill>
-                          <a:effectLst/>
-                          <a:latin typeface="Microsoft YaHei Light" panose="020B0502040204020203" pitchFamily="34" charset="-122"/>
-                          <a:ea typeface="Microsoft YaHei Light" panose="020B0502040204020203" pitchFamily="34" charset="-122"/>
+                        <a:rPr lang="en-US" sz="1600" b="0" kern="0" dirty="0" err="1">
+                          <a:solidFill>
+                            <a:schemeClr val="tx1"/>
+                          </a:solidFill>
+                          <a:effectLst/>
+                          <a:latin typeface="微软雅黑" panose="020B0503020204020204" pitchFamily="34" charset="-122"/>
+                          <a:ea typeface="微软雅黑" panose="020B0503020204020204" pitchFamily="34" charset="-122"/>
                           <a:cs typeface="+mn-cs"/>
                         </a:rPr>
                         <a:t>rd</a:t>
                       </a:r>
-                      <a:endParaRPr lang="zh-CN" altLang="en-US" sz="1600" b="1" kern="0" dirty="0">
+                      <a:endParaRPr lang="zh-CN" altLang="en-US" sz="1600" b="0" kern="0" dirty="0">
                         <a:solidFill>
                           <a:schemeClr val="tx1"/>
                         </a:solidFill>
                         <a:effectLst/>
-                        <a:latin typeface="Microsoft YaHei Light" panose="020B0502040204020203" pitchFamily="34" charset="-122"/>
-                        <a:ea typeface="Microsoft YaHei Light" panose="020B0502040204020203" pitchFamily="34" charset="-122"/>
+                        <a:latin typeface="微软雅黑" panose="020B0503020204020204" pitchFamily="34" charset="-122"/>
+                        <a:ea typeface="微软雅黑" panose="020B0503020204020204" pitchFamily="34" charset="-122"/>
                         <a:cs typeface="+mn-cs"/>
                       </a:endParaRPr>
                     </a:p>
@@ -16514,24 +18347,24 @@
                         </a:lnSpc>
                       </a:pPr>
                       <a:r>
-                        <a:rPr lang="en-US" sz="1600" b="1" kern="0" dirty="0">
-                          <a:solidFill>
-                            <a:schemeClr val="tx1"/>
-                          </a:solidFill>
-                          <a:effectLst/>
-                          <a:latin typeface="Microsoft YaHei Light" panose="020B0502040204020203" pitchFamily="34" charset="-122"/>
-                          <a:ea typeface="Microsoft YaHei Light" panose="020B0502040204020203" pitchFamily="34" charset="-122"/>
+                        <a:rPr lang="en-US" sz="1600" b="0" kern="0" dirty="0">
+                          <a:solidFill>
+                            <a:schemeClr val="tx1"/>
+                          </a:solidFill>
+                          <a:effectLst/>
+                          <a:latin typeface="微软雅黑" panose="020B0503020204020204" pitchFamily="34" charset="-122"/>
+                          <a:ea typeface="微软雅黑" panose="020B0503020204020204" pitchFamily="34" charset="-122"/>
                           <a:cs typeface="+mn-cs"/>
                         </a:rPr>
                         <a:t>SLT</a:t>
                       </a:r>
-                      <a:endParaRPr lang="zh-CN" altLang="en-US" sz="1600" b="1" kern="0" dirty="0">
+                      <a:endParaRPr lang="zh-CN" altLang="en-US" sz="1600" b="0" kern="0" dirty="0">
                         <a:solidFill>
                           <a:schemeClr val="tx1"/>
                         </a:solidFill>
                         <a:effectLst/>
-                        <a:latin typeface="Microsoft YaHei Light" panose="020B0502040204020203" pitchFamily="34" charset="-122"/>
-                        <a:ea typeface="Microsoft YaHei Light" panose="020B0502040204020203" pitchFamily="34" charset="-122"/>
+                        <a:latin typeface="微软雅黑" panose="020B0503020204020204" pitchFamily="34" charset="-122"/>
+                        <a:ea typeface="微软雅黑" panose="020B0503020204020204" pitchFamily="34" charset="-122"/>
                         <a:cs typeface="+mn-cs"/>
                       </a:endParaRPr>
                     </a:p>
@@ -16571,24 +18404,24 @@
                         </a:lnSpc>
                       </a:pPr>
                       <a:r>
-                        <a:rPr lang="en-US" sz="1600" b="1" kern="0">
-                          <a:solidFill>
-                            <a:schemeClr val="tx1"/>
-                          </a:solidFill>
-                          <a:effectLst/>
-                          <a:latin typeface="Microsoft YaHei Light" panose="020B0502040204020203" pitchFamily="34" charset="-122"/>
-                          <a:ea typeface="Microsoft YaHei Light" panose="020B0502040204020203" pitchFamily="34" charset="-122"/>
+                        <a:rPr lang="en-US" sz="1600" b="0" kern="0">
+                          <a:solidFill>
+                            <a:schemeClr val="tx1"/>
+                          </a:solidFill>
+                          <a:effectLst/>
+                          <a:latin typeface="微软雅黑" panose="020B0503020204020204" pitchFamily="34" charset="-122"/>
+                          <a:ea typeface="微软雅黑" panose="020B0503020204020204" pitchFamily="34" charset="-122"/>
                           <a:cs typeface="+mn-cs"/>
                         </a:rPr>
                         <a:t>SLT rd,rs1,rs2</a:t>
                       </a:r>
-                      <a:endParaRPr lang="zh-CN" altLang="en-US" sz="1600" b="1" kern="0">
+                      <a:endParaRPr lang="zh-CN" altLang="en-US" sz="1600" b="0" kern="0">
                         <a:solidFill>
                           <a:schemeClr val="tx1"/>
                         </a:solidFill>
                         <a:effectLst/>
-                        <a:latin typeface="Microsoft YaHei Light" panose="020B0502040204020203" pitchFamily="34" charset="-122"/>
-                        <a:ea typeface="Microsoft YaHei Light" panose="020B0502040204020203" pitchFamily="34" charset="-122"/>
+                        <a:latin typeface="微软雅黑" panose="020B0503020204020204" pitchFamily="34" charset="-122"/>
+                        <a:ea typeface="微软雅黑" panose="020B0503020204020204" pitchFamily="34" charset="-122"/>
                         <a:cs typeface="+mn-cs"/>
                       </a:endParaRPr>
                     </a:p>
@@ -16628,84 +18461,84 @@
                         </a:lnSpc>
                       </a:pPr>
                       <a:r>
-                        <a:rPr lang="en-US" altLang="zh-CN" sz="1600" b="1" kern="0" dirty="0">
-                          <a:solidFill>
-                            <a:schemeClr val="tx1"/>
-                          </a:solidFill>
-                          <a:effectLst/>
-                          <a:latin typeface="Microsoft YaHei Light" panose="020B0502040204020203" pitchFamily="34" charset="-122"/>
-                          <a:ea typeface="Microsoft YaHei Light" panose="020B0502040204020203" pitchFamily="34" charset="-122"/>
+                        <a:rPr lang="en-US" altLang="zh-CN" sz="1600" b="0" kern="0" dirty="0">
+                          <a:solidFill>
+                            <a:schemeClr val="tx1"/>
+                          </a:solidFill>
+                          <a:effectLst/>
+                          <a:latin typeface="微软雅黑" panose="020B0503020204020204" pitchFamily="34" charset="-122"/>
+                          <a:ea typeface="微软雅黑" panose="020B0503020204020204" pitchFamily="34" charset="-122"/>
                           <a:cs typeface="+mn-cs"/>
                         </a:rPr>
                         <a:t>(</a:t>
                       </a:r>
                       <a:r>
-                        <a:rPr lang="zh-CN" altLang="en-US" sz="1600" b="1" kern="0" dirty="0">
-                          <a:solidFill>
-                            <a:schemeClr val="tx1"/>
-                          </a:solidFill>
-                          <a:effectLst/>
-                          <a:latin typeface="Microsoft YaHei Light" panose="020B0502040204020203" pitchFamily="34" charset="-122"/>
-                          <a:ea typeface="Microsoft YaHei Light" panose="020B0502040204020203" pitchFamily="34" charset="-122"/>
+                        <a:rPr lang="zh-CN" altLang="en-US" sz="1600" b="0" kern="0" dirty="0">
+                          <a:solidFill>
+                            <a:schemeClr val="tx1"/>
+                          </a:solidFill>
+                          <a:effectLst/>
+                          <a:latin typeface="微软雅黑" panose="020B0503020204020204" pitchFamily="34" charset="-122"/>
+                          <a:ea typeface="微软雅黑" panose="020B0503020204020204" pitchFamily="34" charset="-122"/>
                           <a:cs typeface="+mn-cs"/>
                         </a:rPr>
                         <a:t>有符号）</a:t>
                       </a:r>
                       <a:r>
-                        <a:rPr lang="en-US" sz="1600" b="1" kern="0" dirty="0">
-                          <a:solidFill>
-                            <a:schemeClr val="tx1"/>
-                          </a:solidFill>
-                          <a:effectLst/>
-                          <a:latin typeface="Microsoft YaHei Light" panose="020B0502040204020203" pitchFamily="34" charset="-122"/>
-                          <a:ea typeface="Microsoft YaHei Light" panose="020B0502040204020203" pitchFamily="34" charset="-122"/>
+                        <a:rPr lang="en-US" sz="1600" b="0" kern="0" dirty="0">
+                          <a:solidFill>
+                            <a:schemeClr val="tx1"/>
+                          </a:solidFill>
+                          <a:effectLst/>
+                          <a:latin typeface="微软雅黑" panose="020B0503020204020204" pitchFamily="34" charset="-122"/>
+                          <a:ea typeface="微软雅黑" panose="020B0503020204020204" pitchFamily="34" charset="-122"/>
                           <a:cs typeface="+mn-cs"/>
                         </a:rPr>
                         <a:t>rs1&lt;rs2</a:t>
                       </a:r>
                       <a:r>
-                        <a:rPr lang="zh-CN" altLang="en-US" sz="1600" b="1" kern="0" dirty="0">
-                          <a:solidFill>
-                            <a:schemeClr val="tx1"/>
-                          </a:solidFill>
-                          <a:effectLst/>
-                          <a:latin typeface="Microsoft YaHei Light" panose="020B0502040204020203" pitchFamily="34" charset="-122"/>
-                          <a:ea typeface="Microsoft YaHei Light" panose="020B0502040204020203" pitchFamily="34" charset="-122"/>
+                        <a:rPr lang="zh-CN" altLang="en-US" sz="1600" b="0" kern="0" dirty="0">
+                          <a:solidFill>
+                            <a:schemeClr val="tx1"/>
+                          </a:solidFill>
+                          <a:effectLst/>
+                          <a:latin typeface="微软雅黑" panose="020B0503020204020204" pitchFamily="34" charset="-122"/>
+                          <a:ea typeface="微软雅黑" panose="020B0503020204020204" pitchFamily="34" charset="-122"/>
                           <a:cs typeface="+mn-cs"/>
                         </a:rPr>
                         <a:t>时，</a:t>
                       </a:r>
                       <a:r>
-                        <a:rPr lang="en-US" sz="1600" b="1" kern="0" dirty="0" err="1">
-                          <a:solidFill>
-                            <a:schemeClr val="tx1"/>
-                          </a:solidFill>
-                          <a:effectLst/>
-                          <a:latin typeface="Microsoft YaHei Light" panose="020B0502040204020203" pitchFamily="34" charset="-122"/>
-                          <a:ea typeface="Microsoft YaHei Light" panose="020B0502040204020203" pitchFamily="34" charset="-122"/>
+                        <a:rPr lang="en-US" sz="1600" b="0" kern="0" dirty="0" err="1">
+                          <a:solidFill>
+                            <a:schemeClr val="tx1"/>
+                          </a:solidFill>
+                          <a:effectLst/>
+                          <a:latin typeface="微软雅黑" panose="020B0503020204020204" pitchFamily="34" charset="-122"/>
+                          <a:ea typeface="微软雅黑" panose="020B0503020204020204" pitchFamily="34" charset="-122"/>
                           <a:cs typeface="+mn-cs"/>
                         </a:rPr>
                         <a:t>rd</a:t>
                       </a:r>
                       <a:r>
-                        <a:rPr lang="en-US" sz="1600" b="1" kern="0" dirty="0">
-                          <a:solidFill>
-                            <a:schemeClr val="tx1"/>
-                          </a:solidFill>
-                          <a:effectLst/>
-                          <a:latin typeface="Microsoft YaHei Light" panose="020B0502040204020203" pitchFamily="34" charset="-122"/>
-                          <a:ea typeface="Microsoft YaHei Light" panose="020B0502040204020203" pitchFamily="34" charset="-122"/>
+                        <a:rPr lang="en-US" sz="1600" b="0" kern="0" dirty="0">
+                          <a:solidFill>
+                            <a:schemeClr val="tx1"/>
+                          </a:solidFill>
+                          <a:effectLst/>
+                          <a:latin typeface="微软雅黑" panose="020B0503020204020204" pitchFamily="34" charset="-122"/>
+                          <a:ea typeface="微软雅黑" panose="020B0503020204020204" pitchFamily="34" charset="-122"/>
                           <a:cs typeface="+mn-cs"/>
                         </a:rPr>
                         <a:t>=1</a:t>
                       </a:r>
-                      <a:endParaRPr lang="zh-CN" altLang="en-US" sz="1600" b="1" kern="0" dirty="0">
+                      <a:endParaRPr lang="zh-CN" altLang="en-US" sz="1600" b="0" kern="0" dirty="0">
                         <a:solidFill>
                           <a:schemeClr val="tx1"/>
                         </a:solidFill>
                         <a:effectLst/>
-                        <a:latin typeface="Microsoft YaHei Light" panose="020B0502040204020203" pitchFamily="34" charset="-122"/>
-                        <a:ea typeface="Microsoft YaHei Light" panose="020B0502040204020203" pitchFamily="34" charset="-122"/>
+                        <a:latin typeface="微软雅黑" panose="020B0503020204020204" pitchFamily="34" charset="-122"/>
+                        <a:ea typeface="微软雅黑" panose="020B0503020204020204" pitchFamily="34" charset="-122"/>
                         <a:cs typeface="+mn-cs"/>
                       </a:endParaRPr>
                     </a:p>
@@ -16752,24 +18585,24 @@
                         </a:lnSpc>
                       </a:pPr>
                       <a:r>
-                        <a:rPr lang="en-US" sz="1600" b="1" kern="0" dirty="0">
-                          <a:solidFill>
-                            <a:schemeClr val="tx1"/>
-                          </a:solidFill>
-                          <a:effectLst/>
-                          <a:latin typeface="Microsoft YaHei Light" panose="020B0502040204020203" pitchFamily="34" charset="-122"/>
-                          <a:ea typeface="Microsoft YaHei Light" panose="020B0502040204020203" pitchFamily="34" charset="-122"/>
+                        <a:rPr lang="en-US" sz="1600" b="0" kern="0" dirty="0">
+                          <a:solidFill>
+                            <a:schemeClr val="tx1"/>
+                          </a:solidFill>
+                          <a:effectLst/>
+                          <a:latin typeface="微软雅黑" panose="020B0503020204020204" pitchFamily="34" charset="-122"/>
+                          <a:ea typeface="微软雅黑" panose="020B0503020204020204" pitchFamily="34" charset="-122"/>
                           <a:cs typeface="+mn-cs"/>
                         </a:rPr>
                         <a:t>SRA</a:t>
                       </a:r>
-                      <a:endParaRPr lang="zh-CN" altLang="en-US" sz="1600" b="1" kern="0" dirty="0">
+                      <a:endParaRPr lang="zh-CN" altLang="en-US" sz="1600" b="0" kern="0" dirty="0">
                         <a:solidFill>
                           <a:schemeClr val="tx1"/>
                         </a:solidFill>
                         <a:effectLst/>
-                        <a:latin typeface="Microsoft YaHei Light" panose="020B0502040204020203" pitchFamily="34" charset="-122"/>
-                        <a:ea typeface="Microsoft YaHei Light" panose="020B0502040204020203" pitchFamily="34" charset="-122"/>
+                        <a:latin typeface="微软雅黑" panose="020B0503020204020204" pitchFamily="34" charset="-122"/>
+                        <a:ea typeface="微软雅黑" panose="020B0503020204020204" pitchFamily="34" charset="-122"/>
                         <a:cs typeface="+mn-cs"/>
                       </a:endParaRPr>
                     </a:p>
@@ -16809,24 +18642,24 @@
                         </a:lnSpc>
                       </a:pPr>
                       <a:r>
-                        <a:rPr lang="en-US" sz="1600" b="1" kern="0">
-                          <a:solidFill>
-                            <a:schemeClr val="tx1"/>
-                          </a:solidFill>
-                          <a:effectLst/>
-                          <a:latin typeface="Microsoft YaHei Light" panose="020B0502040204020203" pitchFamily="34" charset="-122"/>
-                          <a:ea typeface="Microsoft YaHei Light" panose="020B0502040204020203" pitchFamily="34" charset="-122"/>
+                        <a:rPr lang="en-US" sz="1600" b="0" kern="0">
+                          <a:solidFill>
+                            <a:schemeClr val="tx1"/>
+                          </a:solidFill>
+                          <a:effectLst/>
+                          <a:latin typeface="微软雅黑" panose="020B0503020204020204" pitchFamily="34" charset="-122"/>
+                          <a:ea typeface="微软雅黑" panose="020B0503020204020204" pitchFamily="34" charset="-122"/>
                           <a:cs typeface="+mn-cs"/>
                         </a:rPr>
                         <a:t>SRA rd,rs1,rs2</a:t>
                       </a:r>
-                      <a:endParaRPr lang="zh-CN" altLang="en-US" sz="1600" b="1" kern="0">
+                      <a:endParaRPr lang="zh-CN" altLang="en-US" sz="1600" b="0" kern="0">
                         <a:solidFill>
                           <a:schemeClr val="tx1"/>
                         </a:solidFill>
                         <a:effectLst/>
-                        <a:latin typeface="Microsoft YaHei Light" panose="020B0502040204020203" pitchFamily="34" charset="-122"/>
-                        <a:ea typeface="Microsoft YaHei Light" panose="020B0502040204020203" pitchFamily="34" charset="-122"/>
+                        <a:latin typeface="微软雅黑" panose="020B0503020204020204" pitchFamily="34" charset="-122"/>
+                        <a:ea typeface="微软雅黑" panose="020B0503020204020204" pitchFamily="34" charset="-122"/>
                         <a:cs typeface="+mn-cs"/>
                       </a:endParaRPr>
                     </a:p>
@@ -16866,60 +18699,60 @@
                         </a:lnSpc>
                       </a:pPr>
                       <a:r>
-                        <a:rPr lang="en-US" sz="1600" b="1" kern="0" dirty="0">
-                          <a:solidFill>
-                            <a:schemeClr val="tx1"/>
-                          </a:solidFill>
-                          <a:effectLst/>
-                          <a:latin typeface="Microsoft YaHei Light" panose="020B0502040204020203" pitchFamily="34" charset="-122"/>
-                          <a:ea typeface="Microsoft YaHei Light" panose="020B0502040204020203" pitchFamily="34" charset="-122"/>
+                        <a:rPr lang="en-US" sz="1600" b="0" kern="0" dirty="0">
+                          <a:solidFill>
+                            <a:schemeClr val="tx1"/>
+                          </a:solidFill>
+                          <a:effectLst/>
+                          <a:latin typeface="微软雅黑" panose="020B0503020204020204" pitchFamily="34" charset="-122"/>
+                          <a:ea typeface="微软雅黑" panose="020B0503020204020204" pitchFamily="34" charset="-122"/>
                           <a:cs typeface="+mn-cs"/>
                         </a:rPr>
                         <a:t>(</a:t>
                       </a:r>
                       <a:r>
-                        <a:rPr lang="zh-CN" altLang="en-US" sz="1600" b="1" kern="0" dirty="0">
-                          <a:solidFill>
-                            <a:schemeClr val="tx1"/>
-                          </a:solidFill>
-                          <a:effectLst/>
-                          <a:latin typeface="Microsoft YaHei Light" panose="020B0502040204020203" pitchFamily="34" charset="-122"/>
-                          <a:ea typeface="Microsoft YaHei Light" panose="020B0502040204020203" pitchFamily="34" charset="-122"/>
+                        <a:rPr lang="zh-CN" altLang="en-US" sz="1600" b="0" kern="0" dirty="0">
+                          <a:solidFill>
+                            <a:schemeClr val="tx1"/>
+                          </a:solidFill>
+                          <a:effectLst/>
+                          <a:latin typeface="微软雅黑" panose="020B0503020204020204" pitchFamily="34" charset="-122"/>
+                          <a:ea typeface="微软雅黑" panose="020B0503020204020204" pitchFamily="34" charset="-122"/>
                           <a:cs typeface="+mn-cs"/>
                         </a:rPr>
                         <a:t>算术右移</a:t>
                       </a:r>
                       <a:r>
-                        <a:rPr lang="en-US" sz="1600" b="1" kern="0" dirty="0">
-                          <a:solidFill>
-                            <a:schemeClr val="tx1"/>
-                          </a:solidFill>
-                          <a:effectLst/>
-                          <a:latin typeface="Microsoft YaHei Light" panose="020B0502040204020203" pitchFamily="34" charset="-122"/>
-                          <a:ea typeface="Microsoft YaHei Light" panose="020B0502040204020203" pitchFamily="34" charset="-122"/>
+                        <a:rPr lang="en-US" sz="1600" b="0" kern="0" dirty="0">
+                          <a:solidFill>
+                            <a:schemeClr val="tx1"/>
+                          </a:solidFill>
+                          <a:effectLst/>
+                          <a:latin typeface="微软雅黑" panose="020B0503020204020204" pitchFamily="34" charset="-122"/>
+                          <a:ea typeface="微软雅黑" panose="020B0503020204020204" pitchFamily="34" charset="-122"/>
                           <a:cs typeface="+mn-cs"/>
                         </a:rPr>
                         <a:t>) rs1 &gt;&gt; rs2-&gt;</a:t>
                       </a:r>
                       <a:r>
-                        <a:rPr lang="en-US" sz="1600" b="1" kern="0" dirty="0" err="1">
-                          <a:solidFill>
-                            <a:schemeClr val="tx1"/>
-                          </a:solidFill>
-                          <a:effectLst/>
-                          <a:latin typeface="Microsoft YaHei Light" panose="020B0502040204020203" pitchFamily="34" charset="-122"/>
-                          <a:ea typeface="Microsoft YaHei Light" panose="020B0502040204020203" pitchFamily="34" charset="-122"/>
+                        <a:rPr lang="en-US" sz="1600" b="0" kern="0" dirty="0" err="1">
+                          <a:solidFill>
+                            <a:schemeClr val="tx1"/>
+                          </a:solidFill>
+                          <a:effectLst/>
+                          <a:latin typeface="微软雅黑" panose="020B0503020204020204" pitchFamily="34" charset="-122"/>
+                          <a:ea typeface="微软雅黑" panose="020B0503020204020204" pitchFamily="34" charset="-122"/>
                           <a:cs typeface="+mn-cs"/>
                         </a:rPr>
                         <a:t>rd</a:t>
                       </a:r>
-                      <a:endParaRPr lang="zh-CN" altLang="en-US" sz="1600" b="1" kern="0" dirty="0">
+                      <a:endParaRPr lang="zh-CN" altLang="en-US" sz="1600" b="0" kern="0" dirty="0">
                         <a:solidFill>
                           <a:schemeClr val="tx1"/>
                         </a:solidFill>
                         <a:effectLst/>
-                        <a:latin typeface="Microsoft YaHei Light" panose="020B0502040204020203" pitchFamily="34" charset="-122"/>
-                        <a:ea typeface="Microsoft YaHei Light" panose="020B0502040204020203" pitchFamily="34" charset="-122"/>
+                        <a:latin typeface="微软雅黑" panose="020B0503020204020204" pitchFamily="34" charset="-122"/>
+                        <a:ea typeface="微软雅黑" panose="020B0503020204020204" pitchFamily="34" charset="-122"/>
                         <a:cs typeface="+mn-cs"/>
                       </a:endParaRPr>
                     </a:p>
@@ -16966,24 +18799,24 @@
                         </a:lnSpc>
                       </a:pPr>
                       <a:r>
-                        <a:rPr lang="en-US" sz="1600" b="1" kern="0" dirty="0">
-                          <a:solidFill>
-                            <a:schemeClr val="tx1"/>
-                          </a:solidFill>
-                          <a:effectLst/>
-                          <a:latin typeface="Microsoft YaHei Light" panose="020B0502040204020203" pitchFamily="34" charset="-122"/>
-                          <a:ea typeface="Microsoft YaHei Light" panose="020B0502040204020203" pitchFamily="34" charset="-122"/>
+                        <a:rPr lang="en-US" sz="1600" b="0" kern="0" dirty="0">
+                          <a:solidFill>
+                            <a:schemeClr val="tx1"/>
+                          </a:solidFill>
+                          <a:effectLst/>
+                          <a:latin typeface="微软雅黑" panose="020B0503020204020204" pitchFamily="34" charset="-122"/>
+                          <a:ea typeface="微软雅黑" panose="020B0503020204020204" pitchFamily="34" charset="-122"/>
                           <a:cs typeface="+mn-cs"/>
                         </a:rPr>
                         <a:t>SLTU</a:t>
                       </a:r>
-                      <a:endParaRPr lang="zh-CN" altLang="en-US" sz="1600" b="1" kern="0" dirty="0">
+                      <a:endParaRPr lang="zh-CN" altLang="en-US" sz="1600" b="0" kern="0" dirty="0">
                         <a:solidFill>
                           <a:schemeClr val="tx1"/>
                         </a:solidFill>
                         <a:effectLst/>
-                        <a:latin typeface="Microsoft YaHei Light" panose="020B0502040204020203" pitchFamily="34" charset="-122"/>
-                        <a:ea typeface="Microsoft YaHei Light" panose="020B0502040204020203" pitchFamily="34" charset="-122"/>
+                        <a:latin typeface="微软雅黑" panose="020B0503020204020204" pitchFamily="34" charset="-122"/>
+                        <a:ea typeface="微软雅黑" panose="020B0503020204020204" pitchFamily="34" charset="-122"/>
                         <a:cs typeface="+mn-cs"/>
                       </a:endParaRPr>
                     </a:p>
@@ -17029,24 +18862,24 @@
                         </a:lnSpc>
                       </a:pPr>
                       <a:r>
-                        <a:rPr lang="en-US" sz="1600" b="1" kern="0" dirty="0">
-                          <a:solidFill>
-                            <a:schemeClr val="tx1"/>
-                          </a:solidFill>
-                          <a:effectLst/>
-                          <a:latin typeface="Microsoft YaHei Light" panose="020B0502040204020203" pitchFamily="34" charset="-122"/>
-                          <a:ea typeface="Microsoft YaHei Light" panose="020B0502040204020203" pitchFamily="34" charset="-122"/>
+                        <a:rPr lang="en-US" sz="1600" b="0" kern="0" dirty="0">
+                          <a:solidFill>
+                            <a:schemeClr val="tx1"/>
+                          </a:solidFill>
+                          <a:effectLst/>
+                          <a:latin typeface="微软雅黑" panose="020B0503020204020204" pitchFamily="34" charset="-122"/>
+                          <a:ea typeface="微软雅黑" panose="020B0503020204020204" pitchFamily="34" charset="-122"/>
                           <a:cs typeface="+mn-cs"/>
                         </a:rPr>
                         <a:t>SLTU rd,rs1,rs2</a:t>
                       </a:r>
-                      <a:endParaRPr lang="zh-CN" altLang="en-US" sz="1600" b="1" kern="0" dirty="0">
+                      <a:endParaRPr lang="zh-CN" altLang="en-US" sz="1600" b="0" kern="0" dirty="0">
                         <a:solidFill>
                           <a:schemeClr val="tx1"/>
                         </a:solidFill>
                         <a:effectLst/>
-                        <a:latin typeface="Microsoft YaHei Light" panose="020B0502040204020203" pitchFamily="34" charset="-122"/>
-                        <a:ea typeface="Microsoft YaHei Light" panose="020B0502040204020203" pitchFamily="34" charset="-122"/>
+                        <a:latin typeface="微软雅黑" panose="020B0503020204020204" pitchFamily="34" charset="-122"/>
+                        <a:ea typeface="微软雅黑" panose="020B0503020204020204" pitchFamily="34" charset="-122"/>
                         <a:cs typeface="+mn-cs"/>
                       </a:endParaRPr>
                     </a:p>
@@ -17092,84 +18925,84 @@
                         </a:lnSpc>
                       </a:pPr>
                       <a:r>
-                        <a:rPr lang="en-US" altLang="zh-CN" sz="1600" b="1" kern="0" dirty="0">
-                          <a:solidFill>
-                            <a:schemeClr val="tx1"/>
-                          </a:solidFill>
-                          <a:effectLst/>
-                          <a:latin typeface="Microsoft YaHei Light" panose="020B0502040204020203" pitchFamily="34" charset="-122"/>
-                          <a:ea typeface="Microsoft YaHei Light" panose="020B0502040204020203" pitchFamily="34" charset="-122"/>
+                        <a:rPr lang="en-US" altLang="zh-CN" sz="1600" b="0" kern="0" dirty="0">
+                          <a:solidFill>
+                            <a:schemeClr val="tx1"/>
+                          </a:solidFill>
+                          <a:effectLst/>
+                          <a:latin typeface="微软雅黑" panose="020B0503020204020204" pitchFamily="34" charset="-122"/>
+                          <a:ea typeface="微软雅黑" panose="020B0503020204020204" pitchFamily="34" charset="-122"/>
                           <a:cs typeface="+mn-cs"/>
                         </a:rPr>
                         <a:t>(</a:t>
                       </a:r>
                       <a:r>
-                        <a:rPr lang="zh-CN" altLang="en-US" sz="1600" b="1" kern="0" dirty="0">
-                          <a:solidFill>
-                            <a:schemeClr val="tx1"/>
-                          </a:solidFill>
-                          <a:effectLst/>
-                          <a:latin typeface="Microsoft YaHei Light" panose="020B0502040204020203" pitchFamily="34" charset="-122"/>
-                          <a:ea typeface="Microsoft YaHei Light" panose="020B0502040204020203" pitchFamily="34" charset="-122"/>
+                        <a:rPr lang="zh-CN" altLang="en-US" sz="1600" b="0" kern="0" dirty="0">
+                          <a:solidFill>
+                            <a:schemeClr val="tx1"/>
+                          </a:solidFill>
+                          <a:effectLst/>
+                          <a:latin typeface="微软雅黑" panose="020B0503020204020204" pitchFamily="34" charset="-122"/>
+                          <a:ea typeface="微软雅黑" panose="020B0503020204020204" pitchFamily="34" charset="-122"/>
                           <a:cs typeface="+mn-cs"/>
                         </a:rPr>
                         <a:t>无符号）</a:t>
                       </a:r>
                       <a:r>
-                        <a:rPr lang="en-US" sz="1600" b="1" kern="0" dirty="0">
-                          <a:solidFill>
-                            <a:schemeClr val="tx1"/>
-                          </a:solidFill>
-                          <a:effectLst/>
-                          <a:latin typeface="Microsoft YaHei Light" panose="020B0502040204020203" pitchFamily="34" charset="-122"/>
-                          <a:ea typeface="Microsoft YaHei Light" panose="020B0502040204020203" pitchFamily="34" charset="-122"/>
+                        <a:rPr lang="en-US" sz="1600" b="0" kern="0" dirty="0">
+                          <a:solidFill>
+                            <a:schemeClr val="tx1"/>
+                          </a:solidFill>
+                          <a:effectLst/>
+                          <a:latin typeface="微软雅黑" panose="020B0503020204020204" pitchFamily="34" charset="-122"/>
+                          <a:ea typeface="微软雅黑" panose="020B0503020204020204" pitchFamily="34" charset="-122"/>
                           <a:cs typeface="+mn-cs"/>
                         </a:rPr>
                         <a:t>rs1&lt;rs2</a:t>
                       </a:r>
                       <a:r>
-                        <a:rPr lang="zh-CN" altLang="en-US" sz="1600" b="1" kern="0" dirty="0">
-                          <a:solidFill>
-                            <a:schemeClr val="tx1"/>
-                          </a:solidFill>
-                          <a:effectLst/>
-                          <a:latin typeface="Microsoft YaHei Light" panose="020B0502040204020203" pitchFamily="34" charset="-122"/>
-                          <a:ea typeface="Microsoft YaHei Light" panose="020B0502040204020203" pitchFamily="34" charset="-122"/>
+                        <a:rPr lang="zh-CN" altLang="en-US" sz="1600" b="0" kern="0" dirty="0">
+                          <a:solidFill>
+                            <a:schemeClr val="tx1"/>
+                          </a:solidFill>
+                          <a:effectLst/>
+                          <a:latin typeface="微软雅黑" panose="020B0503020204020204" pitchFamily="34" charset="-122"/>
+                          <a:ea typeface="微软雅黑" panose="020B0503020204020204" pitchFamily="34" charset="-122"/>
                           <a:cs typeface="+mn-cs"/>
                         </a:rPr>
                         <a:t>时，</a:t>
                       </a:r>
                       <a:r>
-                        <a:rPr lang="en-US" sz="1600" b="1" kern="0" dirty="0" err="1">
-                          <a:solidFill>
-                            <a:schemeClr val="tx1"/>
-                          </a:solidFill>
-                          <a:effectLst/>
-                          <a:latin typeface="Microsoft YaHei Light" panose="020B0502040204020203" pitchFamily="34" charset="-122"/>
-                          <a:ea typeface="Microsoft YaHei Light" panose="020B0502040204020203" pitchFamily="34" charset="-122"/>
+                        <a:rPr lang="en-US" sz="1600" b="0" kern="0" dirty="0" err="1">
+                          <a:solidFill>
+                            <a:schemeClr val="tx1"/>
+                          </a:solidFill>
+                          <a:effectLst/>
+                          <a:latin typeface="微软雅黑" panose="020B0503020204020204" pitchFamily="34" charset="-122"/>
+                          <a:ea typeface="微软雅黑" panose="020B0503020204020204" pitchFamily="34" charset="-122"/>
                           <a:cs typeface="+mn-cs"/>
                         </a:rPr>
                         <a:t>rd</a:t>
                       </a:r>
                       <a:r>
-                        <a:rPr lang="en-US" sz="1600" b="1" kern="0" dirty="0">
-                          <a:solidFill>
-                            <a:schemeClr val="tx1"/>
-                          </a:solidFill>
-                          <a:effectLst/>
-                          <a:latin typeface="Microsoft YaHei Light" panose="020B0502040204020203" pitchFamily="34" charset="-122"/>
-                          <a:ea typeface="Microsoft YaHei Light" panose="020B0502040204020203" pitchFamily="34" charset="-122"/>
+                        <a:rPr lang="en-US" sz="1600" b="0" kern="0" dirty="0">
+                          <a:solidFill>
+                            <a:schemeClr val="tx1"/>
+                          </a:solidFill>
+                          <a:effectLst/>
+                          <a:latin typeface="微软雅黑" panose="020B0503020204020204" pitchFamily="34" charset="-122"/>
+                          <a:ea typeface="微软雅黑" panose="020B0503020204020204" pitchFamily="34" charset="-122"/>
                           <a:cs typeface="+mn-cs"/>
                         </a:rPr>
                         <a:t>=1</a:t>
                       </a:r>
-                      <a:endParaRPr lang="zh-CN" altLang="en-US" sz="1600" b="1" kern="0" dirty="0">
+                      <a:endParaRPr lang="zh-CN" altLang="en-US" sz="1600" b="0" kern="0" dirty="0">
                         <a:solidFill>
                           <a:schemeClr val="tx1"/>
                         </a:solidFill>
                         <a:effectLst/>
-                        <a:latin typeface="Microsoft YaHei Light" panose="020B0502040204020203" pitchFamily="34" charset="-122"/>
-                        <a:ea typeface="Microsoft YaHei Light" panose="020B0502040204020203" pitchFamily="34" charset="-122"/>
+                        <a:latin typeface="微软雅黑" panose="020B0503020204020204" pitchFamily="34" charset="-122"/>
+                        <a:ea typeface="微软雅黑" panose="020B0503020204020204" pitchFamily="34" charset="-122"/>
                         <a:cs typeface="+mn-cs"/>
                       </a:endParaRPr>
                     </a:p>
@@ -17467,7 +19300,7 @@
           <p:nvPr>
             <p:extLst>
               <p:ext uri="{D42A27DB-BD31-4B8C-83A1-F6EECF244321}">
-                <p14:modId xmlns:p14="http://schemas.microsoft.com/office/powerpoint/2010/main" val="2737679682"/>
+                <p14:modId xmlns:p14="http://schemas.microsoft.com/office/powerpoint/2010/main" val="2597231458"/>
               </p:ext>
             </p:extLst>
           </p:nvPr>
@@ -17517,12 +19350,12 @@
                         </a:lnSpc>
                       </a:pPr>
                       <a:r>
-                        <a:rPr lang="zh-CN" altLang="en-US" sz="1600" b="1" kern="1200" dirty="0">
-                          <a:solidFill>
-                            <a:schemeClr val="tx1"/>
-                          </a:solidFill>
-                          <a:latin typeface="Microsoft YaHei Light" panose="020B0502040204020203" pitchFamily="34" charset="-122"/>
-                          <a:ea typeface="Microsoft YaHei Light" panose="020B0502040204020203" pitchFamily="34" charset="-122"/>
+                        <a:rPr lang="zh-CN" altLang="en-US" sz="1600" b="0" kern="1200" dirty="0">
+                          <a:solidFill>
+                            <a:schemeClr val="tx1"/>
+                          </a:solidFill>
+                          <a:latin typeface="微软雅黑" panose="020B0503020204020204" pitchFamily="34" charset="-122"/>
+                          <a:ea typeface="微软雅黑" panose="020B0503020204020204" pitchFamily="34" charset="-122"/>
                           <a:cs typeface="+mn-cs"/>
                         </a:rPr>
                         <a:t>名称</a:t>
@@ -17576,12 +19409,12 @@
                         </a:lnSpc>
                       </a:pPr>
                       <a:r>
-                        <a:rPr lang="zh-CN" altLang="en-US" sz="1600" b="1" kern="1200" dirty="0">
-                          <a:solidFill>
-                            <a:schemeClr val="tx1"/>
-                          </a:solidFill>
-                          <a:latin typeface="Microsoft YaHei Light" panose="020B0502040204020203" pitchFamily="34" charset="-122"/>
-                          <a:ea typeface="Microsoft YaHei Light" panose="020B0502040204020203" pitchFamily="34" charset="-122"/>
+                        <a:rPr lang="zh-CN" altLang="en-US" sz="1600" b="0" kern="1200" dirty="0">
+                          <a:solidFill>
+                            <a:schemeClr val="tx1"/>
+                          </a:solidFill>
+                          <a:latin typeface="微软雅黑" panose="020B0503020204020204" pitchFamily="34" charset="-122"/>
+                          <a:ea typeface="微软雅黑" panose="020B0503020204020204" pitchFamily="34" charset="-122"/>
                           <a:cs typeface="+mn-cs"/>
                         </a:rPr>
                         <a:t>格式</a:t>
@@ -17635,12 +19468,12 @@
                         </a:lnSpc>
                       </a:pPr>
                       <a:r>
-                        <a:rPr lang="zh-CN" altLang="en-US" sz="1600" b="1" kern="1200" dirty="0">
-                          <a:solidFill>
-                            <a:schemeClr val="tx1"/>
-                          </a:solidFill>
-                          <a:latin typeface="Microsoft YaHei Light" panose="020B0502040204020203" pitchFamily="34" charset="-122"/>
-                          <a:ea typeface="Microsoft YaHei Light" panose="020B0502040204020203" pitchFamily="34" charset="-122"/>
+                        <a:rPr lang="zh-CN" altLang="en-US" sz="1600" b="0" kern="1200" dirty="0">
+                          <a:solidFill>
+                            <a:schemeClr val="tx1"/>
+                          </a:solidFill>
+                          <a:latin typeface="微软雅黑" panose="020B0503020204020204" pitchFamily="34" charset="-122"/>
+                          <a:ea typeface="微软雅黑" panose="020B0503020204020204" pitchFamily="34" charset="-122"/>
                           <a:cs typeface="+mn-cs"/>
                         </a:rPr>
                         <a:t>功能</a:t>
@@ -17701,22 +19534,22 @@
                         </a:lnSpc>
                       </a:pPr>
                       <a:r>
-                        <a:rPr lang="en-US" sz="1600" b="1" kern="1200" dirty="0">
-                          <a:solidFill>
-                            <a:schemeClr val="tx1"/>
-                          </a:solidFill>
-                          <a:latin typeface="Microsoft YaHei Light" panose="020B0502040204020203" pitchFamily="34" charset="-122"/>
-                          <a:ea typeface="Microsoft YaHei Light" panose="020B0502040204020203" pitchFamily="34" charset="-122"/>
+                        <a:rPr lang="en-US" sz="1600" b="0" kern="1200" dirty="0">
+                          <a:solidFill>
+                            <a:schemeClr val="tx1"/>
+                          </a:solidFill>
+                          <a:latin typeface="微软雅黑" panose="020B0503020204020204" pitchFamily="34" charset="-122"/>
+                          <a:ea typeface="微软雅黑" panose="020B0503020204020204" pitchFamily="34" charset="-122"/>
                           <a:cs typeface="+mn-cs"/>
                         </a:rPr>
                         <a:t>LB </a:t>
                       </a:r>
-                      <a:endParaRPr lang="zh-CN" altLang="en-US" sz="1600" b="1" kern="1200" dirty="0">
+                      <a:endParaRPr lang="zh-CN" altLang="en-US" sz="1600" b="0" kern="1200" dirty="0">
                         <a:solidFill>
                           <a:schemeClr val="tx1"/>
                         </a:solidFill>
-                        <a:latin typeface="Microsoft YaHei Light" panose="020B0502040204020203" pitchFamily="34" charset="-122"/>
-                        <a:ea typeface="Microsoft YaHei Light" panose="020B0502040204020203" pitchFamily="34" charset="-122"/>
+                        <a:latin typeface="微软雅黑" panose="020B0503020204020204" pitchFamily="34" charset="-122"/>
+                        <a:ea typeface="微软雅黑" panose="020B0503020204020204" pitchFamily="34" charset="-122"/>
                         <a:cs typeface="+mn-cs"/>
                       </a:endParaRPr>
                     </a:p>
@@ -17762,22 +19595,22 @@
                         </a:lnSpc>
                       </a:pPr>
                       <a:r>
-                        <a:rPr lang="en-US" sz="1600" b="1" kern="1200" dirty="0">
-                          <a:solidFill>
-                            <a:schemeClr val="tx1"/>
-                          </a:solidFill>
-                          <a:latin typeface="Microsoft YaHei Light" panose="020B0502040204020203" pitchFamily="34" charset="-122"/>
-                          <a:ea typeface="Microsoft YaHei Light" panose="020B0502040204020203" pitchFamily="34" charset="-122"/>
+                        <a:rPr lang="en-US" sz="1600" b="0" kern="1200" dirty="0">
+                          <a:solidFill>
+                            <a:schemeClr val="tx1"/>
+                          </a:solidFill>
+                          <a:latin typeface="微软雅黑" panose="020B0503020204020204" pitchFamily="34" charset="-122"/>
+                          <a:ea typeface="微软雅黑" panose="020B0503020204020204" pitchFamily="34" charset="-122"/>
                           <a:cs typeface="+mn-cs"/>
                         </a:rPr>
                         <a:t>LB rd,rs1,imm</a:t>
                       </a:r>
-                      <a:endParaRPr lang="zh-CN" altLang="en-US" sz="1600" b="1" kern="1200" dirty="0">
+                      <a:endParaRPr lang="zh-CN" altLang="en-US" sz="1600" b="0" kern="1200" dirty="0">
                         <a:solidFill>
                           <a:schemeClr val="tx1"/>
                         </a:solidFill>
-                        <a:latin typeface="Microsoft YaHei Light" panose="020B0502040204020203" pitchFamily="34" charset="-122"/>
-                        <a:ea typeface="Microsoft YaHei Light" panose="020B0502040204020203" pitchFamily="34" charset="-122"/>
+                        <a:latin typeface="微软雅黑" panose="020B0503020204020204" pitchFamily="34" charset="-122"/>
+                        <a:ea typeface="微软雅黑" panose="020B0503020204020204" pitchFamily="34" charset="-122"/>
                         <a:cs typeface="+mn-cs"/>
                       </a:endParaRPr>
                     </a:p>
@@ -17823,89 +19656,89 @@
                         </a:lnSpc>
                       </a:pPr>
                       <a:r>
-                        <a:rPr lang="en-US" sz="1600" b="1" kern="1200" dirty="0">
-                          <a:solidFill>
-                            <a:schemeClr val="tx1"/>
-                          </a:solidFill>
-                          <a:latin typeface="Microsoft YaHei Light" panose="020B0502040204020203" pitchFamily="34" charset="-122"/>
-                          <a:ea typeface="Microsoft YaHei Light" panose="020B0502040204020203" pitchFamily="34" charset="-122"/>
+                        <a:rPr lang="en-US" sz="1600" b="0" kern="1200" dirty="0">
+                          <a:solidFill>
+                            <a:schemeClr val="tx1"/>
+                          </a:solidFill>
+                          <a:latin typeface="微软雅黑" panose="020B0503020204020204" pitchFamily="34" charset="-122"/>
+                          <a:ea typeface="微软雅黑" panose="020B0503020204020204" pitchFamily="34" charset="-122"/>
                           <a:cs typeface="+mn-cs"/>
                         </a:rPr>
                         <a:t>M[rs1 + </a:t>
                       </a:r>
                       <a:r>
-                        <a:rPr lang="en-US" sz="1600" b="1" kern="1200" dirty="0" err="1">
-                          <a:solidFill>
-                            <a:schemeClr val="tx1"/>
-                          </a:solidFill>
-                          <a:latin typeface="Microsoft YaHei Light" panose="020B0502040204020203" pitchFamily="34" charset="-122"/>
-                          <a:ea typeface="Microsoft YaHei Light" panose="020B0502040204020203" pitchFamily="34" charset="-122"/>
+                        <a:rPr lang="en-US" sz="1600" b="0" kern="1200" dirty="0" err="1">
+                          <a:solidFill>
+                            <a:schemeClr val="tx1"/>
+                          </a:solidFill>
+                          <a:latin typeface="微软雅黑" panose="020B0503020204020204" pitchFamily="34" charset="-122"/>
+                          <a:ea typeface="微软雅黑" panose="020B0503020204020204" pitchFamily="34" charset="-122"/>
                           <a:cs typeface="+mn-cs"/>
                         </a:rPr>
                         <a:t>imm</a:t>
                       </a:r>
                       <a:r>
-                        <a:rPr lang="en-US" sz="1600" b="1" kern="1200" dirty="0">
-                          <a:solidFill>
-                            <a:schemeClr val="tx1"/>
-                          </a:solidFill>
-                          <a:latin typeface="Microsoft YaHei Light" panose="020B0502040204020203" pitchFamily="34" charset="-122"/>
-                          <a:ea typeface="Microsoft YaHei Light" panose="020B0502040204020203" pitchFamily="34" charset="-122"/>
+                        <a:rPr lang="en-US" sz="1600" b="0" kern="1200" dirty="0">
+                          <a:solidFill>
+                            <a:schemeClr val="tx1"/>
+                          </a:solidFill>
+                          <a:latin typeface="微软雅黑" panose="020B0503020204020204" pitchFamily="34" charset="-122"/>
+                          <a:ea typeface="微软雅黑" panose="020B0503020204020204" pitchFamily="34" charset="-122"/>
                           <a:cs typeface="+mn-cs"/>
                         </a:rPr>
                         <a:t>]-&gt;</a:t>
                       </a:r>
                       <a:r>
-                        <a:rPr lang="en-US" sz="1600" b="1" kern="1200" dirty="0" err="1">
-                          <a:solidFill>
-                            <a:schemeClr val="tx1"/>
-                          </a:solidFill>
-                          <a:latin typeface="Microsoft YaHei Light" panose="020B0502040204020203" pitchFamily="34" charset="-122"/>
-                          <a:ea typeface="Microsoft YaHei Light" panose="020B0502040204020203" pitchFamily="34" charset="-122"/>
+                        <a:rPr lang="en-US" sz="1600" b="0" kern="1200" dirty="0" err="1">
+                          <a:solidFill>
+                            <a:schemeClr val="tx1"/>
+                          </a:solidFill>
+                          <a:latin typeface="微软雅黑" panose="020B0503020204020204" pitchFamily="34" charset="-122"/>
+                          <a:ea typeface="微软雅黑" panose="020B0503020204020204" pitchFamily="34" charset="-122"/>
                           <a:cs typeface="+mn-cs"/>
                         </a:rPr>
                         <a:t>rd</a:t>
                       </a:r>
                       <a:r>
-                        <a:rPr lang="en-US" sz="1600" b="1" kern="1200" dirty="0">
-                          <a:solidFill>
-                            <a:schemeClr val="tx1"/>
-                          </a:solidFill>
-                          <a:latin typeface="Microsoft YaHei Light" panose="020B0502040204020203" pitchFamily="34" charset="-122"/>
-                          <a:ea typeface="Microsoft YaHei Light" panose="020B0502040204020203" pitchFamily="34" charset="-122"/>
+                        <a:rPr lang="en-US" sz="1600" b="0" kern="1200" dirty="0">
+                          <a:solidFill>
+                            <a:schemeClr val="tx1"/>
+                          </a:solidFill>
+                          <a:latin typeface="微软雅黑" panose="020B0503020204020204" pitchFamily="34" charset="-122"/>
+                          <a:ea typeface="微软雅黑" panose="020B0503020204020204" pitchFamily="34" charset="-122"/>
                           <a:cs typeface="+mn-cs"/>
                         </a:rPr>
                         <a:t> </a:t>
                       </a:r>
                       <a:r>
-                        <a:rPr lang="zh-CN" altLang="en-US" sz="1600" b="1" kern="1200" dirty="0">
-                          <a:solidFill>
-                            <a:schemeClr val="tx1"/>
-                          </a:solidFill>
-                          <a:latin typeface="Microsoft YaHei Light" panose="020B0502040204020203" pitchFamily="34" charset="-122"/>
-                          <a:ea typeface="Microsoft YaHei Light" panose="020B0502040204020203" pitchFamily="34" charset="-122"/>
+                        <a:rPr lang="zh-CN" altLang="en-US" sz="1600" b="0" kern="1200" dirty="0">
+                          <a:solidFill>
+                            <a:schemeClr val="tx1"/>
+                          </a:solidFill>
+                          <a:latin typeface="微软雅黑" panose="020B0503020204020204" pitchFamily="34" charset="-122"/>
+                          <a:ea typeface="微软雅黑" panose="020B0503020204020204" pitchFamily="34" charset="-122"/>
                           <a:cs typeface="+mn-cs"/>
                         </a:rPr>
                         <a:t>读出</a:t>
                       </a:r>
                       <a:r>
-                        <a:rPr lang="en-US" sz="1600" b="1" kern="1200" dirty="0">
-                          <a:solidFill>
-                            <a:schemeClr val="tx1"/>
-                          </a:solidFill>
-                          <a:latin typeface="Microsoft YaHei Light" panose="020B0502040204020203" pitchFamily="34" charset="-122"/>
-                          <a:ea typeface="Microsoft YaHei Light" panose="020B0502040204020203" pitchFamily="34" charset="-122"/>
+                        <a:rPr lang="en-US" sz="1600" b="0" kern="1200" dirty="0">
+                          <a:solidFill>
+                            <a:schemeClr val="tx1"/>
+                          </a:solidFill>
+                          <a:latin typeface="微软雅黑" panose="020B0503020204020204" pitchFamily="34" charset="-122"/>
+                          <a:ea typeface="微软雅黑" panose="020B0503020204020204" pitchFamily="34" charset="-122"/>
                           <a:cs typeface="+mn-cs"/>
                         </a:rPr>
                         <a:t>1</a:t>
                       </a:r>
                       <a:r>
-                        <a:rPr lang="zh-CN" altLang="en-US" sz="1600" b="1" kern="1200" dirty="0">
-                          <a:solidFill>
-                            <a:schemeClr val="tx1"/>
-                          </a:solidFill>
-                          <a:latin typeface="Microsoft YaHei Light" panose="020B0502040204020203" pitchFamily="34" charset="-122"/>
-                          <a:ea typeface="Microsoft YaHei Light" panose="020B0502040204020203" pitchFamily="34" charset="-122"/>
+                        <a:rPr lang="zh-CN" altLang="en-US" sz="1600" b="0" kern="1200" dirty="0">
+                          <a:solidFill>
+                            <a:schemeClr val="tx1"/>
+                          </a:solidFill>
+                          <a:latin typeface="微软雅黑" panose="020B0503020204020204" pitchFamily="34" charset="-122"/>
+                          <a:ea typeface="微软雅黑" panose="020B0503020204020204" pitchFamily="34" charset="-122"/>
                           <a:cs typeface="+mn-cs"/>
                         </a:rPr>
                         <a:t>个字节</a:t>
@@ -17960,22 +19793,22 @@
                         </a:lnSpc>
                       </a:pPr>
                       <a:r>
-                        <a:rPr lang="en-US" sz="1600" b="1" kern="1200" dirty="0">
-                          <a:solidFill>
-                            <a:schemeClr val="tx1"/>
-                          </a:solidFill>
-                          <a:latin typeface="Microsoft YaHei Light" panose="020B0502040204020203" pitchFamily="34" charset="-122"/>
-                          <a:ea typeface="Microsoft YaHei Light" panose="020B0502040204020203" pitchFamily="34" charset="-122"/>
+                        <a:rPr lang="en-US" sz="1600" b="0" kern="1200" dirty="0">
+                          <a:solidFill>
+                            <a:schemeClr val="tx1"/>
+                          </a:solidFill>
+                          <a:latin typeface="微软雅黑" panose="020B0503020204020204" pitchFamily="34" charset="-122"/>
+                          <a:ea typeface="微软雅黑" panose="020B0503020204020204" pitchFamily="34" charset="-122"/>
                           <a:cs typeface="+mn-cs"/>
                         </a:rPr>
                         <a:t>LH </a:t>
                       </a:r>
-                      <a:endParaRPr lang="zh-CN" altLang="en-US" sz="1600" b="1" kern="1200" dirty="0">
+                      <a:endParaRPr lang="zh-CN" altLang="en-US" sz="1600" b="0" kern="1200" dirty="0">
                         <a:solidFill>
                           <a:schemeClr val="tx1"/>
                         </a:solidFill>
-                        <a:latin typeface="Microsoft YaHei Light" panose="020B0502040204020203" pitchFamily="34" charset="-122"/>
-                        <a:ea typeface="Microsoft YaHei Light" panose="020B0502040204020203" pitchFamily="34" charset="-122"/>
+                        <a:latin typeface="微软雅黑" panose="020B0503020204020204" pitchFamily="34" charset="-122"/>
+                        <a:ea typeface="微软雅黑" panose="020B0503020204020204" pitchFamily="34" charset="-122"/>
                         <a:cs typeface="+mn-cs"/>
                       </a:endParaRPr>
                     </a:p>
@@ -18015,22 +19848,22 @@
                         </a:lnSpc>
                       </a:pPr>
                       <a:r>
-                        <a:rPr lang="en-US" sz="1600" b="1" kern="1200" dirty="0">
-                          <a:solidFill>
-                            <a:schemeClr val="tx1"/>
-                          </a:solidFill>
-                          <a:latin typeface="Microsoft YaHei Light" panose="020B0502040204020203" pitchFamily="34" charset="-122"/>
-                          <a:ea typeface="Microsoft YaHei Light" panose="020B0502040204020203" pitchFamily="34" charset="-122"/>
+                        <a:rPr lang="en-US" sz="1600" b="0" kern="1200" dirty="0">
+                          <a:solidFill>
+                            <a:schemeClr val="tx1"/>
+                          </a:solidFill>
+                          <a:latin typeface="微软雅黑" panose="020B0503020204020204" pitchFamily="34" charset="-122"/>
+                          <a:ea typeface="微软雅黑" panose="020B0503020204020204" pitchFamily="34" charset="-122"/>
                           <a:cs typeface="+mn-cs"/>
                         </a:rPr>
                         <a:t>LH rd,rs1,imm</a:t>
                       </a:r>
-                      <a:endParaRPr lang="zh-CN" altLang="en-US" sz="1600" b="1" kern="1200" dirty="0">
+                      <a:endParaRPr lang="zh-CN" altLang="en-US" sz="1600" b="0" kern="1200" dirty="0">
                         <a:solidFill>
                           <a:schemeClr val="tx1"/>
                         </a:solidFill>
-                        <a:latin typeface="Microsoft YaHei Light" panose="020B0502040204020203" pitchFamily="34" charset="-122"/>
-                        <a:ea typeface="Microsoft YaHei Light" panose="020B0502040204020203" pitchFamily="34" charset="-122"/>
+                        <a:latin typeface="微软雅黑" panose="020B0503020204020204" pitchFamily="34" charset="-122"/>
+                        <a:ea typeface="微软雅黑" panose="020B0503020204020204" pitchFamily="34" charset="-122"/>
                         <a:cs typeface="+mn-cs"/>
                       </a:endParaRPr>
                     </a:p>
@@ -18070,56 +19903,56 @@
                         </a:lnSpc>
                       </a:pPr>
                       <a:r>
-                        <a:rPr lang="en-US" sz="1600" b="1" kern="1200" dirty="0">
-                          <a:solidFill>
-                            <a:schemeClr val="tx1"/>
-                          </a:solidFill>
-                          <a:latin typeface="Microsoft YaHei Light" panose="020B0502040204020203" pitchFamily="34" charset="-122"/>
-                          <a:ea typeface="Microsoft YaHei Light" panose="020B0502040204020203" pitchFamily="34" charset="-122"/>
+                        <a:rPr lang="en-US" sz="1600" b="0" kern="1200" dirty="0">
+                          <a:solidFill>
+                            <a:schemeClr val="tx1"/>
+                          </a:solidFill>
+                          <a:latin typeface="微软雅黑" panose="020B0503020204020204" pitchFamily="34" charset="-122"/>
+                          <a:ea typeface="微软雅黑" panose="020B0503020204020204" pitchFamily="34" charset="-122"/>
                           <a:cs typeface="+mn-cs"/>
                         </a:rPr>
                         <a:t>M[rs1+imm]-&gt;</a:t>
                       </a:r>
                       <a:r>
-                        <a:rPr lang="en-US" sz="1600" b="1" kern="1200" dirty="0" err="1">
-                          <a:solidFill>
-                            <a:schemeClr val="tx1"/>
-                          </a:solidFill>
-                          <a:latin typeface="Microsoft YaHei Light" panose="020B0502040204020203" pitchFamily="34" charset="-122"/>
-                          <a:ea typeface="Microsoft YaHei Light" panose="020B0502040204020203" pitchFamily="34" charset="-122"/>
+                        <a:rPr lang="en-US" sz="1600" b="0" kern="1200" dirty="0" err="1">
+                          <a:solidFill>
+                            <a:schemeClr val="tx1"/>
+                          </a:solidFill>
+                          <a:latin typeface="微软雅黑" panose="020B0503020204020204" pitchFamily="34" charset="-122"/>
+                          <a:ea typeface="微软雅黑" panose="020B0503020204020204" pitchFamily="34" charset="-122"/>
                           <a:cs typeface="+mn-cs"/>
                         </a:rPr>
                         <a:t>rd</a:t>
                       </a:r>
                       <a:r>
-                        <a:rPr lang="zh-CN" altLang="en-US" sz="1600" b="1" kern="1200" dirty="0">
-                          <a:solidFill>
-                            <a:schemeClr val="tx1"/>
-                          </a:solidFill>
-                          <a:latin typeface="Microsoft YaHei Light" panose="020B0502040204020203" pitchFamily="34" charset="-122"/>
-                          <a:ea typeface="Microsoft YaHei Light" panose="020B0502040204020203" pitchFamily="34" charset="-122"/>
+                        <a:rPr lang="zh-CN" altLang="en-US" sz="1600" b="0" kern="1200" dirty="0">
+                          <a:solidFill>
+                            <a:schemeClr val="tx1"/>
+                          </a:solidFill>
+                          <a:latin typeface="微软雅黑" panose="020B0503020204020204" pitchFamily="34" charset="-122"/>
+                          <a:ea typeface="微软雅黑" panose="020B0503020204020204" pitchFamily="34" charset="-122"/>
                           <a:cs typeface="+mn-cs"/>
                         </a:rPr>
                         <a:t> 读出</a:t>
                       </a:r>
                       <a:r>
-                        <a:rPr lang="en-US" sz="1600" b="1" kern="1200" dirty="0">
-                          <a:solidFill>
-                            <a:schemeClr val="tx1"/>
-                          </a:solidFill>
-                          <a:latin typeface="Microsoft YaHei Light" panose="020B0502040204020203" pitchFamily="34" charset="-122"/>
-                          <a:ea typeface="Microsoft YaHei Light" panose="020B0502040204020203" pitchFamily="34" charset="-122"/>
+                        <a:rPr lang="en-US" sz="1600" b="0" kern="1200" dirty="0">
+                          <a:solidFill>
+                            <a:schemeClr val="tx1"/>
+                          </a:solidFill>
+                          <a:latin typeface="微软雅黑" panose="020B0503020204020204" pitchFamily="34" charset="-122"/>
+                          <a:ea typeface="微软雅黑" panose="020B0503020204020204" pitchFamily="34" charset="-122"/>
                           <a:cs typeface="+mn-cs"/>
                         </a:rPr>
                         <a:t>2</a:t>
                       </a:r>
                       <a:r>
-                        <a:rPr lang="zh-CN" altLang="en-US" sz="1600" b="1" kern="1200" dirty="0">
-                          <a:solidFill>
-                            <a:schemeClr val="tx1"/>
-                          </a:solidFill>
-                          <a:latin typeface="Microsoft YaHei Light" panose="020B0502040204020203" pitchFamily="34" charset="-122"/>
-                          <a:ea typeface="Microsoft YaHei Light" panose="020B0502040204020203" pitchFamily="34" charset="-122"/>
+                        <a:rPr lang="zh-CN" altLang="en-US" sz="1600" b="0" kern="1200" dirty="0">
+                          <a:solidFill>
+                            <a:schemeClr val="tx1"/>
+                          </a:solidFill>
+                          <a:latin typeface="微软雅黑" panose="020B0503020204020204" pitchFamily="34" charset="-122"/>
+                          <a:ea typeface="微软雅黑" panose="020B0503020204020204" pitchFamily="34" charset="-122"/>
                           <a:cs typeface="+mn-cs"/>
                         </a:rPr>
                         <a:t>个字节</a:t>
@@ -18168,22 +20001,22 @@
                         </a:lnSpc>
                       </a:pPr>
                       <a:r>
-                        <a:rPr lang="en-US" sz="1600" b="1" kern="1200" dirty="0">
-                          <a:solidFill>
-                            <a:schemeClr val="tx1"/>
-                          </a:solidFill>
-                          <a:latin typeface="Microsoft YaHei Light" panose="020B0502040204020203" pitchFamily="34" charset="-122"/>
-                          <a:ea typeface="Microsoft YaHei Light" panose="020B0502040204020203" pitchFamily="34" charset="-122"/>
+                        <a:rPr lang="en-US" sz="1600" b="0" kern="1200" dirty="0">
+                          <a:solidFill>
+                            <a:schemeClr val="tx1"/>
+                          </a:solidFill>
+                          <a:latin typeface="微软雅黑" panose="020B0503020204020204" pitchFamily="34" charset="-122"/>
+                          <a:ea typeface="微软雅黑" panose="020B0503020204020204" pitchFamily="34" charset="-122"/>
                           <a:cs typeface="+mn-cs"/>
                         </a:rPr>
                         <a:t>LW </a:t>
                       </a:r>
-                      <a:endParaRPr lang="zh-CN" altLang="en-US" sz="1600" b="1" kern="1200" dirty="0">
+                      <a:endParaRPr lang="zh-CN" altLang="en-US" sz="1600" b="0" kern="1200" dirty="0">
                         <a:solidFill>
                           <a:schemeClr val="tx1"/>
                         </a:solidFill>
-                        <a:latin typeface="Microsoft YaHei Light" panose="020B0502040204020203" pitchFamily="34" charset="-122"/>
-                        <a:ea typeface="Microsoft YaHei Light" panose="020B0502040204020203" pitchFamily="34" charset="-122"/>
+                        <a:latin typeface="微软雅黑" panose="020B0503020204020204" pitchFamily="34" charset="-122"/>
+                        <a:ea typeface="微软雅黑" panose="020B0503020204020204" pitchFamily="34" charset="-122"/>
                         <a:cs typeface="+mn-cs"/>
                       </a:endParaRPr>
                     </a:p>
@@ -18223,22 +20056,22 @@
                         </a:lnSpc>
                       </a:pPr>
                       <a:r>
-                        <a:rPr lang="en-US" sz="1600" b="1" kern="1200" dirty="0">
-                          <a:solidFill>
-                            <a:schemeClr val="tx1"/>
-                          </a:solidFill>
-                          <a:latin typeface="Microsoft YaHei Light" panose="020B0502040204020203" pitchFamily="34" charset="-122"/>
-                          <a:ea typeface="Microsoft YaHei Light" panose="020B0502040204020203" pitchFamily="34" charset="-122"/>
+                        <a:rPr lang="en-US" sz="1600" b="0" kern="1200" dirty="0">
+                          <a:solidFill>
+                            <a:schemeClr val="tx1"/>
+                          </a:solidFill>
+                          <a:latin typeface="微软雅黑" panose="020B0503020204020204" pitchFamily="34" charset="-122"/>
+                          <a:ea typeface="微软雅黑" panose="020B0503020204020204" pitchFamily="34" charset="-122"/>
                           <a:cs typeface="+mn-cs"/>
                         </a:rPr>
                         <a:t>LW rd,rs1,imm</a:t>
                       </a:r>
-                      <a:endParaRPr lang="zh-CN" altLang="en-US" sz="1600" b="1" kern="1200" dirty="0">
+                      <a:endParaRPr lang="zh-CN" altLang="en-US" sz="1600" b="0" kern="1200" dirty="0">
                         <a:solidFill>
                           <a:schemeClr val="tx1"/>
                         </a:solidFill>
-                        <a:latin typeface="Microsoft YaHei Light" panose="020B0502040204020203" pitchFamily="34" charset="-122"/>
-                        <a:ea typeface="Microsoft YaHei Light" panose="020B0502040204020203" pitchFamily="34" charset="-122"/>
+                        <a:latin typeface="微软雅黑" panose="020B0503020204020204" pitchFamily="34" charset="-122"/>
+                        <a:ea typeface="微软雅黑" panose="020B0503020204020204" pitchFamily="34" charset="-122"/>
                         <a:cs typeface="+mn-cs"/>
                       </a:endParaRPr>
                     </a:p>
@@ -18278,89 +20111,89 @@
                         </a:lnSpc>
                       </a:pPr>
                       <a:r>
-                        <a:rPr lang="en-US" sz="1600" b="1" kern="1200" dirty="0">
-                          <a:solidFill>
-                            <a:schemeClr val="tx1"/>
-                          </a:solidFill>
-                          <a:latin typeface="Microsoft YaHei Light" panose="020B0502040204020203" pitchFamily="34" charset="-122"/>
-                          <a:ea typeface="Microsoft YaHei Light" panose="020B0502040204020203" pitchFamily="34" charset="-122"/>
+                        <a:rPr lang="en-US" sz="1600" b="0" kern="1200" dirty="0">
+                          <a:solidFill>
+                            <a:schemeClr val="tx1"/>
+                          </a:solidFill>
+                          <a:latin typeface="微软雅黑" panose="020B0503020204020204" pitchFamily="34" charset="-122"/>
+                          <a:ea typeface="微软雅黑" panose="020B0503020204020204" pitchFamily="34" charset="-122"/>
                           <a:cs typeface="+mn-cs"/>
                         </a:rPr>
                         <a:t>M[rs1 + </a:t>
                       </a:r>
                       <a:r>
-                        <a:rPr lang="en-US" sz="1600" b="1" kern="1200" dirty="0" err="1">
-                          <a:solidFill>
-                            <a:schemeClr val="tx1"/>
-                          </a:solidFill>
-                          <a:latin typeface="Microsoft YaHei Light" panose="020B0502040204020203" pitchFamily="34" charset="-122"/>
-                          <a:ea typeface="Microsoft YaHei Light" panose="020B0502040204020203" pitchFamily="34" charset="-122"/>
+                        <a:rPr lang="en-US" sz="1600" b="0" kern="1200" dirty="0" err="1">
+                          <a:solidFill>
+                            <a:schemeClr val="tx1"/>
+                          </a:solidFill>
+                          <a:latin typeface="微软雅黑" panose="020B0503020204020204" pitchFamily="34" charset="-122"/>
+                          <a:ea typeface="微软雅黑" panose="020B0503020204020204" pitchFamily="34" charset="-122"/>
                           <a:cs typeface="+mn-cs"/>
                         </a:rPr>
                         <a:t>imm</a:t>
                       </a:r>
                       <a:r>
-                        <a:rPr lang="en-US" sz="1600" b="1" kern="1200" dirty="0">
-                          <a:solidFill>
-                            <a:schemeClr val="tx1"/>
-                          </a:solidFill>
-                          <a:latin typeface="Microsoft YaHei Light" panose="020B0502040204020203" pitchFamily="34" charset="-122"/>
-                          <a:ea typeface="Microsoft YaHei Light" panose="020B0502040204020203" pitchFamily="34" charset="-122"/>
+                        <a:rPr lang="en-US" sz="1600" b="0" kern="1200" dirty="0">
+                          <a:solidFill>
+                            <a:schemeClr val="tx1"/>
+                          </a:solidFill>
+                          <a:latin typeface="微软雅黑" panose="020B0503020204020204" pitchFamily="34" charset="-122"/>
+                          <a:ea typeface="微软雅黑" panose="020B0503020204020204" pitchFamily="34" charset="-122"/>
                           <a:cs typeface="+mn-cs"/>
                         </a:rPr>
                         <a:t>]-&gt;</a:t>
                       </a:r>
                       <a:r>
-                        <a:rPr lang="en-US" sz="1600" b="1" kern="1200" dirty="0" err="1">
-                          <a:solidFill>
-                            <a:schemeClr val="tx1"/>
-                          </a:solidFill>
-                          <a:latin typeface="Microsoft YaHei Light" panose="020B0502040204020203" pitchFamily="34" charset="-122"/>
-                          <a:ea typeface="Microsoft YaHei Light" panose="020B0502040204020203" pitchFamily="34" charset="-122"/>
+                        <a:rPr lang="en-US" sz="1600" b="0" kern="1200" dirty="0" err="1">
+                          <a:solidFill>
+                            <a:schemeClr val="tx1"/>
+                          </a:solidFill>
+                          <a:latin typeface="微软雅黑" panose="020B0503020204020204" pitchFamily="34" charset="-122"/>
+                          <a:ea typeface="微软雅黑" panose="020B0503020204020204" pitchFamily="34" charset="-122"/>
                           <a:cs typeface="+mn-cs"/>
                         </a:rPr>
                         <a:t>rd</a:t>
                       </a:r>
                       <a:r>
-                        <a:rPr lang="en-US" sz="1600" b="1" kern="1200" dirty="0">
-                          <a:solidFill>
-                            <a:schemeClr val="tx1"/>
-                          </a:solidFill>
-                          <a:latin typeface="Microsoft YaHei Light" panose="020B0502040204020203" pitchFamily="34" charset="-122"/>
-                          <a:ea typeface="Microsoft YaHei Light" panose="020B0502040204020203" pitchFamily="34" charset="-122"/>
+                        <a:rPr lang="en-US" sz="1600" b="0" kern="1200" dirty="0">
+                          <a:solidFill>
+                            <a:schemeClr val="tx1"/>
+                          </a:solidFill>
+                          <a:latin typeface="微软雅黑" panose="020B0503020204020204" pitchFamily="34" charset="-122"/>
+                          <a:ea typeface="微软雅黑" panose="020B0503020204020204" pitchFamily="34" charset="-122"/>
                           <a:cs typeface="+mn-cs"/>
                         </a:rPr>
                         <a:t> </a:t>
                       </a:r>
                       <a:r>
-                        <a:rPr lang="zh-CN" altLang="en-US" sz="1600" b="1" kern="1200" dirty="0">
-                          <a:solidFill>
-                            <a:schemeClr val="tx1"/>
-                          </a:solidFill>
-                          <a:latin typeface="Microsoft YaHei Light" panose="020B0502040204020203" pitchFamily="34" charset="-122"/>
-                          <a:ea typeface="Microsoft YaHei Light" panose="020B0502040204020203" pitchFamily="34" charset="-122"/>
+                        <a:rPr lang="zh-CN" altLang="en-US" sz="1600" b="0" kern="1200" dirty="0">
+                          <a:solidFill>
+                            <a:schemeClr val="tx1"/>
+                          </a:solidFill>
+                          <a:latin typeface="微软雅黑" panose="020B0503020204020204" pitchFamily="34" charset="-122"/>
+                          <a:ea typeface="微软雅黑" panose="020B0503020204020204" pitchFamily="34" charset="-122"/>
                           <a:cs typeface="+mn-cs"/>
                         </a:rPr>
                         <a:t>读出</a:t>
                       </a:r>
                       <a:r>
-                        <a:rPr lang="en-US" sz="1600" b="1" kern="1200" dirty="0">
-                          <a:solidFill>
-                            <a:schemeClr val="tx1"/>
-                          </a:solidFill>
-                          <a:latin typeface="Microsoft YaHei Light" panose="020B0502040204020203" pitchFamily="34" charset="-122"/>
-                          <a:ea typeface="Microsoft YaHei Light" panose="020B0502040204020203" pitchFamily="34" charset="-122"/>
+                        <a:rPr lang="en-US" sz="1600" b="0" kern="1200" dirty="0">
+                          <a:solidFill>
+                            <a:schemeClr val="tx1"/>
+                          </a:solidFill>
+                          <a:latin typeface="微软雅黑" panose="020B0503020204020204" pitchFamily="34" charset="-122"/>
+                          <a:ea typeface="微软雅黑" panose="020B0503020204020204" pitchFamily="34" charset="-122"/>
                           <a:cs typeface="+mn-cs"/>
                         </a:rPr>
                         <a:t>4</a:t>
                       </a:r>
                       <a:r>
-                        <a:rPr lang="zh-CN" altLang="en-US" sz="1600" b="1" kern="1200" dirty="0">
-                          <a:solidFill>
-                            <a:schemeClr val="tx1"/>
-                          </a:solidFill>
-                          <a:latin typeface="Microsoft YaHei Light" panose="020B0502040204020203" pitchFamily="34" charset="-122"/>
-                          <a:ea typeface="Microsoft YaHei Light" panose="020B0502040204020203" pitchFamily="34" charset="-122"/>
+                        <a:rPr lang="zh-CN" altLang="en-US" sz="1600" b="0" kern="1200" dirty="0">
+                          <a:solidFill>
+                            <a:schemeClr val="tx1"/>
+                          </a:solidFill>
+                          <a:latin typeface="微软雅黑" panose="020B0503020204020204" pitchFamily="34" charset="-122"/>
+                          <a:ea typeface="微软雅黑" panose="020B0503020204020204" pitchFamily="34" charset="-122"/>
                           <a:cs typeface="+mn-cs"/>
                         </a:rPr>
                         <a:t>个字节</a:t>
@@ -18409,22 +20242,22 @@
                         </a:lnSpc>
                       </a:pPr>
                       <a:r>
-                        <a:rPr lang="en-US" sz="1600" b="1" kern="1200" dirty="0">
-                          <a:solidFill>
-                            <a:schemeClr val="tx1"/>
-                          </a:solidFill>
-                          <a:latin typeface="Microsoft YaHei Light" panose="020B0502040204020203" pitchFamily="34" charset="-122"/>
-                          <a:ea typeface="Microsoft YaHei Light" panose="020B0502040204020203" pitchFamily="34" charset="-122"/>
+                        <a:rPr lang="en-US" sz="1600" b="0" kern="1200" dirty="0">
+                          <a:solidFill>
+                            <a:schemeClr val="tx1"/>
+                          </a:solidFill>
+                          <a:latin typeface="微软雅黑" panose="020B0503020204020204" pitchFamily="34" charset="-122"/>
+                          <a:ea typeface="微软雅黑" panose="020B0503020204020204" pitchFamily="34" charset="-122"/>
                           <a:cs typeface="+mn-cs"/>
                         </a:rPr>
                         <a:t>LBU </a:t>
                       </a:r>
-                      <a:endParaRPr lang="zh-CN" altLang="en-US" sz="1600" b="1" kern="1200" dirty="0">
+                      <a:endParaRPr lang="zh-CN" altLang="en-US" sz="1600" b="0" kern="1200" dirty="0">
                         <a:solidFill>
                           <a:schemeClr val="tx1"/>
                         </a:solidFill>
-                        <a:latin typeface="Microsoft YaHei Light" panose="020B0502040204020203" pitchFamily="34" charset="-122"/>
-                        <a:ea typeface="Microsoft YaHei Light" panose="020B0502040204020203" pitchFamily="34" charset="-122"/>
+                        <a:latin typeface="微软雅黑" panose="020B0503020204020204" pitchFamily="34" charset="-122"/>
+                        <a:ea typeface="微软雅黑" panose="020B0503020204020204" pitchFamily="34" charset="-122"/>
                         <a:cs typeface="+mn-cs"/>
                       </a:endParaRPr>
                     </a:p>
@@ -18464,22 +20297,22 @@
                         </a:lnSpc>
                       </a:pPr>
                       <a:r>
-                        <a:rPr lang="en-US" sz="1600" b="1" kern="1200" dirty="0">
-                          <a:solidFill>
-                            <a:schemeClr val="tx1"/>
-                          </a:solidFill>
-                          <a:latin typeface="Microsoft YaHei Light" panose="020B0502040204020203" pitchFamily="34" charset="-122"/>
-                          <a:ea typeface="Microsoft YaHei Light" panose="020B0502040204020203" pitchFamily="34" charset="-122"/>
+                        <a:rPr lang="en-US" sz="1600" b="0" kern="1200" dirty="0">
+                          <a:solidFill>
+                            <a:schemeClr val="tx1"/>
+                          </a:solidFill>
+                          <a:latin typeface="微软雅黑" panose="020B0503020204020204" pitchFamily="34" charset="-122"/>
+                          <a:ea typeface="微软雅黑" panose="020B0503020204020204" pitchFamily="34" charset="-122"/>
                           <a:cs typeface="+mn-cs"/>
                         </a:rPr>
                         <a:t>LBU rd,rs1,imm</a:t>
                       </a:r>
-                      <a:endParaRPr lang="zh-CN" altLang="en-US" sz="1600" b="1" kern="1200" dirty="0">
+                      <a:endParaRPr lang="zh-CN" altLang="en-US" sz="1600" b="0" kern="1200" dirty="0">
                         <a:solidFill>
                           <a:schemeClr val="tx1"/>
                         </a:solidFill>
-                        <a:latin typeface="Microsoft YaHei Light" panose="020B0502040204020203" pitchFamily="34" charset="-122"/>
-                        <a:ea typeface="Microsoft YaHei Light" panose="020B0502040204020203" pitchFamily="34" charset="-122"/>
+                        <a:latin typeface="微软雅黑" panose="020B0503020204020204" pitchFamily="34" charset="-122"/>
+                        <a:ea typeface="微软雅黑" panose="020B0503020204020204" pitchFamily="34" charset="-122"/>
                         <a:cs typeface="+mn-cs"/>
                       </a:endParaRPr>
                     </a:p>
@@ -18519,34 +20352,34 @@
                         </a:lnSpc>
                       </a:pPr>
                       <a:r>
-                        <a:rPr lang="zh-CN" altLang="en-US" sz="1600" b="1" kern="1200" dirty="0">
-                          <a:solidFill>
-                            <a:schemeClr val="tx1"/>
-                          </a:solidFill>
-                          <a:latin typeface="Microsoft YaHei Light" panose="020B0502040204020203" pitchFamily="34" charset="-122"/>
-                          <a:ea typeface="Microsoft YaHei Light" panose="020B0502040204020203" pitchFamily="34" charset="-122"/>
+                        <a:rPr lang="zh-CN" altLang="en-US" sz="1600" b="0" kern="1200" dirty="0">
+                          <a:solidFill>
+                            <a:schemeClr val="tx1"/>
+                          </a:solidFill>
+                          <a:latin typeface="微软雅黑" panose="020B0503020204020204" pitchFamily="34" charset="-122"/>
+                          <a:ea typeface="微软雅黑" panose="020B0503020204020204" pitchFamily="34" charset="-122"/>
                           <a:cs typeface="+mn-cs"/>
                         </a:rPr>
                         <a:t>取无符号</a:t>
                       </a:r>
                       <a:r>
-                        <a:rPr lang="en-US" sz="1600" b="1" kern="1200" dirty="0">
-                          <a:solidFill>
-                            <a:schemeClr val="tx1"/>
-                          </a:solidFill>
-                          <a:latin typeface="Microsoft YaHei Light" panose="020B0502040204020203" pitchFamily="34" charset="-122"/>
-                          <a:ea typeface="Microsoft YaHei Light" panose="020B0502040204020203" pitchFamily="34" charset="-122"/>
+                        <a:rPr lang="en-US" sz="1600" b="0" kern="1200" dirty="0">
+                          <a:solidFill>
+                            <a:schemeClr val="tx1"/>
+                          </a:solidFill>
+                          <a:latin typeface="微软雅黑" panose="020B0503020204020204" pitchFamily="34" charset="-122"/>
+                          <a:ea typeface="微软雅黑" panose="020B0503020204020204" pitchFamily="34" charset="-122"/>
                           <a:cs typeface="+mn-cs"/>
                         </a:rPr>
                         <a:t>1</a:t>
                       </a:r>
                       <a:r>
-                        <a:rPr lang="zh-CN" altLang="en-US" sz="1600" b="1" kern="1200" dirty="0">
-                          <a:solidFill>
-                            <a:schemeClr val="tx1"/>
-                          </a:solidFill>
-                          <a:latin typeface="Microsoft YaHei Light" panose="020B0502040204020203" pitchFamily="34" charset="-122"/>
-                          <a:ea typeface="Microsoft YaHei Light" panose="020B0502040204020203" pitchFamily="34" charset="-122"/>
+                        <a:rPr lang="zh-CN" altLang="en-US" sz="1600" b="0" kern="1200" dirty="0">
+                          <a:solidFill>
+                            <a:schemeClr val="tx1"/>
+                          </a:solidFill>
+                          <a:latin typeface="微软雅黑" panose="020B0503020204020204" pitchFamily="34" charset="-122"/>
+                          <a:ea typeface="微软雅黑" panose="020B0503020204020204" pitchFamily="34" charset="-122"/>
                           <a:cs typeface="+mn-cs"/>
                         </a:rPr>
                         <a:t>字节</a:t>
@@ -18595,22 +20428,22 @@
                         </a:lnSpc>
                       </a:pPr>
                       <a:r>
-                        <a:rPr lang="en-US" sz="1600" b="1" kern="1200" dirty="0">
-                          <a:solidFill>
-                            <a:schemeClr val="tx1"/>
-                          </a:solidFill>
-                          <a:latin typeface="Microsoft YaHei Light" panose="020B0502040204020203" pitchFamily="34" charset="-122"/>
-                          <a:ea typeface="Microsoft YaHei Light" panose="020B0502040204020203" pitchFamily="34" charset="-122"/>
+                        <a:rPr lang="en-US" sz="1600" b="0" kern="1200" dirty="0">
+                          <a:solidFill>
+                            <a:schemeClr val="tx1"/>
+                          </a:solidFill>
+                          <a:latin typeface="微软雅黑" panose="020B0503020204020204" pitchFamily="34" charset="-122"/>
+                          <a:ea typeface="微软雅黑" panose="020B0503020204020204" pitchFamily="34" charset="-122"/>
                           <a:cs typeface="+mn-cs"/>
                         </a:rPr>
                         <a:t>LHU </a:t>
                       </a:r>
-                      <a:endParaRPr lang="zh-CN" altLang="en-US" sz="1600" b="1" kern="1200" dirty="0">
+                      <a:endParaRPr lang="zh-CN" altLang="en-US" sz="1600" b="0" kern="1200" dirty="0">
                         <a:solidFill>
                           <a:schemeClr val="tx1"/>
                         </a:solidFill>
-                        <a:latin typeface="Microsoft YaHei Light" panose="020B0502040204020203" pitchFamily="34" charset="-122"/>
-                        <a:ea typeface="Microsoft YaHei Light" panose="020B0502040204020203" pitchFamily="34" charset="-122"/>
+                        <a:latin typeface="微软雅黑" panose="020B0503020204020204" pitchFamily="34" charset="-122"/>
+                        <a:ea typeface="微软雅黑" panose="020B0503020204020204" pitchFamily="34" charset="-122"/>
                         <a:cs typeface="+mn-cs"/>
                       </a:endParaRPr>
                     </a:p>
@@ -18650,22 +20483,22 @@
                         </a:lnSpc>
                       </a:pPr>
                       <a:r>
-                        <a:rPr lang="en-US" sz="1600" b="1" kern="1200" dirty="0">
-                          <a:solidFill>
-                            <a:schemeClr val="tx1"/>
-                          </a:solidFill>
-                          <a:latin typeface="Microsoft YaHei Light" panose="020B0502040204020203" pitchFamily="34" charset="-122"/>
-                          <a:ea typeface="Microsoft YaHei Light" panose="020B0502040204020203" pitchFamily="34" charset="-122"/>
+                        <a:rPr lang="en-US" sz="1600" b="0" kern="1200" dirty="0">
+                          <a:solidFill>
+                            <a:schemeClr val="tx1"/>
+                          </a:solidFill>
+                          <a:latin typeface="微软雅黑" panose="020B0503020204020204" pitchFamily="34" charset="-122"/>
+                          <a:ea typeface="微软雅黑" panose="020B0503020204020204" pitchFamily="34" charset="-122"/>
                           <a:cs typeface="+mn-cs"/>
                         </a:rPr>
                         <a:t>LHU rd,rs1,imm</a:t>
                       </a:r>
-                      <a:endParaRPr lang="zh-CN" altLang="en-US" sz="1600" b="1" kern="1200" dirty="0">
+                      <a:endParaRPr lang="zh-CN" altLang="en-US" sz="1600" b="0" kern="1200" dirty="0">
                         <a:solidFill>
                           <a:schemeClr val="tx1"/>
                         </a:solidFill>
-                        <a:latin typeface="Microsoft YaHei Light" panose="020B0502040204020203" pitchFamily="34" charset="-122"/>
-                        <a:ea typeface="Microsoft YaHei Light" panose="020B0502040204020203" pitchFamily="34" charset="-122"/>
+                        <a:latin typeface="微软雅黑" panose="020B0503020204020204" pitchFamily="34" charset="-122"/>
+                        <a:ea typeface="微软雅黑" panose="020B0503020204020204" pitchFamily="34" charset="-122"/>
                         <a:cs typeface="+mn-cs"/>
                       </a:endParaRPr>
                     </a:p>
@@ -18705,34 +20538,34 @@
                         </a:lnSpc>
                       </a:pPr>
                       <a:r>
-                        <a:rPr lang="zh-CN" altLang="en-US" sz="1600" b="1" kern="1200" dirty="0">
-                          <a:solidFill>
-                            <a:schemeClr val="tx1"/>
-                          </a:solidFill>
-                          <a:latin typeface="Microsoft YaHei Light" panose="020B0502040204020203" pitchFamily="34" charset="-122"/>
-                          <a:ea typeface="Microsoft YaHei Light" panose="020B0502040204020203" pitchFamily="34" charset="-122"/>
+                        <a:rPr lang="zh-CN" altLang="en-US" sz="1600" b="0" kern="1200" dirty="0">
+                          <a:solidFill>
+                            <a:schemeClr val="tx1"/>
+                          </a:solidFill>
+                          <a:latin typeface="微软雅黑" panose="020B0503020204020204" pitchFamily="34" charset="-122"/>
+                          <a:ea typeface="微软雅黑" panose="020B0503020204020204" pitchFamily="34" charset="-122"/>
                           <a:cs typeface="+mn-cs"/>
                         </a:rPr>
                         <a:t>取无符号</a:t>
                       </a:r>
                       <a:r>
-                        <a:rPr lang="en-US" sz="1600" b="1" kern="1200" dirty="0">
-                          <a:solidFill>
-                            <a:schemeClr val="tx1"/>
-                          </a:solidFill>
-                          <a:latin typeface="Microsoft YaHei Light" panose="020B0502040204020203" pitchFamily="34" charset="-122"/>
-                          <a:ea typeface="Microsoft YaHei Light" panose="020B0502040204020203" pitchFamily="34" charset="-122"/>
+                        <a:rPr lang="en-US" sz="1600" b="0" kern="1200" dirty="0">
+                          <a:solidFill>
+                            <a:schemeClr val="tx1"/>
+                          </a:solidFill>
+                          <a:latin typeface="微软雅黑" panose="020B0503020204020204" pitchFamily="34" charset="-122"/>
+                          <a:ea typeface="微软雅黑" panose="020B0503020204020204" pitchFamily="34" charset="-122"/>
                           <a:cs typeface="+mn-cs"/>
                         </a:rPr>
                         <a:t>2</a:t>
                       </a:r>
                       <a:r>
-                        <a:rPr lang="zh-CN" altLang="en-US" sz="1600" b="1" kern="1200" dirty="0">
-                          <a:solidFill>
-                            <a:schemeClr val="tx1"/>
-                          </a:solidFill>
-                          <a:latin typeface="Microsoft YaHei Light" panose="020B0502040204020203" pitchFamily="34" charset="-122"/>
-                          <a:ea typeface="Microsoft YaHei Light" panose="020B0502040204020203" pitchFamily="34" charset="-122"/>
+                        <a:rPr lang="zh-CN" altLang="en-US" sz="1600" b="0" kern="1200" dirty="0">
+                          <a:solidFill>
+                            <a:schemeClr val="tx1"/>
+                          </a:solidFill>
+                          <a:latin typeface="微软雅黑" panose="020B0503020204020204" pitchFamily="34" charset="-122"/>
+                          <a:ea typeface="微软雅黑" panose="020B0503020204020204" pitchFamily="34" charset="-122"/>
                           <a:cs typeface="+mn-cs"/>
                         </a:rPr>
                         <a:t>字节</a:t>
@@ -18781,22 +20614,22 @@
                         </a:lnSpc>
                       </a:pPr>
                       <a:r>
-                        <a:rPr lang="en-US" sz="1600" b="1" kern="1200" dirty="0">
-                          <a:solidFill>
-                            <a:schemeClr val="tx1"/>
-                          </a:solidFill>
-                          <a:latin typeface="Microsoft YaHei Light" panose="020B0502040204020203" pitchFamily="34" charset="-122"/>
-                          <a:ea typeface="Microsoft YaHei Light" panose="020B0502040204020203" pitchFamily="34" charset="-122"/>
+                        <a:rPr lang="en-US" sz="1600" b="0" kern="1200" dirty="0">
+                          <a:solidFill>
+                            <a:schemeClr val="tx1"/>
+                          </a:solidFill>
+                          <a:latin typeface="微软雅黑" panose="020B0503020204020204" pitchFamily="34" charset="-122"/>
+                          <a:ea typeface="微软雅黑" panose="020B0503020204020204" pitchFamily="34" charset="-122"/>
                           <a:cs typeface="+mn-cs"/>
                         </a:rPr>
                         <a:t>ADDI </a:t>
                       </a:r>
-                      <a:endParaRPr lang="zh-CN" altLang="en-US" sz="1600" b="1" kern="1200" dirty="0">
+                      <a:endParaRPr lang="zh-CN" altLang="en-US" sz="1600" b="0" kern="1200" dirty="0">
                         <a:solidFill>
                           <a:schemeClr val="tx1"/>
                         </a:solidFill>
-                        <a:latin typeface="Microsoft YaHei Light" panose="020B0502040204020203" pitchFamily="34" charset="-122"/>
-                        <a:ea typeface="Microsoft YaHei Light" panose="020B0502040204020203" pitchFamily="34" charset="-122"/>
+                        <a:latin typeface="微软雅黑" panose="020B0503020204020204" pitchFamily="34" charset="-122"/>
+                        <a:ea typeface="微软雅黑" panose="020B0503020204020204" pitchFamily="34" charset="-122"/>
                         <a:cs typeface="+mn-cs"/>
                       </a:endParaRPr>
                     </a:p>
@@ -18836,22 +20669,22 @@
                         </a:lnSpc>
                       </a:pPr>
                       <a:r>
-                        <a:rPr lang="en-US" sz="1600" b="1" kern="1200" dirty="0">
-                          <a:solidFill>
-                            <a:schemeClr val="tx1"/>
-                          </a:solidFill>
-                          <a:latin typeface="Microsoft YaHei Light" panose="020B0502040204020203" pitchFamily="34" charset="-122"/>
-                          <a:ea typeface="Microsoft YaHei Light" panose="020B0502040204020203" pitchFamily="34" charset="-122"/>
+                        <a:rPr lang="en-US" sz="1600" b="0" kern="1200" dirty="0">
+                          <a:solidFill>
+                            <a:schemeClr val="tx1"/>
+                          </a:solidFill>
+                          <a:latin typeface="微软雅黑" panose="020B0503020204020204" pitchFamily="34" charset="-122"/>
+                          <a:ea typeface="微软雅黑" panose="020B0503020204020204" pitchFamily="34" charset="-122"/>
                           <a:cs typeface="+mn-cs"/>
                         </a:rPr>
                         <a:t>ADDI rd,rs1,imm</a:t>
                       </a:r>
-                      <a:endParaRPr lang="zh-CN" altLang="en-US" sz="1600" b="1" kern="1200" dirty="0">
+                      <a:endParaRPr lang="zh-CN" altLang="en-US" sz="1600" b="0" kern="1200" dirty="0">
                         <a:solidFill>
                           <a:schemeClr val="tx1"/>
                         </a:solidFill>
-                        <a:latin typeface="Microsoft YaHei Light" panose="020B0502040204020203" pitchFamily="34" charset="-122"/>
-                        <a:ea typeface="Microsoft YaHei Light" panose="020B0502040204020203" pitchFamily="34" charset="-122"/>
+                        <a:latin typeface="微软雅黑" panose="020B0503020204020204" pitchFamily="34" charset="-122"/>
+                        <a:ea typeface="微软雅黑" panose="020B0503020204020204" pitchFamily="34" charset="-122"/>
                         <a:cs typeface="+mn-cs"/>
                       </a:endParaRPr>
                     </a:p>
@@ -18891,55 +20724,55 @@
                         </a:lnSpc>
                       </a:pPr>
                       <a:r>
-                        <a:rPr lang="en-US" sz="1600" b="1" kern="1200" dirty="0">
-                          <a:solidFill>
-                            <a:schemeClr val="tx1"/>
-                          </a:solidFill>
-                          <a:latin typeface="Microsoft YaHei Light" panose="020B0502040204020203" pitchFamily="34" charset="-122"/>
-                          <a:ea typeface="Microsoft YaHei Light" panose="020B0502040204020203" pitchFamily="34" charset="-122"/>
+                        <a:rPr lang="en-US" sz="1600" b="0" kern="1200" dirty="0">
+                          <a:solidFill>
+                            <a:schemeClr val="tx1"/>
+                          </a:solidFill>
+                          <a:latin typeface="微软雅黑" panose="020B0503020204020204" pitchFamily="34" charset="-122"/>
+                          <a:ea typeface="微软雅黑" panose="020B0503020204020204" pitchFamily="34" charset="-122"/>
                           <a:cs typeface="+mn-cs"/>
                         </a:rPr>
                         <a:t>rs1 + </a:t>
                       </a:r>
                       <a:r>
-                        <a:rPr lang="en-US" sz="1600" b="1" kern="1200" dirty="0" err="1">
-                          <a:solidFill>
-                            <a:schemeClr val="tx1"/>
-                          </a:solidFill>
-                          <a:latin typeface="Microsoft YaHei Light" panose="020B0502040204020203" pitchFamily="34" charset="-122"/>
-                          <a:ea typeface="Microsoft YaHei Light" panose="020B0502040204020203" pitchFamily="34" charset="-122"/>
+                        <a:rPr lang="en-US" sz="1600" b="0" kern="1200" dirty="0" err="1">
+                          <a:solidFill>
+                            <a:schemeClr val="tx1"/>
+                          </a:solidFill>
+                          <a:latin typeface="微软雅黑" panose="020B0503020204020204" pitchFamily="34" charset="-122"/>
+                          <a:ea typeface="微软雅黑" panose="020B0503020204020204" pitchFamily="34" charset="-122"/>
                           <a:cs typeface="+mn-cs"/>
                         </a:rPr>
                         <a:t>imm</a:t>
                       </a:r>
                       <a:r>
-                        <a:rPr lang="en-US" sz="1600" b="1" kern="1200" dirty="0">
-                          <a:solidFill>
-                            <a:schemeClr val="tx1"/>
-                          </a:solidFill>
-                          <a:latin typeface="Microsoft YaHei Light" panose="020B0502040204020203" pitchFamily="34" charset="-122"/>
-                          <a:ea typeface="Microsoft YaHei Light" panose="020B0502040204020203" pitchFamily="34" charset="-122"/>
+                        <a:rPr lang="en-US" sz="1600" b="0" kern="1200" dirty="0">
+                          <a:solidFill>
+                            <a:schemeClr val="tx1"/>
+                          </a:solidFill>
+                          <a:latin typeface="微软雅黑" panose="020B0503020204020204" pitchFamily="34" charset="-122"/>
+                          <a:ea typeface="微软雅黑" panose="020B0503020204020204" pitchFamily="34" charset="-122"/>
                           <a:cs typeface="+mn-cs"/>
                         </a:rPr>
                         <a:t> -&gt; </a:t>
                       </a:r>
                       <a:r>
-                        <a:rPr lang="en-US" sz="1600" b="1" kern="1200" dirty="0" err="1">
-                          <a:solidFill>
-                            <a:schemeClr val="tx1"/>
-                          </a:solidFill>
-                          <a:latin typeface="Microsoft YaHei Light" panose="020B0502040204020203" pitchFamily="34" charset="-122"/>
-                          <a:ea typeface="Microsoft YaHei Light" panose="020B0502040204020203" pitchFamily="34" charset="-122"/>
+                        <a:rPr lang="en-US" sz="1600" b="0" kern="1200" dirty="0" err="1">
+                          <a:solidFill>
+                            <a:schemeClr val="tx1"/>
+                          </a:solidFill>
+                          <a:latin typeface="微软雅黑" panose="020B0503020204020204" pitchFamily="34" charset="-122"/>
+                          <a:ea typeface="微软雅黑" panose="020B0503020204020204" pitchFamily="34" charset="-122"/>
                           <a:cs typeface="+mn-cs"/>
                         </a:rPr>
                         <a:t>rd</a:t>
                       </a:r>
-                      <a:endParaRPr lang="zh-CN" altLang="en-US" sz="1600" b="1" kern="1200" dirty="0">
+                      <a:endParaRPr lang="zh-CN" altLang="en-US" sz="1600" b="0" kern="1200" dirty="0">
                         <a:solidFill>
                           <a:schemeClr val="tx1"/>
                         </a:solidFill>
-                        <a:latin typeface="Microsoft YaHei Light" panose="020B0502040204020203" pitchFamily="34" charset="-122"/>
-                        <a:ea typeface="Microsoft YaHei Light" panose="020B0502040204020203" pitchFamily="34" charset="-122"/>
+                        <a:latin typeface="微软雅黑" panose="020B0503020204020204" pitchFamily="34" charset="-122"/>
+                        <a:ea typeface="微软雅黑" panose="020B0503020204020204" pitchFamily="34" charset="-122"/>
                         <a:cs typeface="+mn-cs"/>
                       </a:endParaRPr>
                     </a:p>
@@ -18986,22 +20819,22 @@
                         </a:lnSpc>
                       </a:pPr>
                       <a:r>
-                        <a:rPr lang="en-US" sz="1600" b="1" kern="1200" dirty="0">
-                          <a:solidFill>
-                            <a:schemeClr val="tx1"/>
-                          </a:solidFill>
-                          <a:latin typeface="Microsoft YaHei Light" panose="020B0502040204020203" pitchFamily="34" charset="-122"/>
-                          <a:ea typeface="Microsoft YaHei Light" panose="020B0502040204020203" pitchFamily="34" charset="-122"/>
+                        <a:rPr lang="en-US" sz="1600" b="0" kern="1200" dirty="0">
+                          <a:solidFill>
+                            <a:schemeClr val="tx1"/>
+                          </a:solidFill>
+                          <a:latin typeface="微软雅黑" panose="020B0503020204020204" pitchFamily="34" charset="-122"/>
+                          <a:ea typeface="微软雅黑" panose="020B0503020204020204" pitchFamily="34" charset="-122"/>
                           <a:cs typeface="+mn-cs"/>
                         </a:rPr>
                         <a:t>XORI </a:t>
                       </a:r>
-                      <a:endParaRPr lang="zh-CN" altLang="en-US" sz="1600" b="1" kern="1200" dirty="0">
+                      <a:endParaRPr lang="zh-CN" altLang="en-US" sz="1600" b="0" kern="1200" dirty="0">
                         <a:solidFill>
                           <a:schemeClr val="tx1"/>
                         </a:solidFill>
-                        <a:latin typeface="Microsoft YaHei Light" panose="020B0502040204020203" pitchFamily="34" charset="-122"/>
-                        <a:ea typeface="Microsoft YaHei Light" panose="020B0502040204020203" pitchFamily="34" charset="-122"/>
+                        <a:latin typeface="微软雅黑" panose="020B0503020204020204" pitchFamily="34" charset="-122"/>
+                        <a:ea typeface="微软雅黑" panose="020B0503020204020204" pitchFamily="34" charset="-122"/>
                         <a:cs typeface="+mn-cs"/>
                       </a:endParaRPr>
                     </a:p>
@@ -19047,22 +20880,22 @@
                         </a:lnSpc>
                       </a:pPr>
                       <a:r>
-                        <a:rPr lang="en-US" sz="1600" b="1" kern="1200" dirty="0">
-                          <a:solidFill>
-                            <a:schemeClr val="tx1"/>
-                          </a:solidFill>
-                          <a:latin typeface="Microsoft YaHei Light" panose="020B0502040204020203" pitchFamily="34" charset="-122"/>
-                          <a:ea typeface="Microsoft YaHei Light" panose="020B0502040204020203" pitchFamily="34" charset="-122"/>
+                        <a:rPr lang="en-US" sz="1600" b="0" kern="1200" dirty="0">
+                          <a:solidFill>
+                            <a:schemeClr val="tx1"/>
+                          </a:solidFill>
+                          <a:latin typeface="微软雅黑" panose="020B0503020204020204" pitchFamily="34" charset="-122"/>
+                          <a:ea typeface="微软雅黑" panose="020B0503020204020204" pitchFamily="34" charset="-122"/>
                           <a:cs typeface="+mn-cs"/>
                         </a:rPr>
                         <a:t>XORI rd,rs1,imm</a:t>
                       </a:r>
-                      <a:endParaRPr lang="zh-CN" altLang="en-US" sz="1600" b="1" kern="1200" dirty="0">
+                      <a:endParaRPr lang="zh-CN" altLang="en-US" sz="1600" b="0" kern="1200" dirty="0">
                         <a:solidFill>
                           <a:schemeClr val="tx1"/>
                         </a:solidFill>
-                        <a:latin typeface="Microsoft YaHei Light" panose="020B0502040204020203" pitchFamily="34" charset="-122"/>
-                        <a:ea typeface="Microsoft YaHei Light" panose="020B0502040204020203" pitchFamily="34" charset="-122"/>
+                        <a:latin typeface="微软雅黑" panose="020B0503020204020204" pitchFamily="34" charset="-122"/>
+                        <a:ea typeface="微软雅黑" panose="020B0503020204020204" pitchFamily="34" charset="-122"/>
                         <a:cs typeface="+mn-cs"/>
                       </a:endParaRPr>
                     </a:p>
@@ -19108,55 +20941,55 @@
                         </a:lnSpc>
                       </a:pPr>
                       <a:r>
-                        <a:rPr lang="en-US" sz="1600" b="1" kern="1200" dirty="0">
-                          <a:solidFill>
-                            <a:schemeClr val="tx1"/>
-                          </a:solidFill>
-                          <a:latin typeface="Microsoft YaHei Light" panose="020B0502040204020203" pitchFamily="34" charset="-122"/>
-                          <a:ea typeface="Microsoft YaHei Light" panose="020B0502040204020203" pitchFamily="34" charset="-122"/>
+                        <a:rPr lang="en-US" sz="1600" b="0" kern="1200" dirty="0">
+                          <a:solidFill>
+                            <a:schemeClr val="tx1"/>
+                          </a:solidFill>
+                          <a:latin typeface="微软雅黑" panose="020B0503020204020204" pitchFamily="34" charset="-122"/>
+                          <a:ea typeface="微软雅黑" panose="020B0503020204020204" pitchFamily="34" charset="-122"/>
                           <a:cs typeface="+mn-cs"/>
                         </a:rPr>
                         <a:t>rs1 ^ </a:t>
                       </a:r>
                       <a:r>
-                        <a:rPr lang="en-US" sz="1600" b="1" kern="1200" dirty="0" err="1">
-                          <a:solidFill>
-                            <a:schemeClr val="tx1"/>
-                          </a:solidFill>
-                          <a:latin typeface="Microsoft YaHei Light" panose="020B0502040204020203" pitchFamily="34" charset="-122"/>
-                          <a:ea typeface="Microsoft YaHei Light" panose="020B0502040204020203" pitchFamily="34" charset="-122"/>
+                        <a:rPr lang="en-US" sz="1600" b="0" kern="1200" dirty="0" err="1">
+                          <a:solidFill>
+                            <a:schemeClr val="tx1"/>
+                          </a:solidFill>
+                          <a:latin typeface="微软雅黑" panose="020B0503020204020204" pitchFamily="34" charset="-122"/>
+                          <a:ea typeface="微软雅黑" panose="020B0503020204020204" pitchFamily="34" charset="-122"/>
                           <a:cs typeface="+mn-cs"/>
                         </a:rPr>
                         <a:t>imm</a:t>
                       </a:r>
                       <a:r>
-                        <a:rPr lang="en-US" sz="1600" b="1" kern="1200" dirty="0">
-                          <a:solidFill>
-                            <a:schemeClr val="tx1"/>
-                          </a:solidFill>
-                          <a:latin typeface="Microsoft YaHei Light" panose="020B0502040204020203" pitchFamily="34" charset="-122"/>
-                          <a:ea typeface="Microsoft YaHei Light" panose="020B0502040204020203" pitchFamily="34" charset="-122"/>
+                        <a:rPr lang="en-US" sz="1600" b="0" kern="1200" dirty="0">
+                          <a:solidFill>
+                            <a:schemeClr val="tx1"/>
+                          </a:solidFill>
+                          <a:latin typeface="微软雅黑" panose="020B0503020204020204" pitchFamily="34" charset="-122"/>
+                          <a:ea typeface="微软雅黑" panose="020B0503020204020204" pitchFamily="34" charset="-122"/>
                           <a:cs typeface="+mn-cs"/>
                         </a:rPr>
                         <a:t> -&gt; </a:t>
                       </a:r>
                       <a:r>
-                        <a:rPr lang="en-US" sz="1600" b="1" kern="1200" dirty="0" err="1">
-                          <a:solidFill>
-                            <a:schemeClr val="tx1"/>
-                          </a:solidFill>
-                          <a:latin typeface="Microsoft YaHei Light" panose="020B0502040204020203" pitchFamily="34" charset="-122"/>
-                          <a:ea typeface="Microsoft YaHei Light" panose="020B0502040204020203" pitchFamily="34" charset="-122"/>
+                        <a:rPr lang="en-US" sz="1600" b="0" kern="1200" dirty="0" err="1">
+                          <a:solidFill>
+                            <a:schemeClr val="tx1"/>
+                          </a:solidFill>
+                          <a:latin typeface="微软雅黑" panose="020B0503020204020204" pitchFamily="34" charset="-122"/>
+                          <a:ea typeface="微软雅黑" panose="020B0503020204020204" pitchFamily="34" charset="-122"/>
                           <a:cs typeface="+mn-cs"/>
                         </a:rPr>
                         <a:t>rd</a:t>
                       </a:r>
-                      <a:endParaRPr lang="zh-CN" altLang="en-US" sz="1600" b="1" kern="1200" dirty="0">
+                      <a:endParaRPr lang="zh-CN" altLang="en-US" sz="1600" b="0" kern="1200" dirty="0">
                         <a:solidFill>
                           <a:schemeClr val="tx1"/>
                         </a:solidFill>
-                        <a:latin typeface="Microsoft YaHei Light" panose="020B0502040204020203" pitchFamily="34" charset="-122"/>
-                        <a:ea typeface="Microsoft YaHei Light" panose="020B0502040204020203" pitchFamily="34" charset="-122"/>
+                        <a:latin typeface="微软雅黑" panose="020B0503020204020204" pitchFamily="34" charset="-122"/>
+                        <a:ea typeface="微软雅黑" panose="020B0503020204020204" pitchFamily="34" charset="-122"/>
                         <a:cs typeface="+mn-cs"/>
                       </a:endParaRPr>
                     </a:p>
@@ -19216,7 +21049,7 @@
           <p:nvPr>
             <p:extLst>
               <p:ext uri="{D42A27DB-BD31-4B8C-83A1-F6EECF244321}">
-                <p14:modId xmlns:p14="http://schemas.microsoft.com/office/powerpoint/2010/main" val="4021253652"/>
+                <p14:modId xmlns:p14="http://schemas.microsoft.com/office/powerpoint/2010/main" val="3740349130"/>
               </p:ext>
             </p:extLst>
           </p:nvPr>
@@ -19266,12 +21099,12 @@
                         </a:lnSpc>
                       </a:pPr>
                       <a:r>
-                        <a:rPr lang="zh-CN" altLang="en-US" sz="1600" b="1" kern="1200" dirty="0">
-                          <a:solidFill>
-                            <a:schemeClr val="tx1"/>
-                          </a:solidFill>
-                          <a:latin typeface="Microsoft YaHei Light" panose="020B0502040204020203" pitchFamily="34" charset="-122"/>
-                          <a:ea typeface="Microsoft YaHei Light" panose="020B0502040204020203" pitchFamily="34" charset="-122"/>
+                        <a:rPr lang="zh-CN" altLang="en-US" sz="1600" b="0" kern="1200" dirty="0">
+                          <a:solidFill>
+                            <a:schemeClr val="tx1"/>
+                          </a:solidFill>
+                          <a:latin typeface="微软雅黑" panose="020B0503020204020204" pitchFamily="34" charset="-122"/>
+                          <a:ea typeface="微软雅黑" panose="020B0503020204020204" pitchFamily="34" charset="-122"/>
                           <a:cs typeface="+mn-cs"/>
                         </a:rPr>
                         <a:t>名称</a:t>
@@ -19325,12 +21158,12 @@
                         </a:lnSpc>
                       </a:pPr>
                       <a:r>
-                        <a:rPr lang="zh-CN" altLang="en-US" sz="1600" b="1" kern="1200" dirty="0">
-                          <a:solidFill>
-                            <a:schemeClr val="tx1"/>
-                          </a:solidFill>
-                          <a:latin typeface="Microsoft YaHei Light" panose="020B0502040204020203" pitchFamily="34" charset="-122"/>
-                          <a:ea typeface="Microsoft YaHei Light" panose="020B0502040204020203" pitchFamily="34" charset="-122"/>
+                        <a:rPr lang="zh-CN" altLang="en-US" sz="1600" b="0" kern="1200" dirty="0">
+                          <a:solidFill>
+                            <a:schemeClr val="tx1"/>
+                          </a:solidFill>
+                          <a:latin typeface="微软雅黑" panose="020B0503020204020204" pitchFamily="34" charset="-122"/>
+                          <a:ea typeface="微软雅黑" panose="020B0503020204020204" pitchFamily="34" charset="-122"/>
                           <a:cs typeface="+mn-cs"/>
                         </a:rPr>
                         <a:t>格式</a:t>
@@ -19384,12 +21217,12 @@
                         </a:lnSpc>
                       </a:pPr>
                       <a:r>
-                        <a:rPr lang="zh-CN" altLang="en-US" sz="1600" b="1" kern="1200" dirty="0">
-                          <a:solidFill>
-                            <a:schemeClr val="tx1"/>
-                          </a:solidFill>
-                          <a:latin typeface="Microsoft YaHei Light" panose="020B0502040204020203" pitchFamily="34" charset="-122"/>
-                          <a:ea typeface="Microsoft YaHei Light" panose="020B0502040204020203" pitchFamily="34" charset="-122"/>
+                        <a:rPr lang="zh-CN" altLang="en-US" sz="1600" b="0" kern="1200" dirty="0">
+                          <a:solidFill>
+                            <a:schemeClr val="tx1"/>
+                          </a:solidFill>
+                          <a:latin typeface="微软雅黑" panose="020B0503020204020204" pitchFamily="34" charset="-122"/>
+                          <a:ea typeface="微软雅黑" panose="020B0503020204020204" pitchFamily="34" charset="-122"/>
                           <a:cs typeface="+mn-cs"/>
                         </a:rPr>
                         <a:t>功能</a:t>
@@ -19450,22 +21283,22 @@
                         </a:lnSpc>
                       </a:pPr>
                       <a:r>
-                        <a:rPr lang="en-US" sz="1600" b="1" kern="1200" dirty="0">
-                          <a:solidFill>
-                            <a:schemeClr val="tx1"/>
-                          </a:solidFill>
-                          <a:latin typeface="Microsoft YaHei Light" panose="020B0502040204020203" pitchFamily="34" charset="-122"/>
-                          <a:ea typeface="Microsoft YaHei Light" panose="020B0502040204020203" pitchFamily="34" charset="-122"/>
+                        <a:rPr lang="en-US" sz="1600" b="0" kern="1200" dirty="0">
+                          <a:solidFill>
+                            <a:schemeClr val="tx1"/>
+                          </a:solidFill>
+                          <a:latin typeface="微软雅黑" panose="020B0503020204020204" pitchFamily="34" charset="-122"/>
+                          <a:ea typeface="微软雅黑" panose="020B0503020204020204" pitchFamily="34" charset="-122"/>
                           <a:cs typeface="+mn-cs"/>
                         </a:rPr>
                         <a:t>ANDI </a:t>
                       </a:r>
-                      <a:endParaRPr lang="zh-CN" altLang="en-US" sz="1600" b="1" kern="1200" dirty="0">
+                      <a:endParaRPr lang="zh-CN" altLang="en-US" sz="1600" b="0" kern="1200" dirty="0">
                         <a:solidFill>
                           <a:schemeClr val="tx1"/>
                         </a:solidFill>
-                        <a:latin typeface="Microsoft YaHei Light" panose="020B0502040204020203" pitchFamily="34" charset="-122"/>
-                        <a:ea typeface="Microsoft YaHei Light" panose="020B0502040204020203" pitchFamily="34" charset="-122"/>
+                        <a:latin typeface="微软雅黑" panose="020B0503020204020204" pitchFamily="34" charset="-122"/>
+                        <a:ea typeface="微软雅黑" panose="020B0503020204020204" pitchFamily="34" charset="-122"/>
                         <a:cs typeface="+mn-cs"/>
                       </a:endParaRPr>
                     </a:p>
@@ -19511,22 +21344,22 @@
                         </a:lnSpc>
                       </a:pPr>
                       <a:r>
-                        <a:rPr lang="en-US" sz="1600" b="1" kern="1200" dirty="0">
-                          <a:solidFill>
-                            <a:schemeClr val="tx1"/>
-                          </a:solidFill>
-                          <a:latin typeface="Microsoft YaHei Light" panose="020B0502040204020203" pitchFamily="34" charset="-122"/>
-                          <a:ea typeface="Microsoft YaHei Light" panose="020B0502040204020203" pitchFamily="34" charset="-122"/>
+                        <a:rPr lang="en-US" sz="1600" b="0" kern="1200" dirty="0">
+                          <a:solidFill>
+                            <a:schemeClr val="tx1"/>
+                          </a:solidFill>
+                          <a:latin typeface="微软雅黑" panose="020B0503020204020204" pitchFamily="34" charset="-122"/>
+                          <a:ea typeface="微软雅黑" panose="020B0503020204020204" pitchFamily="34" charset="-122"/>
                           <a:cs typeface="+mn-cs"/>
                         </a:rPr>
                         <a:t>ANDI rd,rs1,imm</a:t>
                       </a:r>
-                      <a:endParaRPr lang="zh-CN" altLang="en-US" sz="1600" b="1" kern="1200" dirty="0">
+                      <a:endParaRPr lang="zh-CN" altLang="en-US" sz="1600" b="0" kern="1200" dirty="0">
                         <a:solidFill>
                           <a:schemeClr val="tx1"/>
                         </a:solidFill>
-                        <a:latin typeface="Microsoft YaHei Light" panose="020B0502040204020203" pitchFamily="34" charset="-122"/>
-                        <a:ea typeface="Microsoft YaHei Light" panose="020B0502040204020203" pitchFamily="34" charset="-122"/>
+                        <a:latin typeface="微软雅黑" panose="020B0503020204020204" pitchFamily="34" charset="-122"/>
+                        <a:ea typeface="微软雅黑" panose="020B0503020204020204" pitchFamily="34" charset="-122"/>
                         <a:cs typeface="+mn-cs"/>
                       </a:endParaRPr>
                     </a:p>
@@ -19572,55 +21405,55 @@
                         </a:lnSpc>
                       </a:pPr>
                       <a:r>
-                        <a:rPr lang="en-US" sz="1600" b="1" kern="1200" dirty="0">
-                          <a:solidFill>
-                            <a:schemeClr val="tx1"/>
-                          </a:solidFill>
-                          <a:latin typeface="Microsoft YaHei Light" panose="020B0502040204020203" pitchFamily="34" charset="-122"/>
-                          <a:ea typeface="Microsoft YaHei Light" panose="020B0502040204020203" pitchFamily="34" charset="-122"/>
+                        <a:rPr lang="en-US" sz="1600" b="0" kern="1200" dirty="0">
+                          <a:solidFill>
+                            <a:schemeClr val="tx1"/>
+                          </a:solidFill>
+                          <a:latin typeface="微软雅黑" panose="020B0503020204020204" pitchFamily="34" charset="-122"/>
+                          <a:ea typeface="微软雅黑" panose="020B0503020204020204" pitchFamily="34" charset="-122"/>
                           <a:cs typeface="+mn-cs"/>
                         </a:rPr>
                         <a:t>rs1 &amp; </a:t>
                       </a:r>
                       <a:r>
-                        <a:rPr lang="en-US" sz="1600" b="1" kern="1200" dirty="0" err="1">
-                          <a:solidFill>
-                            <a:schemeClr val="tx1"/>
-                          </a:solidFill>
-                          <a:latin typeface="Microsoft YaHei Light" panose="020B0502040204020203" pitchFamily="34" charset="-122"/>
-                          <a:ea typeface="Microsoft YaHei Light" panose="020B0502040204020203" pitchFamily="34" charset="-122"/>
+                        <a:rPr lang="en-US" sz="1600" b="0" kern="1200" dirty="0" err="1">
+                          <a:solidFill>
+                            <a:schemeClr val="tx1"/>
+                          </a:solidFill>
+                          <a:latin typeface="微软雅黑" panose="020B0503020204020204" pitchFamily="34" charset="-122"/>
+                          <a:ea typeface="微软雅黑" panose="020B0503020204020204" pitchFamily="34" charset="-122"/>
                           <a:cs typeface="+mn-cs"/>
                         </a:rPr>
                         <a:t>imm</a:t>
                       </a:r>
                       <a:r>
-                        <a:rPr lang="en-US" sz="1600" b="1" kern="1200" dirty="0">
-                          <a:solidFill>
-                            <a:schemeClr val="tx1"/>
-                          </a:solidFill>
-                          <a:latin typeface="Microsoft YaHei Light" panose="020B0502040204020203" pitchFamily="34" charset="-122"/>
-                          <a:ea typeface="Microsoft YaHei Light" panose="020B0502040204020203" pitchFamily="34" charset="-122"/>
+                        <a:rPr lang="en-US" sz="1600" b="0" kern="1200" dirty="0">
+                          <a:solidFill>
+                            <a:schemeClr val="tx1"/>
+                          </a:solidFill>
+                          <a:latin typeface="微软雅黑" panose="020B0503020204020204" pitchFamily="34" charset="-122"/>
+                          <a:ea typeface="微软雅黑" panose="020B0503020204020204" pitchFamily="34" charset="-122"/>
                           <a:cs typeface="+mn-cs"/>
                         </a:rPr>
                         <a:t> -&gt; </a:t>
                       </a:r>
                       <a:r>
-                        <a:rPr lang="en-US" sz="1600" b="1" kern="1200" dirty="0" err="1">
-                          <a:solidFill>
-                            <a:schemeClr val="tx1"/>
-                          </a:solidFill>
-                          <a:latin typeface="Microsoft YaHei Light" panose="020B0502040204020203" pitchFamily="34" charset="-122"/>
-                          <a:ea typeface="Microsoft YaHei Light" panose="020B0502040204020203" pitchFamily="34" charset="-122"/>
+                        <a:rPr lang="en-US" sz="1600" b="0" kern="1200" dirty="0" err="1">
+                          <a:solidFill>
+                            <a:schemeClr val="tx1"/>
+                          </a:solidFill>
+                          <a:latin typeface="微软雅黑" panose="020B0503020204020204" pitchFamily="34" charset="-122"/>
+                          <a:ea typeface="微软雅黑" panose="020B0503020204020204" pitchFamily="34" charset="-122"/>
                           <a:cs typeface="+mn-cs"/>
                         </a:rPr>
                         <a:t>rd</a:t>
                       </a:r>
-                      <a:endParaRPr lang="zh-CN" altLang="en-US" sz="1600" b="1" kern="1200" dirty="0">
+                      <a:endParaRPr lang="zh-CN" altLang="en-US" sz="1600" b="0" kern="1200" dirty="0">
                         <a:solidFill>
                           <a:schemeClr val="tx1"/>
                         </a:solidFill>
-                        <a:latin typeface="Microsoft YaHei Light" panose="020B0502040204020203" pitchFamily="34" charset="-122"/>
-                        <a:ea typeface="Microsoft YaHei Light" panose="020B0502040204020203" pitchFamily="34" charset="-122"/>
+                        <a:latin typeface="微软雅黑" panose="020B0503020204020204" pitchFamily="34" charset="-122"/>
+                        <a:ea typeface="微软雅黑" panose="020B0503020204020204" pitchFamily="34" charset="-122"/>
                         <a:cs typeface="+mn-cs"/>
                       </a:endParaRPr>
                     </a:p>
@@ -19673,22 +21506,22 @@
                         </a:lnSpc>
                       </a:pPr>
                       <a:r>
-                        <a:rPr lang="en-US" sz="1600" b="1" kern="1200" dirty="0">
-                          <a:solidFill>
-                            <a:schemeClr val="tx1"/>
-                          </a:solidFill>
-                          <a:latin typeface="Microsoft YaHei Light" panose="020B0502040204020203" pitchFamily="34" charset="-122"/>
-                          <a:ea typeface="Microsoft YaHei Light" panose="020B0502040204020203" pitchFamily="34" charset="-122"/>
+                        <a:rPr lang="en-US" sz="1600" b="0" kern="1200" dirty="0">
+                          <a:solidFill>
+                            <a:schemeClr val="tx1"/>
+                          </a:solidFill>
+                          <a:latin typeface="微软雅黑" panose="020B0503020204020204" pitchFamily="34" charset="-122"/>
+                          <a:ea typeface="微软雅黑" panose="020B0503020204020204" pitchFamily="34" charset="-122"/>
                           <a:cs typeface="+mn-cs"/>
                         </a:rPr>
                         <a:t>ORI </a:t>
                       </a:r>
-                      <a:endParaRPr lang="zh-CN" altLang="en-US" sz="1600" b="1" kern="1200" dirty="0">
+                      <a:endParaRPr lang="zh-CN" altLang="en-US" sz="1600" b="0" kern="1200" dirty="0">
                         <a:solidFill>
                           <a:schemeClr val="tx1"/>
                         </a:solidFill>
-                        <a:latin typeface="Microsoft YaHei Light" panose="020B0502040204020203" pitchFamily="34" charset="-122"/>
-                        <a:ea typeface="Microsoft YaHei Light" panose="020B0502040204020203" pitchFamily="34" charset="-122"/>
+                        <a:latin typeface="微软雅黑" panose="020B0503020204020204" pitchFamily="34" charset="-122"/>
+                        <a:ea typeface="微软雅黑" panose="020B0503020204020204" pitchFamily="34" charset="-122"/>
                         <a:cs typeface="+mn-cs"/>
                       </a:endParaRPr>
                     </a:p>
@@ -19728,22 +21561,22 @@
                         </a:lnSpc>
                       </a:pPr>
                       <a:r>
-                        <a:rPr lang="en-US" sz="1600" b="1" kern="1200" dirty="0">
-                          <a:solidFill>
-                            <a:schemeClr val="tx1"/>
-                          </a:solidFill>
-                          <a:latin typeface="Microsoft YaHei Light" panose="020B0502040204020203" pitchFamily="34" charset="-122"/>
-                          <a:ea typeface="Microsoft YaHei Light" panose="020B0502040204020203" pitchFamily="34" charset="-122"/>
+                        <a:rPr lang="en-US" sz="1600" b="0" kern="1200" dirty="0">
+                          <a:solidFill>
+                            <a:schemeClr val="tx1"/>
+                          </a:solidFill>
+                          <a:latin typeface="微软雅黑" panose="020B0503020204020204" pitchFamily="34" charset="-122"/>
+                          <a:ea typeface="微软雅黑" panose="020B0503020204020204" pitchFamily="34" charset="-122"/>
                           <a:cs typeface="+mn-cs"/>
                         </a:rPr>
                         <a:t>ORI rd,rs1,imm</a:t>
                       </a:r>
-                      <a:endParaRPr lang="zh-CN" altLang="en-US" sz="1600" b="1" kern="1200" dirty="0">
+                      <a:endParaRPr lang="zh-CN" altLang="en-US" sz="1600" b="0" kern="1200" dirty="0">
                         <a:solidFill>
                           <a:schemeClr val="tx1"/>
                         </a:solidFill>
-                        <a:latin typeface="Microsoft YaHei Light" panose="020B0502040204020203" pitchFamily="34" charset="-122"/>
-                        <a:ea typeface="Microsoft YaHei Light" panose="020B0502040204020203" pitchFamily="34" charset="-122"/>
+                        <a:latin typeface="微软雅黑" panose="020B0503020204020204" pitchFamily="34" charset="-122"/>
+                        <a:ea typeface="微软雅黑" panose="020B0503020204020204" pitchFamily="34" charset="-122"/>
                         <a:cs typeface="+mn-cs"/>
                       </a:endParaRPr>
                     </a:p>
@@ -19783,55 +21616,55 @@
                         </a:lnSpc>
                       </a:pPr>
                       <a:r>
-                        <a:rPr lang="en-US" sz="1600" b="1" kern="1200" dirty="0">
-                          <a:solidFill>
-                            <a:schemeClr val="tx1"/>
-                          </a:solidFill>
-                          <a:latin typeface="Microsoft YaHei Light" panose="020B0502040204020203" pitchFamily="34" charset="-122"/>
-                          <a:ea typeface="Microsoft YaHei Light" panose="020B0502040204020203" pitchFamily="34" charset="-122"/>
+                        <a:rPr lang="en-US" sz="1600" b="0" kern="1200" dirty="0">
+                          <a:solidFill>
+                            <a:schemeClr val="tx1"/>
+                          </a:solidFill>
+                          <a:latin typeface="微软雅黑" panose="020B0503020204020204" pitchFamily="34" charset="-122"/>
+                          <a:ea typeface="微软雅黑" panose="020B0503020204020204" pitchFamily="34" charset="-122"/>
                           <a:cs typeface="+mn-cs"/>
                         </a:rPr>
                         <a:t>rs1 | </a:t>
                       </a:r>
                       <a:r>
-                        <a:rPr lang="en-US" sz="1600" b="1" kern="1200" dirty="0" err="1">
-                          <a:solidFill>
-                            <a:schemeClr val="tx1"/>
-                          </a:solidFill>
-                          <a:latin typeface="Microsoft YaHei Light" panose="020B0502040204020203" pitchFamily="34" charset="-122"/>
-                          <a:ea typeface="Microsoft YaHei Light" panose="020B0502040204020203" pitchFamily="34" charset="-122"/>
+                        <a:rPr lang="en-US" sz="1600" b="0" kern="1200" dirty="0" err="1">
+                          <a:solidFill>
+                            <a:schemeClr val="tx1"/>
+                          </a:solidFill>
+                          <a:latin typeface="微软雅黑" panose="020B0503020204020204" pitchFamily="34" charset="-122"/>
+                          <a:ea typeface="微软雅黑" panose="020B0503020204020204" pitchFamily="34" charset="-122"/>
                           <a:cs typeface="+mn-cs"/>
                         </a:rPr>
                         <a:t>imm</a:t>
                       </a:r>
                       <a:r>
-                        <a:rPr lang="en-US" sz="1600" b="1" kern="1200" dirty="0">
-                          <a:solidFill>
-                            <a:schemeClr val="tx1"/>
-                          </a:solidFill>
-                          <a:latin typeface="Microsoft YaHei Light" panose="020B0502040204020203" pitchFamily="34" charset="-122"/>
-                          <a:ea typeface="Microsoft YaHei Light" panose="020B0502040204020203" pitchFamily="34" charset="-122"/>
+                        <a:rPr lang="en-US" sz="1600" b="0" kern="1200" dirty="0">
+                          <a:solidFill>
+                            <a:schemeClr val="tx1"/>
+                          </a:solidFill>
+                          <a:latin typeface="微软雅黑" panose="020B0503020204020204" pitchFamily="34" charset="-122"/>
+                          <a:ea typeface="微软雅黑" panose="020B0503020204020204" pitchFamily="34" charset="-122"/>
                           <a:cs typeface="+mn-cs"/>
                         </a:rPr>
                         <a:t> -&gt; </a:t>
                       </a:r>
                       <a:r>
-                        <a:rPr lang="en-US" sz="1600" b="1" kern="1200" dirty="0" err="1">
-                          <a:solidFill>
-                            <a:schemeClr val="tx1"/>
-                          </a:solidFill>
-                          <a:latin typeface="Microsoft YaHei Light" panose="020B0502040204020203" pitchFamily="34" charset="-122"/>
-                          <a:ea typeface="Microsoft YaHei Light" panose="020B0502040204020203" pitchFamily="34" charset="-122"/>
+                        <a:rPr lang="en-US" sz="1600" b="0" kern="1200" dirty="0" err="1">
+                          <a:solidFill>
+                            <a:schemeClr val="tx1"/>
+                          </a:solidFill>
+                          <a:latin typeface="微软雅黑" panose="020B0503020204020204" pitchFamily="34" charset="-122"/>
+                          <a:ea typeface="微软雅黑" panose="020B0503020204020204" pitchFamily="34" charset="-122"/>
                           <a:cs typeface="+mn-cs"/>
                         </a:rPr>
                         <a:t>rd</a:t>
                       </a:r>
-                      <a:endParaRPr lang="zh-CN" altLang="en-US" sz="1600" b="1" kern="1200" dirty="0">
+                      <a:endParaRPr lang="zh-CN" altLang="en-US" sz="1600" b="0" kern="1200" dirty="0">
                         <a:solidFill>
                           <a:schemeClr val="tx1"/>
                         </a:solidFill>
-                        <a:latin typeface="Microsoft YaHei Light" panose="020B0502040204020203" pitchFamily="34" charset="-122"/>
-                        <a:ea typeface="Microsoft YaHei Light" panose="020B0502040204020203" pitchFamily="34" charset="-122"/>
+                        <a:latin typeface="微软雅黑" panose="020B0503020204020204" pitchFamily="34" charset="-122"/>
+                        <a:ea typeface="微软雅黑" panose="020B0503020204020204" pitchFamily="34" charset="-122"/>
                         <a:cs typeface="+mn-cs"/>
                       </a:endParaRPr>
                     </a:p>
@@ -19878,22 +21711,22 @@
                         </a:lnSpc>
                       </a:pPr>
                       <a:r>
-                        <a:rPr lang="en-US" sz="1600" b="1" kern="1200" dirty="0">
-                          <a:solidFill>
-                            <a:schemeClr val="tx1"/>
-                          </a:solidFill>
-                          <a:latin typeface="Microsoft YaHei Light" panose="020B0502040204020203" pitchFamily="34" charset="-122"/>
-                          <a:ea typeface="Microsoft YaHei Light" panose="020B0502040204020203" pitchFamily="34" charset="-122"/>
+                        <a:rPr lang="en-US" sz="1600" b="0" kern="1200" dirty="0">
+                          <a:solidFill>
+                            <a:schemeClr val="tx1"/>
+                          </a:solidFill>
+                          <a:latin typeface="微软雅黑" panose="020B0503020204020204" pitchFamily="34" charset="-122"/>
+                          <a:ea typeface="微软雅黑" panose="020B0503020204020204" pitchFamily="34" charset="-122"/>
                           <a:cs typeface="+mn-cs"/>
                         </a:rPr>
                         <a:t>SLTI</a:t>
                       </a:r>
-                      <a:endParaRPr lang="zh-CN" altLang="en-US" sz="1600" b="1" kern="1200" dirty="0">
+                      <a:endParaRPr lang="zh-CN" altLang="en-US" sz="1600" b="0" kern="1200" dirty="0">
                         <a:solidFill>
                           <a:schemeClr val="tx1"/>
                         </a:solidFill>
-                        <a:latin typeface="Microsoft YaHei Light" panose="020B0502040204020203" pitchFamily="34" charset="-122"/>
-                        <a:ea typeface="Microsoft YaHei Light" panose="020B0502040204020203" pitchFamily="34" charset="-122"/>
+                        <a:latin typeface="微软雅黑" panose="020B0503020204020204" pitchFamily="34" charset="-122"/>
+                        <a:ea typeface="微软雅黑" panose="020B0503020204020204" pitchFamily="34" charset="-122"/>
                         <a:cs typeface="+mn-cs"/>
                       </a:endParaRPr>
                     </a:p>
@@ -19933,22 +21766,22 @@
                         </a:lnSpc>
                       </a:pPr>
                       <a:r>
-                        <a:rPr lang="en-US" sz="1600" b="1" kern="1200" dirty="0">
-                          <a:solidFill>
-                            <a:schemeClr val="tx1"/>
-                          </a:solidFill>
-                          <a:latin typeface="Microsoft YaHei Light" panose="020B0502040204020203" pitchFamily="34" charset="-122"/>
-                          <a:ea typeface="Microsoft YaHei Light" panose="020B0502040204020203" pitchFamily="34" charset="-122"/>
+                        <a:rPr lang="en-US" sz="1600" b="0" kern="1200" dirty="0">
+                          <a:solidFill>
+                            <a:schemeClr val="tx1"/>
+                          </a:solidFill>
+                          <a:latin typeface="微软雅黑" panose="020B0503020204020204" pitchFamily="34" charset="-122"/>
+                          <a:ea typeface="微软雅黑" panose="020B0503020204020204" pitchFamily="34" charset="-122"/>
                           <a:cs typeface="+mn-cs"/>
                         </a:rPr>
                         <a:t>SLTI rd,rs1,imm</a:t>
                       </a:r>
-                      <a:endParaRPr lang="zh-CN" altLang="en-US" sz="1600" b="1" kern="1200" dirty="0">
+                      <a:endParaRPr lang="zh-CN" altLang="en-US" sz="1600" b="0" kern="1200" dirty="0">
                         <a:solidFill>
                           <a:schemeClr val="tx1"/>
                         </a:solidFill>
-                        <a:latin typeface="Microsoft YaHei Light" panose="020B0502040204020203" pitchFamily="34" charset="-122"/>
-                        <a:ea typeface="Microsoft YaHei Light" panose="020B0502040204020203" pitchFamily="34" charset="-122"/>
+                        <a:latin typeface="微软雅黑" panose="020B0503020204020204" pitchFamily="34" charset="-122"/>
+                        <a:ea typeface="微软雅黑" panose="020B0503020204020204" pitchFamily="34" charset="-122"/>
                         <a:cs typeface="+mn-cs"/>
                       </a:endParaRPr>
                     </a:p>
@@ -19988,88 +21821,88 @@
                         </a:lnSpc>
                       </a:pPr>
                       <a:r>
-                        <a:rPr lang="en-US" sz="1600" b="1" kern="1200" dirty="0">
-                          <a:solidFill>
-                            <a:schemeClr val="tx1"/>
-                          </a:solidFill>
-                          <a:latin typeface="Microsoft YaHei Light" panose="020B0502040204020203" pitchFamily="34" charset="-122"/>
-                          <a:ea typeface="Microsoft YaHei Light" panose="020B0502040204020203" pitchFamily="34" charset="-122"/>
+                        <a:rPr lang="en-US" sz="1600" b="0" kern="1200" dirty="0">
+                          <a:solidFill>
+                            <a:schemeClr val="tx1"/>
+                          </a:solidFill>
+                          <a:latin typeface="微软雅黑" panose="020B0503020204020204" pitchFamily="34" charset="-122"/>
+                          <a:ea typeface="微软雅黑" panose="020B0503020204020204" pitchFamily="34" charset="-122"/>
                           <a:cs typeface="+mn-cs"/>
                         </a:rPr>
                         <a:t>(</a:t>
                       </a:r>
                       <a:r>
-                        <a:rPr lang="zh-CN" altLang="en-US" sz="1600" b="1" kern="1200" dirty="0">
-                          <a:solidFill>
-                            <a:schemeClr val="tx1"/>
-                          </a:solidFill>
-                          <a:latin typeface="Microsoft YaHei Light" panose="020B0502040204020203" pitchFamily="34" charset="-122"/>
-                          <a:ea typeface="Microsoft YaHei Light" panose="020B0502040204020203" pitchFamily="34" charset="-122"/>
+                        <a:rPr lang="zh-CN" altLang="en-US" sz="1600" b="0" kern="1200" dirty="0">
+                          <a:solidFill>
+                            <a:schemeClr val="tx1"/>
+                          </a:solidFill>
+                          <a:latin typeface="微软雅黑" panose="020B0503020204020204" pitchFamily="34" charset="-122"/>
+                          <a:ea typeface="微软雅黑" panose="020B0503020204020204" pitchFamily="34" charset="-122"/>
                           <a:cs typeface="+mn-cs"/>
                         </a:rPr>
                         <a:t>有符号</a:t>
                       </a:r>
                       <a:r>
-                        <a:rPr lang="en-US" sz="1600" b="1" kern="1200" dirty="0">
-                          <a:solidFill>
-                            <a:schemeClr val="tx1"/>
-                          </a:solidFill>
-                          <a:latin typeface="Microsoft YaHei Light" panose="020B0502040204020203" pitchFamily="34" charset="-122"/>
-                          <a:ea typeface="Microsoft YaHei Light" panose="020B0502040204020203" pitchFamily="34" charset="-122"/>
+                        <a:rPr lang="en-US" sz="1600" b="0" kern="1200" dirty="0">
+                          <a:solidFill>
+                            <a:schemeClr val="tx1"/>
+                          </a:solidFill>
+                          <a:latin typeface="微软雅黑" panose="020B0503020204020204" pitchFamily="34" charset="-122"/>
+                          <a:ea typeface="微软雅黑" panose="020B0503020204020204" pitchFamily="34" charset="-122"/>
                           <a:cs typeface="+mn-cs"/>
                         </a:rPr>
                         <a:t>)rs1&lt;</a:t>
                       </a:r>
                       <a:r>
-                        <a:rPr lang="en-US" sz="1600" b="1" kern="1200" dirty="0" err="1">
-                          <a:solidFill>
-                            <a:schemeClr val="tx1"/>
-                          </a:solidFill>
-                          <a:latin typeface="Microsoft YaHei Light" panose="020B0502040204020203" pitchFamily="34" charset="-122"/>
-                          <a:ea typeface="Microsoft YaHei Light" panose="020B0502040204020203" pitchFamily="34" charset="-122"/>
+                        <a:rPr lang="en-US" sz="1600" b="0" kern="1200" dirty="0" err="1">
+                          <a:solidFill>
+                            <a:schemeClr val="tx1"/>
+                          </a:solidFill>
+                          <a:latin typeface="微软雅黑" panose="020B0503020204020204" pitchFamily="34" charset="-122"/>
+                          <a:ea typeface="微软雅黑" panose="020B0503020204020204" pitchFamily="34" charset="-122"/>
                           <a:cs typeface="+mn-cs"/>
                         </a:rPr>
                         <a:t>imm</a:t>
                       </a:r>
                       <a:r>
-                        <a:rPr lang="zh-CN" altLang="en-US" sz="1600" b="1" kern="1200" dirty="0">
-                          <a:solidFill>
-                            <a:schemeClr val="tx1"/>
-                          </a:solidFill>
-                          <a:latin typeface="Microsoft YaHei Light" panose="020B0502040204020203" pitchFamily="34" charset="-122"/>
-                          <a:ea typeface="Microsoft YaHei Light" panose="020B0502040204020203" pitchFamily="34" charset="-122"/>
+                        <a:rPr lang="zh-CN" altLang="en-US" sz="1600" b="0" kern="1200" dirty="0">
+                          <a:solidFill>
+                            <a:schemeClr val="tx1"/>
+                          </a:solidFill>
+                          <a:latin typeface="微软雅黑" panose="020B0503020204020204" pitchFamily="34" charset="-122"/>
+                          <a:ea typeface="微软雅黑" panose="020B0503020204020204" pitchFamily="34" charset="-122"/>
                           <a:cs typeface="+mn-cs"/>
                         </a:rPr>
                         <a:t>时，</a:t>
                       </a:r>
                       <a:r>
-                        <a:rPr lang="en-US" sz="1600" b="1" kern="1200" dirty="0" err="1">
-                          <a:solidFill>
-                            <a:schemeClr val="tx1"/>
-                          </a:solidFill>
-                          <a:latin typeface="Microsoft YaHei Light" panose="020B0502040204020203" pitchFamily="34" charset="-122"/>
-                          <a:ea typeface="Microsoft YaHei Light" panose="020B0502040204020203" pitchFamily="34" charset="-122"/>
+                        <a:rPr lang="en-US" sz="1600" b="0" kern="1200" dirty="0" err="1">
+                          <a:solidFill>
+                            <a:schemeClr val="tx1"/>
+                          </a:solidFill>
+                          <a:latin typeface="微软雅黑" panose="020B0503020204020204" pitchFamily="34" charset="-122"/>
+                          <a:ea typeface="微软雅黑" panose="020B0503020204020204" pitchFamily="34" charset="-122"/>
                           <a:cs typeface="+mn-cs"/>
                         </a:rPr>
                         <a:t>rd</a:t>
                       </a:r>
                       <a:r>
-                        <a:rPr lang="en-US" sz="1600" b="1" kern="1200" dirty="0">
-                          <a:solidFill>
-                            <a:schemeClr val="tx1"/>
-                          </a:solidFill>
-                          <a:latin typeface="Microsoft YaHei Light" panose="020B0502040204020203" pitchFamily="34" charset="-122"/>
-                          <a:ea typeface="Microsoft YaHei Light" panose="020B0502040204020203" pitchFamily="34" charset="-122"/>
+                        <a:rPr lang="en-US" sz="1600" b="0" kern="1200" dirty="0">
+                          <a:solidFill>
+                            <a:schemeClr val="tx1"/>
+                          </a:solidFill>
+                          <a:latin typeface="微软雅黑" panose="020B0503020204020204" pitchFamily="34" charset="-122"/>
+                          <a:ea typeface="微软雅黑" panose="020B0503020204020204" pitchFamily="34" charset="-122"/>
                           <a:cs typeface="+mn-cs"/>
                         </a:rPr>
                         <a:t>=1</a:t>
                       </a:r>
-                      <a:endParaRPr lang="zh-CN" altLang="en-US" sz="1600" b="1" kern="1200" dirty="0">
+                      <a:endParaRPr lang="zh-CN" altLang="en-US" sz="1600" b="0" kern="1200" dirty="0">
                         <a:solidFill>
                           <a:schemeClr val="tx1"/>
                         </a:solidFill>
-                        <a:latin typeface="Microsoft YaHei Light" panose="020B0502040204020203" pitchFamily="34" charset="-122"/>
-                        <a:ea typeface="Microsoft YaHei Light" panose="020B0502040204020203" pitchFamily="34" charset="-122"/>
+                        <a:latin typeface="微软雅黑" panose="020B0503020204020204" pitchFamily="34" charset="-122"/>
+                        <a:ea typeface="微软雅黑" panose="020B0503020204020204" pitchFamily="34" charset="-122"/>
                         <a:cs typeface="+mn-cs"/>
                       </a:endParaRPr>
                     </a:p>
@@ -20116,22 +21949,22 @@
                         </a:lnSpc>
                       </a:pPr>
                       <a:r>
-                        <a:rPr lang="en-US" sz="1600" b="1" kern="1200" dirty="0">
-                          <a:solidFill>
-                            <a:schemeClr val="tx1"/>
-                          </a:solidFill>
-                          <a:latin typeface="Microsoft YaHei Light" panose="020B0502040204020203" pitchFamily="34" charset="-122"/>
-                          <a:ea typeface="Microsoft YaHei Light" panose="020B0502040204020203" pitchFamily="34" charset="-122"/>
+                        <a:rPr lang="en-US" sz="1600" b="0" kern="1200" dirty="0">
+                          <a:solidFill>
+                            <a:schemeClr val="tx1"/>
+                          </a:solidFill>
+                          <a:latin typeface="微软雅黑" panose="020B0503020204020204" pitchFamily="34" charset="-122"/>
+                          <a:ea typeface="微软雅黑" panose="020B0503020204020204" pitchFamily="34" charset="-122"/>
                           <a:cs typeface="+mn-cs"/>
                         </a:rPr>
                         <a:t>SLTIU</a:t>
                       </a:r>
-                      <a:endParaRPr lang="zh-CN" altLang="en-US" sz="1600" b="1" kern="1200" dirty="0">
+                      <a:endParaRPr lang="zh-CN" altLang="en-US" sz="1600" b="0" kern="1200" dirty="0">
                         <a:solidFill>
                           <a:schemeClr val="tx1"/>
                         </a:solidFill>
-                        <a:latin typeface="Microsoft YaHei Light" panose="020B0502040204020203" pitchFamily="34" charset="-122"/>
-                        <a:ea typeface="Microsoft YaHei Light" panose="020B0502040204020203" pitchFamily="34" charset="-122"/>
+                        <a:latin typeface="微软雅黑" panose="020B0503020204020204" pitchFamily="34" charset="-122"/>
+                        <a:ea typeface="微软雅黑" panose="020B0503020204020204" pitchFamily="34" charset="-122"/>
                         <a:cs typeface="+mn-cs"/>
                       </a:endParaRPr>
                     </a:p>
@@ -20171,22 +22004,22 @@
                         </a:lnSpc>
                       </a:pPr>
                       <a:r>
-                        <a:rPr lang="en-US" sz="1600" b="1" kern="1200" dirty="0">
-                          <a:solidFill>
-                            <a:schemeClr val="tx1"/>
-                          </a:solidFill>
-                          <a:latin typeface="Microsoft YaHei Light" panose="020B0502040204020203" pitchFamily="34" charset="-122"/>
-                          <a:ea typeface="Microsoft YaHei Light" panose="020B0502040204020203" pitchFamily="34" charset="-122"/>
+                        <a:rPr lang="en-US" sz="1600" b="0" kern="1200" dirty="0">
+                          <a:solidFill>
+                            <a:schemeClr val="tx1"/>
+                          </a:solidFill>
+                          <a:latin typeface="微软雅黑" panose="020B0503020204020204" pitchFamily="34" charset="-122"/>
+                          <a:ea typeface="微软雅黑" panose="020B0503020204020204" pitchFamily="34" charset="-122"/>
                           <a:cs typeface="+mn-cs"/>
                         </a:rPr>
                         <a:t>SLTIU rd,rs1,imm</a:t>
                       </a:r>
-                      <a:endParaRPr lang="zh-CN" altLang="en-US" sz="1600" b="1" kern="1200" dirty="0">
+                      <a:endParaRPr lang="zh-CN" altLang="en-US" sz="1600" b="0" kern="1200" dirty="0">
                         <a:solidFill>
                           <a:schemeClr val="tx1"/>
                         </a:solidFill>
-                        <a:latin typeface="Microsoft YaHei Light" panose="020B0502040204020203" pitchFamily="34" charset="-122"/>
-                        <a:ea typeface="Microsoft YaHei Light" panose="020B0502040204020203" pitchFamily="34" charset="-122"/>
+                        <a:latin typeface="微软雅黑" panose="020B0503020204020204" pitchFamily="34" charset="-122"/>
+                        <a:ea typeface="微软雅黑" panose="020B0503020204020204" pitchFamily="34" charset="-122"/>
                         <a:cs typeface="+mn-cs"/>
                       </a:endParaRPr>
                     </a:p>
@@ -20226,88 +22059,88 @@
                         </a:lnSpc>
                       </a:pPr>
                       <a:r>
-                        <a:rPr lang="en-US" sz="1600" b="1" kern="1200" dirty="0">
-                          <a:solidFill>
-                            <a:schemeClr val="tx1"/>
-                          </a:solidFill>
-                          <a:latin typeface="Microsoft YaHei Light" panose="020B0502040204020203" pitchFamily="34" charset="-122"/>
-                          <a:ea typeface="Microsoft YaHei Light" panose="020B0502040204020203" pitchFamily="34" charset="-122"/>
+                        <a:rPr lang="en-US" sz="1600" b="0" kern="1200" dirty="0">
+                          <a:solidFill>
+                            <a:schemeClr val="tx1"/>
+                          </a:solidFill>
+                          <a:latin typeface="微软雅黑" panose="020B0503020204020204" pitchFamily="34" charset="-122"/>
+                          <a:ea typeface="微软雅黑" panose="020B0503020204020204" pitchFamily="34" charset="-122"/>
                           <a:cs typeface="+mn-cs"/>
                         </a:rPr>
                         <a:t>(</a:t>
                       </a:r>
                       <a:r>
-                        <a:rPr lang="zh-CN" altLang="en-US" sz="1600" b="1" kern="1200" dirty="0">
-                          <a:solidFill>
-                            <a:schemeClr val="tx1"/>
-                          </a:solidFill>
-                          <a:latin typeface="Microsoft YaHei Light" panose="020B0502040204020203" pitchFamily="34" charset="-122"/>
-                          <a:ea typeface="Microsoft YaHei Light" panose="020B0502040204020203" pitchFamily="34" charset="-122"/>
+                        <a:rPr lang="zh-CN" altLang="en-US" sz="1600" b="0" kern="1200" dirty="0">
+                          <a:solidFill>
+                            <a:schemeClr val="tx1"/>
+                          </a:solidFill>
+                          <a:latin typeface="微软雅黑" panose="020B0503020204020204" pitchFamily="34" charset="-122"/>
+                          <a:ea typeface="微软雅黑" panose="020B0503020204020204" pitchFamily="34" charset="-122"/>
                           <a:cs typeface="+mn-cs"/>
                         </a:rPr>
                         <a:t>无符号</a:t>
                       </a:r>
                       <a:r>
-                        <a:rPr lang="en-US" sz="1600" b="1" kern="1200" dirty="0">
-                          <a:solidFill>
-                            <a:schemeClr val="tx1"/>
-                          </a:solidFill>
-                          <a:latin typeface="Microsoft YaHei Light" panose="020B0502040204020203" pitchFamily="34" charset="-122"/>
-                          <a:ea typeface="Microsoft YaHei Light" panose="020B0502040204020203" pitchFamily="34" charset="-122"/>
+                        <a:rPr lang="en-US" sz="1600" b="0" kern="1200" dirty="0">
+                          <a:solidFill>
+                            <a:schemeClr val="tx1"/>
+                          </a:solidFill>
+                          <a:latin typeface="微软雅黑" panose="020B0503020204020204" pitchFamily="34" charset="-122"/>
+                          <a:ea typeface="微软雅黑" panose="020B0503020204020204" pitchFamily="34" charset="-122"/>
                           <a:cs typeface="+mn-cs"/>
                         </a:rPr>
                         <a:t>)rs1&lt;</a:t>
                       </a:r>
                       <a:r>
-                        <a:rPr lang="en-US" sz="1600" b="1" kern="1200" dirty="0" err="1">
-                          <a:solidFill>
-                            <a:schemeClr val="tx1"/>
-                          </a:solidFill>
-                          <a:latin typeface="Microsoft YaHei Light" panose="020B0502040204020203" pitchFamily="34" charset="-122"/>
-                          <a:ea typeface="Microsoft YaHei Light" panose="020B0502040204020203" pitchFamily="34" charset="-122"/>
+                        <a:rPr lang="en-US" sz="1600" b="0" kern="1200" dirty="0" err="1">
+                          <a:solidFill>
+                            <a:schemeClr val="tx1"/>
+                          </a:solidFill>
+                          <a:latin typeface="微软雅黑" panose="020B0503020204020204" pitchFamily="34" charset="-122"/>
+                          <a:ea typeface="微软雅黑" panose="020B0503020204020204" pitchFamily="34" charset="-122"/>
                           <a:cs typeface="+mn-cs"/>
                         </a:rPr>
                         <a:t>imm</a:t>
                       </a:r>
                       <a:r>
-                        <a:rPr lang="zh-CN" altLang="en-US" sz="1600" b="1" kern="1200" dirty="0">
-                          <a:solidFill>
-                            <a:schemeClr val="tx1"/>
-                          </a:solidFill>
-                          <a:latin typeface="Microsoft YaHei Light" panose="020B0502040204020203" pitchFamily="34" charset="-122"/>
-                          <a:ea typeface="Microsoft YaHei Light" panose="020B0502040204020203" pitchFamily="34" charset="-122"/>
+                        <a:rPr lang="zh-CN" altLang="en-US" sz="1600" b="0" kern="1200" dirty="0">
+                          <a:solidFill>
+                            <a:schemeClr val="tx1"/>
+                          </a:solidFill>
+                          <a:latin typeface="微软雅黑" panose="020B0503020204020204" pitchFamily="34" charset="-122"/>
+                          <a:ea typeface="微软雅黑" panose="020B0503020204020204" pitchFamily="34" charset="-122"/>
                           <a:cs typeface="+mn-cs"/>
                         </a:rPr>
                         <a:t>时，</a:t>
                       </a:r>
                       <a:r>
-                        <a:rPr lang="en-US" sz="1600" b="1" kern="1200" dirty="0" err="1">
-                          <a:solidFill>
-                            <a:schemeClr val="tx1"/>
-                          </a:solidFill>
-                          <a:latin typeface="Microsoft YaHei Light" panose="020B0502040204020203" pitchFamily="34" charset="-122"/>
-                          <a:ea typeface="Microsoft YaHei Light" panose="020B0502040204020203" pitchFamily="34" charset="-122"/>
+                        <a:rPr lang="en-US" sz="1600" b="0" kern="1200" dirty="0" err="1">
+                          <a:solidFill>
+                            <a:schemeClr val="tx1"/>
+                          </a:solidFill>
+                          <a:latin typeface="微软雅黑" panose="020B0503020204020204" pitchFamily="34" charset="-122"/>
+                          <a:ea typeface="微软雅黑" panose="020B0503020204020204" pitchFamily="34" charset="-122"/>
                           <a:cs typeface="+mn-cs"/>
                         </a:rPr>
                         <a:t>rd</a:t>
                       </a:r>
                       <a:r>
-                        <a:rPr lang="en-US" sz="1600" b="1" kern="1200" dirty="0">
-                          <a:solidFill>
-                            <a:schemeClr val="tx1"/>
-                          </a:solidFill>
-                          <a:latin typeface="Microsoft YaHei Light" panose="020B0502040204020203" pitchFamily="34" charset="-122"/>
-                          <a:ea typeface="Microsoft YaHei Light" panose="020B0502040204020203" pitchFamily="34" charset="-122"/>
+                        <a:rPr lang="en-US" sz="1600" b="0" kern="1200" dirty="0">
+                          <a:solidFill>
+                            <a:schemeClr val="tx1"/>
+                          </a:solidFill>
+                          <a:latin typeface="微软雅黑" panose="020B0503020204020204" pitchFamily="34" charset="-122"/>
+                          <a:ea typeface="微软雅黑" panose="020B0503020204020204" pitchFamily="34" charset="-122"/>
                           <a:cs typeface="+mn-cs"/>
                         </a:rPr>
                         <a:t>=1</a:t>
                       </a:r>
-                      <a:endParaRPr lang="zh-CN" altLang="en-US" sz="1600" b="1" kern="1200" dirty="0">
+                      <a:endParaRPr lang="zh-CN" altLang="en-US" sz="1600" b="0" kern="1200" dirty="0">
                         <a:solidFill>
                           <a:schemeClr val="tx1"/>
                         </a:solidFill>
-                        <a:latin typeface="Microsoft YaHei Light" panose="020B0502040204020203" pitchFamily="34" charset="-122"/>
-                        <a:ea typeface="Microsoft YaHei Light" panose="020B0502040204020203" pitchFamily="34" charset="-122"/>
+                        <a:latin typeface="微软雅黑" panose="020B0503020204020204" pitchFamily="34" charset="-122"/>
+                        <a:ea typeface="微软雅黑" panose="020B0503020204020204" pitchFamily="34" charset="-122"/>
                         <a:cs typeface="+mn-cs"/>
                       </a:endParaRPr>
                     </a:p>
@@ -20354,22 +22187,22 @@
                         </a:lnSpc>
                       </a:pPr>
                       <a:r>
-                        <a:rPr lang="en-US" sz="1600" b="1" kern="1200" dirty="0">
-                          <a:solidFill>
-                            <a:schemeClr val="tx1"/>
-                          </a:solidFill>
-                          <a:latin typeface="Microsoft YaHei Light" panose="020B0502040204020203" pitchFamily="34" charset="-122"/>
-                          <a:ea typeface="Microsoft YaHei Light" panose="020B0502040204020203" pitchFamily="34" charset="-122"/>
+                        <a:rPr lang="en-US" sz="1600" b="0" kern="1200" dirty="0">
+                          <a:solidFill>
+                            <a:schemeClr val="tx1"/>
+                          </a:solidFill>
+                          <a:latin typeface="微软雅黑" panose="020B0503020204020204" pitchFamily="34" charset="-122"/>
+                          <a:ea typeface="微软雅黑" panose="020B0503020204020204" pitchFamily="34" charset="-122"/>
                           <a:cs typeface="+mn-cs"/>
                         </a:rPr>
                         <a:t>SLLI</a:t>
                       </a:r>
-                      <a:endParaRPr lang="zh-CN" altLang="en-US" sz="1600" b="1" kern="1200" dirty="0">
+                      <a:endParaRPr lang="zh-CN" altLang="en-US" sz="1600" b="0" kern="1200" dirty="0">
                         <a:solidFill>
                           <a:schemeClr val="tx1"/>
                         </a:solidFill>
-                        <a:latin typeface="Microsoft YaHei Light" panose="020B0502040204020203" pitchFamily="34" charset="-122"/>
-                        <a:ea typeface="Microsoft YaHei Light" panose="020B0502040204020203" pitchFamily="34" charset="-122"/>
+                        <a:latin typeface="微软雅黑" panose="020B0503020204020204" pitchFamily="34" charset="-122"/>
+                        <a:ea typeface="微软雅黑" panose="020B0503020204020204" pitchFamily="34" charset="-122"/>
                         <a:cs typeface="+mn-cs"/>
                       </a:endParaRPr>
                     </a:p>
@@ -20409,22 +22242,22 @@
                         </a:lnSpc>
                       </a:pPr>
                       <a:r>
-                        <a:rPr lang="en-US" sz="1600" b="1" kern="1200" dirty="0">
-                          <a:solidFill>
-                            <a:schemeClr val="tx1"/>
-                          </a:solidFill>
-                          <a:latin typeface="Microsoft YaHei Light" panose="020B0502040204020203" pitchFamily="34" charset="-122"/>
-                          <a:ea typeface="Microsoft YaHei Light" panose="020B0502040204020203" pitchFamily="34" charset="-122"/>
+                        <a:rPr lang="en-US" sz="1600" b="0" kern="1200" dirty="0">
+                          <a:solidFill>
+                            <a:schemeClr val="tx1"/>
+                          </a:solidFill>
+                          <a:latin typeface="微软雅黑" panose="020B0503020204020204" pitchFamily="34" charset="-122"/>
+                          <a:ea typeface="微软雅黑" panose="020B0503020204020204" pitchFamily="34" charset="-122"/>
                           <a:cs typeface="+mn-cs"/>
                         </a:rPr>
                         <a:t>SLLI rd,rs1,imm</a:t>
                       </a:r>
-                      <a:endParaRPr lang="zh-CN" altLang="en-US" sz="1600" b="1" kern="1200" dirty="0">
+                      <a:endParaRPr lang="zh-CN" altLang="en-US" sz="1600" b="0" kern="1200" dirty="0">
                         <a:solidFill>
                           <a:schemeClr val="tx1"/>
                         </a:solidFill>
-                        <a:latin typeface="Microsoft YaHei Light" panose="020B0502040204020203" pitchFamily="34" charset="-122"/>
-                        <a:ea typeface="Microsoft YaHei Light" panose="020B0502040204020203" pitchFamily="34" charset="-122"/>
+                        <a:latin typeface="微软雅黑" panose="020B0503020204020204" pitchFamily="34" charset="-122"/>
+                        <a:ea typeface="微软雅黑" panose="020B0503020204020204" pitchFamily="34" charset="-122"/>
                         <a:cs typeface="+mn-cs"/>
                       </a:endParaRPr>
                     </a:p>
@@ -20464,88 +22297,88 @@
                         </a:lnSpc>
                       </a:pPr>
                       <a:r>
-                        <a:rPr lang="en-US" sz="1600" b="1" kern="1200" dirty="0">
-                          <a:solidFill>
-                            <a:schemeClr val="tx1"/>
-                          </a:solidFill>
-                          <a:latin typeface="Microsoft YaHei Light" panose="020B0502040204020203" pitchFamily="34" charset="-122"/>
-                          <a:ea typeface="Microsoft YaHei Light" panose="020B0502040204020203" pitchFamily="34" charset="-122"/>
+                        <a:rPr lang="en-US" sz="1600" b="0" kern="1200" dirty="0">
+                          <a:solidFill>
+                            <a:schemeClr val="tx1"/>
+                          </a:solidFill>
+                          <a:latin typeface="微软雅黑" panose="020B0503020204020204" pitchFamily="34" charset="-122"/>
+                          <a:ea typeface="微软雅黑" panose="020B0503020204020204" pitchFamily="34" charset="-122"/>
                           <a:cs typeface="+mn-cs"/>
                         </a:rPr>
                         <a:t>rs1 &lt;&lt; </a:t>
                       </a:r>
                       <a:r>
-                        <a:rPr lang="en-US" sz="1600" b="1" kern="1200" dirty="0" err="1">
-                          <a:solidFill>
-                            <a:schemeClr val="tx1"/>
-                          </a:solidFill>
-                          <a:latin typeface="Microsoft YaHei Light" panose="020B0502040204020203" pitchFamily="34" charset="-122"/>
-                          <a:ea typeface="Microsoft YaHei Light" panose="020B0502040204020203" pitchFamily="34" charset="-122"/>
+                        <a:rPr lang="en-US" sz="1600" b="0" kern="1200" dirty="0" err="1">
+                          <a:solidFill>
+                            <a:schemeClr val="tx1"/>
+                          </a:solidFill>
+                          <a:latin typeface="微软雅黑" panose="020B0503020204020204" pitchFamily="34" charset="-122"/>
+                          <a:ea typeface="微软雅黑" panose="020B0503020204020204" pitchFamily="34" charset="-122"/>
                           <a:cs typeface="+mn-cs"/>
                         </a:rPr>
                         <a:t>imm</a:t>
                       </a:r>
                       <a:r>
-                        <a:rPr lang="en-US" sz="1600" b="1" kern="1200" dirty="0">
-                          <a:solidFill>
-                            <a:schemeClr val="tx1"/>
-                          </a:solidFill>
-                          <a:latin typeface="Microsoft YaHei Light" panose="020B0502040204020203" pitchFamily="34" charset="-122"/>
-                          <a:ea typeface="Microsoft YaHei Light" panose="020B0502040204020203" pitchFamily="34" charset="-122"/>
+                        <a:rPr lang="en-US" sz="1600" b="0" kern="1200" dirty="0">
+                          <a:solidFill>
+                            <a:schemeClr val="tx1"/>
+                          </a:solidFill>
+                          <a:latin typeface="微软雅黑" panose="020B0503020204020204" pitchFamily="34" charset="-122"/>
+                          <a:ea typeface="微软雅黑" panose="020B0503020204020204" pitchFamily="34" charset="-122"/>
                           <a:cs typeface="+mn-cs"/>
                         </a:rPr>
                         <a:t> -&gt; </a:t>
                       </a:r>
                       <a:r>
-                        <a:rPr lang="en-US" sz="1600" b="1" kern="1200" dirty="0" err="1">
-                          <a:solidFill>
-                            <a:schemeClr val="tx1"/>
-                          </a:solidFill>
-                          <a:latin typeface="Microsoft YaHei Light" panose="020B0502040204020203" pitchFamily="34" charset="-122"/>
-                          <a:ea typeface="Microsoft YaHei Light" panose="020B0502040204020203" pitchFamily="34" charset="-122"/>
+                        <a:rPr lang="en-US" sz="1600" b="0" kern="1200" dirty="0" err="1">
+                          <a:solidFill>
+                            <a:schemeClr val="tx1"/>
+                          </a:solidFill>
+                          <a:latin typeface="微软雅黑" panose="020B0503020204020204" pitchFamily="34" charset="-122"/>
+                          <a:ea typeface="微软雅黑" panose="020B0503020204020204" pitchFamily="34" charset="-122"/>
                           <a:cs typeface="+mn-cs"/>
                         </a:rPr>
                         <a:t>rd</a:t>
                       </a:r>
                       <a:r>
-                        <a:rPr lang="en-US" sz="1600" b="1" kern="1200" dirty="0">
-                          <a:solidFill>
-                            <a:schemeClr val="tx1"/>
-                          </a:solidFill>
-                          <a:latin typeface="Microsoft YaHei Light" panose="020B0502040204020203" pitchFamily="34" charset="-122"/>
-                          <a:ea typeface="Microsoft YaHei Light" panose="020B0502040204020203" pitchFamily="34" charset="-122"/>
+                        <a:rPr lang="en-US" sz="1600" b="0" kern="1200" dirty="0">
+                          <a:solidFill>
+                            <a:schemeClr val="tx1"/>
+                          </a:solidFill>
+                          <a:latin typeface="微软雅黑" panose="020B0503020204020204" pitchFamily="34" charset="-122"/>
+                          <a:ea typeface="微软雅黑" panose="020B0503020204020204" pitchFamily="34" charset="-122"/>
                           <a:cs typeface="+mn-cs"/>
                         </a:rPr>
                         <a:t> (</a:t>
                       </a:r>
                       <a:r>
-                        <a:rPr lang="zh-CN" altLang="en-US" sz="1600" b="1" kern="1200" dirty="0">
-                          <a:solidFill>
-                            <a:schemeClr val="tx1"/>
-                          </a:solidFill>
-                          <a:latin typeface="Microsoft YaHei Light" panose="020B0502040204020203" pitchFamily="34" charset="-122"/>
-                          <a:ea typeface="Microsoft YaHei Light" panose="020B0502040204020203" pitchFamily="34" charset="-122"/>
+                        <a:rPr lang="zh-CN" altLang="en-US" sz="1600" b="0" kern="1200" dirty="0">
+                          <a:solidFill>
+                            <a:schemeClr val="tx1"/>
+                          </a:solidFill>
+                          <a:latin typeface="微软雅黑" panose="020B0503020204020204" pitchFamily="34" charset="-122"/>
+                          <a:ea typeface="微软雅黑" panose="020B0503020204020204" pitchFamily="34" charset="-122"/>
                           <a:cs typeface="+mn-cs"/>
                         </a:rPr>
                         <a:t>有符号</a:t>
                       </a:r>
                       <a:r>
-                        <a:rPr lang="en-US" sz="1600" b="1" kern="1200" dirty="0">
-                          <a:solidFill>
-                            <a:schemeClr val="tx1"/>
-                          </a:solidFill>
-                          <a:latin typeface="Microsoft YaHei Light" panose="020B0502040204020203" pitchFamily="34" charset="-122"/>
-                          <a:ea typeface="Microsoft YaHei Light" panose="020B0502040204020203" pitchFamily="34" charset="-122"/>
+                        <a:rPr lang="en-US" sz="1600" b="0" kern="1200" dirty="0">
+                          <a:solidFill>
+                            <a:schemeClr val="tx1"/>
+                          </a:solidFill>
+                          <a:latin typeface="微软雅黑" panose="020B0503020204020204" pitchFamily="34" charset="-122"/>
+                          <a:ea typeface="微软雅黑" panose="020B0503020204020204" pitchFamily="34" charset="-122"/>
                           <a:cs typeface="+mn-cs"/>
                         </a:rPr>
                         <a:t>)</a:t>
                       </a:r>
-                      <a:endParaRPr lang="zh-CN" altLang="en-US" sz="1600" b="1" kern="1200" dirty="0">
+                      <a:endParaRPr lang="zh-CN" altLang="en-US" sz="1600" b="0" kern="1200" dirty="0">
                         <a:solidFill>
                           <a:schemeClr val="tx1"/>
                         </a:solidFill>
-                        <a:latin typeface="Microsoft YaHei Light" panose="020B0502040204020203" pitchFamily="34" charset="-122"/>
-                        <a:ea typeface="Microsoft YaHei Light" panose="020B0502040204020203" pitchFamily="34" charset="-122"/>
+                        <a:latin typeface="微软雅黑" panose="020B0503020204020204" pitchFamily="34" charset="-122"/>
+                        <a:ea typeface="微软雅黑" panose="020B0503020204020204" pitchFamily="34" charset="-122"/>
                         <a:cs typeface="+mn-cs"/>
                       </a:endParaRPr>
                     </a:p>
@@ -20592,22 +22425,22 @@
                         </a:lnSpc>
                       </a:pPr>
                       <a:r>
-                        <a:rPr lang="en-US" sz="1600" b="1" kern="1200" dirty="0">
-                          <a:solidFill>
-                            <a:schemeClr val="tx1"/>
-                          </a:solidFill>
-                          <a:latin typeface="Microsoft YaHei Light" panose="020B0502040204020203" pitchFamily="34" charset="-122"/>
-                          <a:ea typeface="Microsoft YaHei Light" panose="020B0502040204020203" pitchFamily="34" charset="-122"/>
+                        <a:rPr lang="en-US" sz="1600" b="0" kern="1200" dirty="0">
+                          <a:solidFill>
+                            <a:schemeClr val="tx1"/>
+                          </a:solidFill>
+                          <a:latin typeface="微软雅黑" panose="020B0503020204020204" pitchFamily="34" charset="-122"/>
+                          <a:ea typeface="微软雅黑" panose="020B0503020204020204" pitchFamily="34" charset="-122"/>
                           <a:cs typeface="+mn-cs"/>
                         </a:rPr>
                         <a:t>SRLT</a:t>
                       </a:r>
-                      <a:endParaRPr lang="zh-CN" altLang="en-US" sz="1600" b="1" kern="1200" dirty="0">
+                      <a:endParaRPr lang="zh-CN" altLang="en-US" sz="1600" b="0" kern="1200" dirty="0">
                         <a:solidFill>
                           <a:schemeClr val="tx1"/>
                         </a:solidFill>
-                        <a:latin typeface="Microsoft YaHei Light" panose="020B0502040204020203" pitchFamily="34" charset="-122"/>
-                        <a:ea typeface="Microsoft YaHei Light" panose="020B0502040204020203" pitchFamily="34" charset="-122"/>
+                        <a:latin typeface="微软雅黑" panose="020B0503020204020204" pitchFamily="34" charset="-122"/>
+                        <a:ea typeface="微软雅黑" panose="020B0503020204020204" pitchFamily="34" charset="-122"/>
                         <a:cs typeface="+mn-cs"/>
                       </a:endParaRPr>
                     </a:p>
@@ -20647,22 +22480,22 @@
                         </a:lnSpc>
                       </a:pPr>
                       <a:r>
-                        <a:rPr lang="en-US" sz="1600" b="1" kern="1200" dirty="0">
-                          <a:solidFill>
-                            <a:schemeClr val="tx1"/>
-                          </a:solidFill>
-                          <a:latin typeface="Microsoft YaHei Light" panose="020B0502040204020203" pitchFamily="34" charset="-122"/>
-                          <a:ea typeface="Microsoft YaHei Light" panose="020B0502040204020203" pitchFamily="34" charset="-122"/>
+                        <a:rPr lang="en-US" sz="1600" b="0" kern="1200" dirty="0">
+                          <a:solidFill>
+                            <a:schemeClr val="tx1"/>
+                          </a:solidFill>
+                          <a:latin typeface="微软雅黑" panose="020B0503020204020204" pitchFamily="34" charset="-122"/>
+                          <a:ea typeface="微软雅黑" panose="020B0503020204020204" pitchFamily="34" charset="-122"/>
                           <a:cs typeface="+mn-cs"/>
                         </a:rPr>
                         <a:t>SRLI rd,rs1,imm</a:t>
                       </a:r>
-                      <a:endParaRPr lang="zh-CN" altLang="en-US" sz="1600" b="1" kern="1200" dirty="0">
+                      <a:endParaRPr lang="zh-CN" altLang="en-US" sz="1600" b="0" kern="1200" dirty="0">
                         <a:solidFill>
                           <a:schemeClr val="tx1"/>
                         </a:solidFill>
-                        <a:latin typeface="Microsoft YaHei Light" panose="020B0502040204020203" pitchFamily="34" charset="-122"/>
-                        <a:ea typeface="Microsoft YaHei Light" panose="020B0502040204020203" pitchFamily="34" charset="-122"/>
+                        <a:latin typeface="微软雅黑" panose="020B0503020204020204" pitchFamily="34" charset="-122"/>
+                        <a:ea typeface="微软雅黑" panose="020B0503020204020204" pitchFamily="34" charset="-122"/>
                         <a:cs typeface="+mn-cs"/>
                       </a:endParaRPr>
                     </a:p>
@@ -20702,88 +22535,88 @@
                         </a:lnSpc>
                       </a:pPr>
                       <a:r>
-                        <a:rPr lang="en-US" sz="1600" b="1" kern="1200" dirty="0">
-                          <a:solidFill>
-                            <a:schemeClr val="tx1"/>
-                          </a:solidFill>
-                          <a:latin typeface="Microsoft YaHei Light" panose="020B0502040204020203" pitchFamily="34" charset="-122"/>
-                          <a:ea typeface="Microsoft YaHei Light" panose="020B0502040204020203" pitchFamily="34" charset="-122"/>
+                        <a:rPr lang="en-US" sz="1600" b="0" kern="1200" dirty="0">
+                          <a:solidFill>
+                            <a:schemeClr val="tx1"/>
+                          </a:solidFill>
+                          <a:latin typeface="微软雅黑" panose="020B0503020204020204" pitchFamily="34" charset="-122"/>
+                          <a:ea typeface="微软雅黑" panose="020B0503020204020204" pitchFamily="34" charset="-122"/>
                           <a:cs typeface="+mn-cs"/>
                         </a:rPr>
                         <a:t>rs1 &gt;&gt; </a:t>
                       </a:r>
                       <a:r>
-                        <a:rPr lang="en-US" sz="1600" b="1" kern="1200" dirty="0" err="1">
-                          <a:solidFill>
-                            <a:schemeClr val="tx1"/>
-                          </a:solidFill>
-                          <a:latin typeface="Microsoft YaHei Light" panose="020B0502040204020203" pitchFamily="34" charset="-122"/>
-                          <a:ea typeface="Microsoft YaHei Light" panose="020B0502040204020203" pitchFamily="34" charset="-122"/>
+                        <a:rPr lang="en-US" sz="1600" b="0" kern="1200" dirty="0" err="1">
+                          <a:solidFill>
+                            <a:schemeClr val="tx1"/>
+                          </a:solidFill>
+                          <a:latin typeface="微软雅黑" panose="020B0503020204020204" pitchFamily="34" charset="-122"/>
+                          <a:ea typeface="微软雅黑" panose="020B0503020204020204" pitchFamily="34" charset="-122"/>
                           <a:cs typeface="+mn-cs"/>
                         </a:rPr>
                         <a:t>imm</a:t>
                       </a:r>
                       <a:r>
-                        <a:rPr lang="en-US" sz="1600" b="1" kern="1200" dirty="0">
-                          <a:solidFill>
-                            <a:schemeClr val="tx1"/>
-                          </a:solidFill>
-                          <a:latin typeface="Microsoft YaHei Light" panose="020B0502040204020203" pitchFamily="34" charset="-122"/>
-                          <a:ea typeface="Microsoft YaHei Light" panose="020B0502040204020203" pitchFamily="34" charset="-122"/>
+                        <a:rPr lang="en-US" sz="1600" b="0" kern="1200" dirty="0">
+                          <a:solidFill>
+                            <a:schemeClr val="tx1"/>
+                          </a:solidFill>
+                          <a:latin typeface="微软雅黑" panose="020B0503020204020204" pitchFamily="34" charset="-122"/>
+                          <a:ea typeface="微软雅黑" panose="020B0503020204020204" pitchFamily="34" charset="-122"/>
                           <a:cs typeface="+mn-cs"/>
                         </a:rPr>
                         <a:t> -&gt; </a:t>
                       </a:r>
                       <a:r>
-                        <a:rPr lang="en-US" sz="1600" b="1" kern="1200" dirty="0" err="1">
-                          <a:solidFill>
-                            <a:schemeClr val="tx1"/>
-                          </a:solidFill>
-                          <a:latin typeface="Microsoft YaHei Light" panose="020B0502040204020203" pitchFamily="34" charset="-122"/>
-                          <a:ea typeface="Microsoft YaHei Light" panose="020B0502040204020203" pitchFamily="34" charset="-122"/>
+                        <a:rPr lang="en-US" sz="1600" b="0" kern="1200" dirty="0" err="1">
+                          <a:solidFill>
+                            <a:schemeClr val="tx1"/>
+                          </a:solidFill>
+                          <a:latin typeface="微软雅黑" panose="020B0503020204020204" pitchFamily="34" charset="-122"/>
+                          <a:ea typeface="微软雅黑" panose="020B0503020204020204" pitchFamily="34" charset="-122"/>
                           <a:cs typeface="+mn-cs"/>
                         </a:rPr>
                         <a:t>rd</a:t>
                       </a:r>
                       <a:r>
-                        <a:rPr lang="en-US" sz="1600" b="1" kern="1200" dirty="0">
-                          <a:solidFill>
-                            <a:schemeClr val="tx1"/>
-                          </a:solidFill>
-                          <a:latin typeface="Microsoft YaHei Light" panose="020B0502040204020203" pitchFamily="34" charset="-122"/>
-                          <a:ea typeface="Microsoft YaHei Light" panose="020B0502040204020203" pitchFamily="34" charset="-122"/>
+                        <a:rPr lang="en-US" sz="1600" b="0" kern="1200" dirty="0">
+                          <a:solidFill>
+                            <a:schemeClr val="tx1"/>
+                          </a:solidFill>
+                          <a:latin typeface="微软雅黑" panose="020B0503020204020204" pitchFamily="34" charset="-122"/>
+                          <a:ea typeface="微软雅黑" panose="020B0503020204020204" pitchFamily="34" charset="-122"/>
                           <a:cs typeface="+mn-cs"/>
                         </a:rPr>
                         <a:t> (</a:t>
                       </a:r>
                       <a:r>
-                        <a:rPr lang="zh-CN" altLang="en-US" sz="1600" b="1" kern="1200" dirty="0">
-                          <a:solidFill>
-                            <a:schemeClr val="tx1"/>
-                          </a:solidFill>
-                          <a:latin typeface="Microsoft YaHei Light" panose="020B0502040204020203" pitchFamily="34" charset="-122"/>
-                          <a:ea typeface="Microsoft YaHei Light" panose="020B0502040204020203" pitchFamily="34" charset="-122"/>
+                        <a:rPr lang="zh-CN" altLang="en-US" sz="1600" b="0" kern="1200" dirty="0">
+                          <a:solidFill>
+                            <a:schemeClr val="tx1"/>
+                          </a:solidFill>
+                          <a:latin typeface="微软雅黑" panose="020B0503020204020204" pitchFamily="34" charset="-122"/>
+                          <a:ea typeface="微软雅黑" panose="020B0503020204020204" pitchFamily="34" charset="-122"/>
                           <a:cs typeface="+mn-cs"/>
                         </a:rPr>
                         <a:t>无符号</a:t>
                       </a:r>
                       <a:r>
-                        <a:rPr lang="en-US" sz="1600" b="1" kern="1200" dirty="0">
-                          <a:solidFill>
-                            <a:schemeClr val="tx1"/>
-                          </a:solidFill>
-                          <a:latin typeface="Microsoft YaHei Light" panose="020B0502040204020203" pitchFamily="34" charset="-122"/>
-                          <a:ea typeface="Microsoft YaHei Light" panose="020B0502040204020203" pitchFamily="34" charset="-122"/>
+                        <a:rPr lang="en-US" sz="1600" b="0" kern="1200" dirty="0">
+                          <a:solidFill>
+                            <a:schemeClr val="tx1"/>
+                          </a:solidFill>
+                          <a:latin typeface="微软雅黑" panose="020B0503020204020204" pitchFamily="34" charset="-122"/>
+                          <a:ea typeface="微软雅黑" panose="020B0503020204020204" pitchFamily="34" charset="-122"/>
                           <a:cs typeface="+mn-cs"/>
                         </a:rPr>
                         <a:t>)</a:t>
                       </a:r>
-                      <a:endParaRPr lang="zh-CN" altLang="en-US" sz="1600" b="1" kern="1200" dirty="0">
+                      <a:endParaRPr lang="zh-CN" altLang="en-US" sz="1600" b="0" kern="1200" dirty="0">
                         <a:solidFill>
                           <a:schemeClr val="tx1"/>
                         </a:solidFill>
-                        <a:latin typeface="Microsoft YaHei Light" panose="020B0502040204020203" pitchFamily="34" charset="-122"/>
-                        <a:ea typeface="Microsoft YaHei Light" panose="020B0502040204020203" pitchFamily="34" charset="-122"/>
+                        <a:latin typeface="微软雅黑" panose="020B0503020204020204" pitchFamily="34" charset="-122"/>
+                        <a:ea typeface="微软雅黑" panose="020B0503020204020204" pitchFamily="34" charset="-122"/>
                         <a:cs typeface="+mn-cs"/>
                       </a:endParaRPr>
                     </a:p>
@@ -20830,22 +22663,22 @@
                         </a:lnSpc>
                       </a:pPr>
                       <a:r>
-                        <a:rPr lang="en-US" sz="1600" b="1" kern="1200" dirty="0">
-                          <a:solidFill>
-                            <a:schemeClr val="tx1"/>
-                          </a:solidFill>
-                          <a:latin typeface="Microsoft YaHei Light" panose="020B0502040204020203" pitchFamily="34" charset="-122"/>
-                          <a:ea typeface="Microsoft YaHei Light" panose="020B0502040204020203" pitchFamily="34" charset="-122"/>
+                        <a:rPr lang="en-US" sz="1600" b="0" kern="1200" dirty="0">
+                          <a:solidFill>
+                            <a:schemeClr val="tx1"/>
+                          </a:solidFill>
+                          <a:latin typeface="微软雅黑" panose="020B0503020204020204" pitchFamily="34" charset="-122"/>
+                          <a:ea typeface="微软雅黑" panose="020B0503020204020204" pitchFamily="34" charset="-122"/>
                           <a:cs typeface="+mn-cs"/>
                         </a:rPr>
                         <a:t>SRAI</a:t>
                       </a:r>
-                      <a:endParaRPr lang="zh-CN" altLang="en-US" sz="1600" b="1" kern="1200" dirty="0">
+                      <a:endParaRPr lang="zh-CN" altLang="en-US" sz="1600" b="0" kern="1200" dirty="0">
                         <a:solidFill>
                           <a:schemeClr val="tx1"/>
                         </a:solidFill>
-                        <a:latin typeface="Microsoft YaHei Light" panose="020B0502040204020203" pitchFamily="34" charset="-122"/>
-                        <a:ea typeface="Microsoft YaHei Light" panose="020B0502040204020203" pitchFamily="34" charset="-122"/>
+                        <a:latin typeface="微软雅黑" panose="020B0503020204020204" pitchFamily="34" charset="-122"/>
+                        <a:ea typeface="微软雅黑" panose="020B0503020204020204" pitchFamily="34" charset="-122"/>
                         <a:cs typeface="+mn-cs"/>
                       </a:endParaRPr>
                     </a:p>
@@ -20889,22 +22722,22 @@
                         </a:lnSpc>
                       </a:pPr>
                       <a:r>
-                        <a:rPr lang="en-US" sz="1600" b="1" kern="1200" dirty="0">
-                          <a:solidFill>
-                            <a:schemeClr val="tx1"/>
-                          </a:solidFill>
-                          <a:latin typeface="Microsoft YaHei Light" panose="020B0502040204020203" pitchFamily="34" charset="-122"/>
-                          <a:ea typeface="Microsoft YaHei Light" panose="020B0502040204020203" pitchFamily="34" charset="-122"/>
+                        <a:rPr lang="en-US" sz="1600" b="0" kern="1200" dirty="0">
+                          <a:solidFill>
+                            <a:schemeClr val="tx1"/>
+                          </a:solidFill>
+                          <a:latin typeface="微软雅黑" panose="020B0503020204020204" pitchFamily="34" charset="-122"/>
+                          <a:ea typeface="微软雅黑" panose="020B0503020204020204" pitchFamily="34" charset="-122"/>
                           <a:cs typeface="+mn-cs"/>
                         </a:rPr>
                         <a:t>SRAI rd,rs1,imm</a:t>
                       </a:r>
-                      <a:endParaRPr lang="zh-CN" altLang="en-US" sz="1600" b="1" kern="1200" dirty="0">
+                      <a:endParaRPr lang="zh-CN" altLang="en-US" sz="1600" b="0" kern="1200" dirty="0">
                         <a:solidFill>
                           <a:schemeClr val="tx1"/>
                         </a:solidFill>
-                        <a:latin typeface="Microsoft YaHei Light" panose="020B0502040204020203" pitchFamily="34" charset="-122"/>
-                        <a:ea typeface="Microsoft YaHei Light" panose="020B0502040204020203" pitchFamily="34" charset="-122"/>
+                        <a:latin typeface="微软雅黑" panose="020B0503020204020204" pitchFamily="34" charset="-122"/>
+                        <a:ea typeface="微软雅黑" panose="020B0503020204020204" pitchFamily="34" charset="-122"/>
                         <a:cs typeface="+mn-cs"/>
                       </a:endParaRPr>
                     </a:p>
@@ -20948,88 +22781,88 @@
                         </a:lnSpc>
                       </a:pPr>
                       <a:r>
-                        <a:rPr lang="en-US" sz="1600" b="1" kern="1200" dirty="0">
-                          <a:solidFill>
-                            <a:schemeClr val="tx1"/>
-                          </a:solidFill>
-                          <a:latin typeface="Microsoft YaHei Light" panose="020B0502040204020203" pitchFamily="34" charset="-122"/>
-                          <a:ea typeface="Microsoft YaHei Light" panose="020B0502040204020203" pitchFamily="34" charset="-122"/>
+                        <a:rPr lang="en-US" sz="1600" b="0" kern="1200" dirty="0">
+                          <a:solidFill>
+                            <a:schemeClr val="tx1"/>
+                          </a:solidFill>
+                          <a:latin typeface="微软雅黑" panose="020B0503020204020204" pitchFamily="34" charset="-122"/>
+                          <a:ea typeface="微软雅黑" panose="020B0503020204020204" pitchFamily="34" charset="-122"/>
                           <a:cs typeface="+mn-cs"/>
                         </a:rPr>
                         <a:t>rs1 &gt;&gt; </a:t>
                       </a:r>
                       <a:r>
-                        <a:rPr lang="en-US" sz="1600" b="1" kern="1200" dirty="0" err="1">
-                          <a:solidFill>
-                            <a:schemeClr val="tx1"/>
-                          </a:solidFill>
-                          <a:latin typeface="Microsoft YaHei Light" panose="020B0502040204020203" pitchFamily="34" charset="-122"/>
-                          <a:ea typeface="Microsoft YaHei Light" panose="020B0502040204020203" pitchFamily="34" charset="-122"/>
+                        <a:rPr lang="en-US" sz="1600" b="0" kern="1200" dirty="0" err="1">
+                          <a:solidFill>
+                            <a:schemeClr val="tx1"/>
+                          </a:solidFill>
+                          <a:latin typeface="微软雅黑" panose="020B0503020204020204" pitchFamily="34" charset="-122"/>
+                          <a:ea typeface="微软雅黑" panose="020B0503020204020204" pitchFamily="34" charset="-122"/>
                           <a:cs typeface="+mn-cs"/>
                         </a:rPr>
                         <a:t>imm</a:t>
                       </a:r>
                       <a:r>
-                        <a:rPr lang="en-US" sz="1600" b="1" kern="1200" dirty="0">
-                          <a:solidFill>
-                            <a:schemeClr val="tx1"/>
-                          </a:solidFill>
-                          <a:latin typeface="Microsoft YaHei Light" panose="020B0502040204020203" pitchFamily="34" charset="-122"/>
-                          <a:ea typeface="Microsoft YaHei Light" panose="020B0502040204020203" pitchFamily="34" charset="-122"/>
+                        <a:rPr lang="en-US" sz="1600" b="0" kern="1200" dirty="0">
+                          <a:solidFill>
+                            <a:schemeClr val="tx1"/>
+                          </a:solidFill>
+                          <a:latin typeface="微软雅黑" panose="020B0503020204020204" pitchFamily="34" charset="-122"/>
+                          <a:ea typeface="微软雅黑" panose="020B0503020204020204" pitchFamily="34" charset="-122"/>
                           <a:cs typeface="+mn-cs"/>
                         </a:rPr>
                         <a:t> -&gt; </a:t>
                       </a:r>
                       <a:r>
-                        <a:rPr lang="en-US" sz="1600" b="1" kern="1200" dirty="0" err="1">
-                          <a:solidFill>
-                            <a:schemeClr val="tx1"/>
-                          </a:solidFill>
-                          <a:latin typeface="Microsoft YaHei Light" panose="020B0502040204020203" pitchFamily="34" charset="-122"/>
-                          <a:ea typeface="Microsoft YaHei Light" panose="020B0502040204020203" pitchFamily="34" charset="-122"/>
+                        <a:rPr lang="en-US" sz="1600" b="0" kern="1200" dirty="0" err="1">
+                          <a:solidFill>
+                            <a:schemeClr val="tx1"/>
+                          </a:solidFill>
+                          <a:latin typeface="微软雅黑" panose="020B0503020204020204" pitchFamily="34" charset="-122"/>
+                          <a:ea typeface="微软雅黑" panose="020B0503020204020204" pitchFamily="34" charset="-122"/>
                           <a:cs typeface="+mn-cs"/>
                         </a:rPr>
                         <a:t>rd</a:t>
                       </a:r>
                       <a:r>
-                        <a:rPr lang="en-US" sz="1600" b="1" kern="1200" dirty="0">
-                          <a:solidFill>
-                            <a:schemeClr val="tx1"/>
-                          </a:solidFill>
-                          <a:latin typeface="Microsoft YaHei Light" panose="020B0502040204020203" pitchFamily="34" charset="-122"/>
-                          <a:ea typeface="Microsoft YaHei Light" panose="020B0502040204020203" pitchFamily="34" charset="-122"/>
+                        <a:rPr lang="en-US" sz="1600" b="0" kern="1200" dirty="0">
+                          <a:solidFill>
+                            <a:schemeClr val="tx1"/>
+                          </a:solidFill>
+                          <a:latin typeface="微软雅黑" panose="020B0503020204020204" pitchFamily="34" charset="-122"/>
+                          <a:ea typeface="微软雅黑" panose="020B0503020204020204" pitchFamily="34" charset="-122"/>
                           <a:cs typeface="+mn-cs"/>
                         </a:rPr>
                         <a:t> (</a:t>
                       </a:r>
                       <a:r>
-                        <a:rPr lang="zh-CN" altLang="en-US" sz="1600" b="1" kern="1200" dirty="0">
-                          <a:solidFill>
-                            <a:schemeClr val="tx1"/>
-                          </a:solidFill>
-                          <a:latin typeface="Microsoft YaHei Light" panose="020B0502040204020203" pitchFamily="34" charset="-122"/>
-                          <a:ea typeface="Microsoft YaHei Light" panose="020B0502040204020203" pitchFamily="34" charset="-122"/>
+                        <a:rPr lang="zh-CN" altLang="en-US" sz="1600" b="0" kern="1200" dirty="0">
+                          <a:solidFill>
+                            <a:schemeClr val="tx1"/>
+                          </a:solidFill>
+                          <a:latin typeface="微软雅黑" panose="020B0503020204020204" pitchFamily="34" charset="-122"/>
+                          <a:ea typeface="微软雅黑" panose="020B0503020204020204" pitchFamily="34" charset="-122"/>
                           <a:cs typeface="+mn-cs"/>
                         </a:rPr>
                         <a:t>有符号</a:t>
                       </a:r>
                       <a:r>
-                        <a:rPr lang="en-US" sz="1600" b="1" kern="1200" dirty="0">
-                          <a:solidFill>
-                            <a:schemeClr val="tx1"/>
-                          </a:solidFill>
-                          <a:latin typeface="Microsoft YaHei Light" panose="020B0502040204020203" pitchFamily="34" charset="-122"/>
-                          <a:ea typeface="Microsoft YaHei Light" panose="020B0502040204020203" pitchFamily="34" charset="-122"/>
+                        <a:rPr lang="en-US" sz="1600" b="0" kern="1200" dirty="0">
+                          <a:solidFill>
+                            <a:schemeClr val="tx1"/>
+                          </a:solidFill>
+                          <a:latin typeface="微软雅黑" panose="020B0503020204020204" pitchFamily="34" charset="-122"/>
+                          <a:ea typeface="微软雅黑" panose="020B0503020204020204" pitchFamily="34" charset="-122"/>
                           <a:cs typeface="+mn-cs"/>
                         </a:rPr>
                         <a:t>)</a:t>
                       </a:r>
-                      <a:endParaRPr lang="zh-CN" altLang="en-US" sz="1600" b="1" kern="1200" dirty="0">
+                      <a:endParaRPr lang="zh-CN" altLang="en-US" sz="1600" b="0" kern="1200" dirty="0">
                         <a:solidFill>
                           <a:schemeClr val="tx1"/>
                         </a:solidFill>
-                        <a:latin typeface="Microsoft YaHei Light" panose="020B0502040204020203" pitchFamily="34" charset="-122"/>
-                        <a:ea typeface="Microsoft YaHei Light" panose="020B0502040204020203" pitchFamily="34" charset="-122"/>
+                        <a:latin typeface="微软雅黑" panose="020B0503020204020204" pitchFamily="34" charset="-122"/>
+                        <a:ea typeface="微软雅黑" panose="020B0503020204020204" pitchFamily="34" charset="-122"/>
                         <a:cs typeface="+mn-cs"/>
                       </a:endParaRPr>
                     </a:p>
@@ -21080,22 +22913,22 @@
                         </a:lnSpc>
                       </a:pPr>
                       <a:r>
-                        <a:rPr lang="en-US" sz="1600" b="1" kern="1200" dirty="0">
-                          <a:solidFill>
-                            <a:schemeClr val="tx1"/>
-                          </a:solidFill>
-                          <a:latin typeface="Microsoft YaHei Light" panose="020B0502040204020203" pitchFamily="34" charset="-122"/>
-                          <a:ea typeface="Microsoft YaHei Light" panose="020B0502040204020203" pitchFamily="34" charset="-122"/>
+                        <a:rPr lang="en-US" sz="1600" b="0" kern="1200" dirty="0">
+                          <a:solidFill>
+                            <a:schemeClr val="tx1"/>
+                          </a:solidFill>
+                          <a:latin typeface="微软雅黑" panose="020B0503020204020204" pitchFamily="34" charset="-122"/>
+                          <a:ea typeface="微软雅黑" panose="020B0503020204020204" pitchFamily="34" charset="-122"/>
                           <a:cs typeface="+mn-cs"/>
                         </a:rPr>
                         <a:t>JALR</a:t>
                       </a:r>
-                      <a:endParaRPr lang="zh-CN" altLang="en-US" sz="1600" b="1" kern="1200" dirty="0">
+                      <a:endParaRPr lang="zh-CN" altLang="en-US" sz="1600" b="0" kern="1200" dirty="0">
                         <a:solidFill>
                           <a:schemeClr val="tx1"/>
                         </a:solidFill>
-                        <a:latin typeface="Microsoft YaHei Light" panose="020B0502040204020203" pitchFamily="34" charset="-122"/>
-                        <a:ea typeface="Microsoft YaHei Light" panose="020B0502040204020203" pitchFamily="34" charset="-122"/>
+                        <a:latin typeface="微软雅黑" panose="020B0503020204020204" pitchFamily="34" charset="-122"/>
+                        <a:ea typeface="微软雅黑" panose="020B0503020204020204" pitchFamily="34" charset="-122"/>
                         <a:cs typeface="+mn-cs"/>
                       </a:endParaRPr>
                     </a:p>
@@ -21145,22 +22978,22 @@
                         </a:lnSpc>
                       </a:pPr>
                       <a:r>
-                        <a:rPr lang="en-US" sz="1600" b="1" kern="1200" dirty="0">
-                          <a:solidFill>
-                            <a:schemeClr val="tx1"/>
-                          </a:solidFill>
-                          <a:latin typeface="Microsoft YaHei Light" panose="020B0502040204020203" pitchFamily="34" charset="-122"/>
-                          <a:ea typeface="Microsoft YaHei Light" panose="020B0502040204020203" pitchFamily="34" charset="-122"/>
+                        <a:rPr lang="en-US" sz="1600" b="0" kern="1200" dirty="0">
+                          <a:solidFill>
+                            <a:schemeClr val="tx1"/>
+                          </a:solidFill>
+                          <a:latin typeface="微软雅黑" panose="020B0503020204020204" pitchFamily="34" charset="-122"/>
+                          <a:ea typeface="微软雅黑" panose="020B0503020204020204" pitchFamily="34" charset="-122"/>
                           <a:cs typeface="+mn-cs"/>
                         </a:rPr>
                         <a:t>JALR rd,rs1,imm</a:t>
                       </a:r>
-                      <a:endParaRPr lang="zh-CN" altLang="en-US" sz="1600" b="1" kern="1200" dirty="0">
+                      <a:endParaRPr lang="zh-CN" altLang="en-US" sz="1600" b="0" kern="1200" dirty="0">
                         <a:solidFill>
                           <a:schemeClr val="tx1"/>
                         </a:solidFill>
-                        <a:latin typeface="Microsoft YaHei Light" panose="020B0502040204020203" pitchFamily="34" charset="-122"/>
-                        <a:ea typeface="Microsoft YaHei Light" panose="020B0502040204020203" pitchFamily="34" charset="-122"/>
+                        <a:latin typeface="微软雅黑" panose="020B0503020204020204" pitchFamily="34" charset="-122"/>
+                        <a:ea typeface="微软雅黑" panose="020B0503020204020204" pitchFamily="34" charset="-122"/>
                         <a:cs typeface="+mn-cs"/>
                       </a:endParaRPr>
                     </a:p>
@@ -21210,44 +23043,44 @@
                         </a:lnSpc>
                       </a:pPr>
                       <a:r>
-                        <a:rPr lang="en-US" sz="1600" b="1" kern="1200" dirty="0">
-                          <a:solidFill>
-                            <a:schemeClr val="tx1"/>
-                          </a:solidFill>
-                          <a:latin typeface="Microsoft YaHei Light" panose="020B0502040204020203" pitchFamily="34" charset="-122"/>
-                          <a:ea typeface="Microsoft YaHei Light" panose="020B0502040204020203" pitchFamily="34" charset="-122"/>
+                        <a:rPr lang="en-US" sz="1600" b="0" kern="1200" dirty="0">
+                          <a:solidFill>
+                            <a:schemeClr val="tx1"/>
+                          </a:solidFill>
+                          <a:latin typeface="微软雅黑" panose="020B0503020204020204" pitchFamily="34" charset="-122"/>
+                          <a:ea typeface="微软雅黑" panose="020B0503020204020204" pitchFamily="34" charset="-122"/>
                           <a:cs typeface="+mn-cs"/>
                         </a:rPr>
                         <a:t>rs1 + </a:t>
                       </a:r>
                       <a:r>
-                        <a:rPr lang="en-US" sz="1600" b="1" kern="1200" dirty="0" err="1">
-                          <a:solidFill>
-                            <a:schemeClr val="tx1"/>
-                          </a:solidFill>
-                          <a:latin typeface="Microsoft YaHei Light" panose="020B0502040204020203" pitchFamily="34" charset="-122"/>
-                          <a:ea typeface="Microsoft YaHei Light" panose="020B0502040204020203" pitchFamily="34" charset="-122"/>
+                        <a:rPr lang="en-US" sz="1600" b="0" kern="1200" dirty="0" err="1">
+                          <a:solidFill>
+                            <a:schemeClr val="tx1"/>
+                          </a:solidFill>
+                          <a:latin typeface="微软雅黑" panose="020B0503020204020204" pitchFamily="34" charset="-122"/>
+                          <a:ea typeface="微软雅黑" panose="020B0503020204020204" pitchFamily="34" charset="-122"/>
                           <a:cs typeface="+mn-cs"/>
                         </a:rPr>
                         <a:t>imm</a:t>
                       </a:r>
                       <a:r>
-                        <a:rPr lang="en-US" sz="1600" b="1" kern="1200" dirty="0">
-                          <a:solidFill>
-                            <a:schemeClr val="tx1"/>
-                          </a:solidFill>
-                          <a:latin typeface="Microsoft YaHei Light" panose="020B0502040204020203" pitchFamily="34" charset="-122"/>
-                          <a:ea typeface="Microsoft YaHei Light" panose="020B0502040204020203" pitchFamily="34" charset="-122"/>
+                        <a:rPr lang="en-US" sz="1600" b="0" kern="1200" dirty="0">
+                          <a:solidFill>
+                            <a:schemeClr val="tx1"/>
+                          </a:solidFill>
+                          <a:latin typeface="微软雅黑" panose="020B0503020204020204" pitchFamily="34" charset="-122"/>
+                          <a:ea typeface="微软雅黑" panose="020B0503020204020204" pitchFamily="34" charset="-122"/>
                           <a:cs typeface="+mn-cs"/>
                         </a:rPr>
                         <a:t> -&gt; PC</a:t>
                       </a:r>
-                      <a:endParaRPr lang="zh-CN" altLang="en-US" sz="1600" b="1" kern="1200" dirty="0">
+                      <a:endParaRPr lang="zh-CN" altLang="en-US" sz="1600" b="0" kern="1200" dirty="0">
                         <a:solidFill>
                           <a:schemeClr val="tx1"/>
                         </a:solidFill>
-                        <a:latin typeface="Microsoft YaHei Light" panose="020B0502040204020203" pitchFamily="34" charset="-122"/>
-                        <a:ea typeface="Microsoft YaHei Light" panose="020B0502040204020203" pitchFamily="34" charset="-122"/>
+                        <a:latin typeface="微软雅黑" panose="020B0503020204020204" pitchFamily="34" charset="-122"/>
+                        <a:ea typeface="微软雅黑" panose="020B0503020204020204" pitchFamily="34" charset="-122"/>
                         <a:cs typeface="+mn-cs"/>
                       </a:endParaRPr>
                     </a:p>
@@ -21714,7 +23547,7 @@
           <p:nvPr>
             <p:extLst>
               <p:ext uri="{D42A27DB-BD31-4B8C-83A1-F6EECF244321}">
-                <p14:modId xmlns:p14="http://schemas.microsoft.com/office/powerpoint/2010/main" val="164909832"/>
+                <p14:modId xmlns:p14="http://schemas.microsoft.com/office/powerpoint/2010/main" val="3072959414"/>
               </p:ext>
             </p:extLst>
           </p:nvPr>
@@ -21730,14 +23563,14 @@
                 <a:tableStyleId>{5C22544A-7EE6-4342-B048-85BDC9FD1C3A}</a:tableStyleId>
               </a:tblPr>
               <a:tblGrid>
-                <a:gridCol w="1141539">
+                <a:gridCol w="876235">
                   <a:extLst>
                     <a:ext uri="{9D8B030D-6E8A-4147-A177-3AD203B41FA5}">
                       <a16:colId xmlns:a16="http://schemas.microsoft.com/office/drawing/2014/main" val="1192578588"/>
                     </a:ext>
                   </a:extLst>
                 </a:gridCol>
-                <a:gridCol w="1740963">
+                <a:gridCol w="2006267">
                   <a:extLst>
                     <a:ext uri="{9D8B030D-6E8A-4147-A177-3AD203B41FA5}">
                       <a16:colId xmlns:a16="http://schemas.microsoft.com/office/drawing/2014/main" val="3563227770"/>
@@ -21769,8 +23602,8 @@
                             <a:srgbClr val="0D0D0D"/>
                           </a:solidFill>
                           <a:effectLst/>
-                          <a:latin typeface="Microsoft YaHei Light" panose="020B0502040204020203" pitchFamily="34" charset="-122"/>
-                          <a:ea typeface="Microsoft YaHei Light" panose="020B0502040204020203" pitchFamily="34" charset="-122"/>
+                          <a:latin typeface="微软雅黑" panose="020B0503020204020204" pitchFamily="34" charset="-122"/>
+                          <a:ea typeface="微软雅黑" panose="020B0503020204020204" pitchFamily="34" charset="-122"/>
                           <a:cs typeface="Segoe UI" panose="020B0502040204020203" pitchFamily="34" charset="0"/>
                         </a:rPr>
                         <a:t>名称</a:t>
@@ -21829,8 +23662,8 @@
                             <a:srgbClr val="0D0D0D"/>
                           </a:solidFill>
                           <a:effectLst/>
-                          <a:latin typeface="Microsoft YaHei Light" panose="020B0502040204020203" pitchFamily="34" charset="-122"/>
-                          <a:ea typeface="Microsoft YaHei Light" panose="020B0502040204020203" pitchFamily="34" charset="-122"/>
+                          <a:latin typeface="微软雅黑" panose="020B0503020204020204" pitchFamily="34" charset="-122"/>
+                          <a:ea typeface="微软雅黑" panose="020B0503020204020204" pitchFamily="34" charset="-122"/>
                           <a:cs typeface="Segoe UI" panose="020B0502040204020203" pitchFamily="34" charset="0"/>
                         </a:rPr>
                         <a:t>格式</a:t>
@@ -21889,8 +23722,8 @@
                             <a:srgbClr val="0D0D0D"/>
                           </a:solidFill>
                           <a:effectLst/>
-                          <a:latin typeface="Microsoft YaHei Light" panose="020B0502040204020203" pitchFamily="34" charset="-122"/>
-                          <a:ea typeface="Microsoft YaHei Light" panose="020B0502040204020203" pitchFamily="34" charset="-122"/>
+                          <a:latin typeface="微软雅黑" panose="020B0503020204020204" pitchFamily="34" charset="-122"/>
+                          <a:ea typeface="微软雅黑" panose="020B0503020204020204" pitchFamily="34" charset="-122"/>
                           <a:cs typeface="Segoe UI" panose="020B0502040204020203" pitchFamily="34" charset="0"/>
                         </a:rPr>
                         <a:t>功能</a:t>
@@ -21951,24 +23784,24 @@
                         </a:lnSpc>
                       </a:pPr>
                       <a:r>
-                        <a:rPr lang="en-US" sz="1800" kern="0" dirty="0">
+                        <a:rPr lang="en-US" sz="1800" b="0" kern="0" dirty="0">
                           <a:solidFill>
                             <a:srgbClr val="0D0D0D"/>
                           </a:solidFill>
                           <a:effectLst/>
-                          <a:latin typeface="Microsoft YaHei Light" panose="020B0502040204020203" pitchFamily="34" charset="-122"/>
-                          <a:ea typeface="Microsoft YaHei Light" panose="020B0502040204020203" pitchFamily="34" charset="-122"/>
+                          <a:latin typeface="微软雅黑" panose="020B0503020204020204" pitchFamily="34" charset="-122"/>
+                          <a:ea typeface="微软雅黑" panose="020B0503020204020204" pitchFamily="34" charset="-122"/>
                           <a:cs typeface="Segoe UI" panose="020B0502040204020203" pitchFamily="34" charset="0"/>
                         </a:rPr>
                         <a:t>SB </a:t>
                       </a:r>
-                      <a:endParaRPr lang="zh-CN" altLang="en-US" sz="1800" kern="0" dirty="0">
+                      <a:endParaRPr lang="zh-CN" altLang="en-US" sz="1800" b="0" kern="0" dirty="0">
                         <a:solidFill>
                           <a:srgbClr val="0D0D0D"/>
                         </a:solidFill>
                         <a:effectLst/>
-                        <a:latin typeface="Microsoft YaHei Light" panose="020B0502040204020203" pitchFamily="34" charset="-122"/>
-                        <a:ea typeface="Microsoft YaHei Light" panose="020B0502040204020203" pitchFamily="34" charset="-122"/>
+                        <a:latin typeface="微软雅黑" panose="020B0503020204020204" pitchFamily="34" charset="-122"/>
+                        <a:ea typeface="微软雅黑" panose="020B0503020204020204" pitchFamily="34" charset="-122"/>
                         <a:cs typeface="Segoe UI" panose="020B0502040204020203" pitchFamily="34" charset="0"/>
                       </a:endParaRPr>
                     </a:p>
@@ -22014,24 +23847,24 @@
                         </a:lnSpc>
                       </a:pPr>
                       <a:r>
-                        <a:rPr lang="en-US" sz="1800" kern="0" dirty="0">
+                        <a:rPr lang="en-US" sz="1800" b="0" kern="0" dirty="0">
                           <a:solidFill>
                             <a:srgbClr val="0D0D0D"/>
                           </a:solidFill>
                           <a:effectLst/>
-                          <a:latin typeface="Microsoft YaHei Light" panose="020B0502040204020203" pitchFamily="34" charset="-122"/>
-                          <a:ea typeface="Microsoft YaHei Light" panose="020B0502040204020203" pitchFamily="34" charset="-122"/>
+                          <a:latin typeface="微软雅黑" panose="020B0503020204020204" pitchFamily="34" charset="-122"/>
+                          <a:ea typeface="微软雅黑" panose="020B0503020204020204" pitchFamily="34" charset="-122"/>
                           <a:cs typeface="Segoe UI" panose="020B0502040204020203" pitchFamily="34" charset="0"/>
                         </a:rPr>
                         <a:t>SB rs1,rs2,imm</a:t>
                       </a:r>
-                      <a:endParaRPr lang="zh-CN" altLang="en-US" sz="1800" kern="0" dirty="0">
+                      <a:endParaRPr lang="zh-CN" altLang="en-US" sz="1800" b="0" kern="0" dirty="0">
                         <a:solidFill>
                           <a:srgbClr val="0D0D0D"/>
                         </a:solidFill>
                         <a:effectLst/>
-                        <a:latin typeface="Microsoft YaHei Light" panose="020B0502040204020203" pitchFamily="34" charset="-122"/>
-                        <a:ea typeface="Microsoft YaHei Light" panose="020B0502040204020203" pitchFamily="34" charset="-122"/>
+                        <a:latin typeface="微软雅黑" panose="020B0503020204020204" pitchFamily="34" charset="-122"/>
+                        <a:ea typeface="微软雅黑" panose="020B0503020204020204" pitchFamily="34" charset="-122"/>
                         <a:cs typeface="Segoe UI" panose="020B0502040204020203" pitchFamily="34" charset="0"/>
                       </a:endParaRPr>
                     </a:p>
@@ -22077,45 +23910,45 @@
                         </a:lnSpc>
                       </a:pPr>
                       <a:r>
-                        <a:rPr lang="zh-CN" sz="1800" kern="0" dirty="0">
+                        <a:rPr lang="zh-CN" sz="1800" b="0" kern="0" dirty="0">
                           <a:solidFill>
                             <a:srgbClr val="0D0D0D"/>
                           </a:solidFill>
                           <a:effectLst/>
-                          <a:latin typeface="Microsoft YaHei Light" panose="020B0502040204020203" pitchFamily="34" charset="-122"/>
-                          <a:ea typeface="Microsoft YaHei Light" panose="020B0502040204020203" pitchFamily="34" charset="-122"/>
+                          <a:latin typeface="微软雅黑" panose="020B0503020204020204" pitchFamily="34" charset="-122"/>
+                          <a:ea typeface="微软雅黑" panose="020B0503020204020204" pitchFamily="34" charset="-122"/>
                           <a:cs typeface="Segoe UI" panose="020B0502040204020203" pitchFamily="34" charset="0"/>
                         </a:rPr>
                         <a:t>将</a:t>
                       </a:r>
                       <a:r>
-                        <a:rPr lang="en-US" sz="1800" kern="0" dirty="0">
+                        <a:rPr lang="en-US" sz="1800" b="0" kern="0" dirty="0">
                           <a:solidFill>
                             <a:srgbClr val="0D0D0D"/>
                           </a:solidFill>
                           <a:effectLst/>
-                          <a:latin typeface="Microsoft YaHei Light" panose="020B0502040204020203" pitchFamily="34" charset="-122"/>
-                          <a:ea typeface="Microsoft YaHei Light" panose="020B0502040204020203" pitchFamily="34" charset="-122"/>
+                          <a:latin typeface="微软雅黑" panose="020B0503020204020204" pitchFamily="34" charset="-122"/>
+                          <a:ea typeface="微软雅黑" panose="020B0503020204020204" pitchFamily="34" charset="-122"/>
                           <a:cs typeface="Segoe UI" panose="020B0502040204020203" pitchFamily="34" charset="0"/>
                         </a:rPr>
                         <a:t>[7:0]</a:t>
                       </a:r>
                       <a:r>
-                        <a:rPr lang="zh-CN" sz="1800" kern="0" dirty="0">
+                        <a:rPr lang="zh-CN" sz="1800" b="0" kern="0" dirty="0">
                           <a:solidFill>
                             <a:srgbClr val="0D0D0D"/>
                           </a:solidFill>
                           <a:effectLst/>
-                          <a:latin typeface="Microsoft YaHei Light" panose="020B0502040204020203" pitchFamily="34" charset="-122"/>
-                          <a:ea typeface="Microsoft YaHei Light" panose="020B0502040204020203" pitchFamily="34" charset="-122"/>
+                          <a:latin typeface="微软雅黑" panose="020B0503020204020204" pitchFamily="34" charset="-122"/>
+                          <a:ea typeface="微软雅黑" panose="020B0503020204020204" pitchFamily="34" charset="-122"/>
                           <a:cs typeface="Segoe UI" panose="020B0502040204020203" pitchFamily="34" charset="0"/>
                         </a:rPr>
                         <a:t>位，存储到特定的地址单元</a:t>
                       </a:r>
-                      <a:endParaRPr lang="zh-CN" sz="1400" kern="50" dirty="0">
+                      <a:endParaRPr lang="zh-CN" sz="1400" b="0" kern="50" dirty="0">
                         <a:effectLst/>
-                        <a:latin typeface="Microsoft YaHei Light" panose="020B0502040204020203" pitchFamily="34" charset="-122"/>
-                        <a:ea typeface="Microsoft YaHei Light" panose="020B0502040204020203" pitchFamily="34" charset="-122"/>
+                        <a:latin typeface="微软雅黑" panose="020B0503020204020204" pitchFamily="34" charset="-122"/>
+                        <a:ea typeface="微软雅黑" panose="020B0503020204020204" pitchFamily="34" charset="-122"/>
                         <a:cs typeface="Times New Roman" panose="02020603050405020304" pitchFamily="18" charset="0"/>
                       </a:endParaRPr>
                     </a:p>
@@ -22168,24 +24001,24 @@
                         </a:lnSpc>
                       </a:pPr>
                       <a:r>
-                        <a:rPr lang="en-US" sz="1800" kern="0" dirty="0">
+                        <a:rPr lang="en-US" sz="1800" b="0" kern="0" dirty="0">
                           <a:solidFill>
                             <a:srgbClr val="0D0D0D"/>
                           </a:solidFill>
                           <a:effectLst/>
-                          <a:latin typeface="Microsoft YaHei Light" panose="020B0502040204020203" pitchFamily="34" charset="-122"/>
-                          <a:ea typeface="Microsoft YaHei Light" panose="020B0502040204020203" pitchFamily="34" charset="-122"/>
+                          <a:latin typeface="微软雅黑" panose="020B0503020204020204" pitchFamily="34" charset="-122"/>
+                          <a:ea typeface="微软雅黑" panose="020B0503020204020204" pitchFamily="34" charset="-122"/>
                           <a:cs typeface="Segoe UI" panose="020B0502040204020203" pitchFamily="34" charset="0"/>
                         </a:rPr>
                         <a:t>SH</a:t>
                       </a:r>
-                      <a:endParaRPr lang="zh-CN" altLang="en-US" sz="1800" kern="0" dirty="0">
+                      <a:endParaRPr lang="zh-CN" altLang="en-US" sz="1800" b="0" kern="0" dirty="0">
                         <a:solidFill>
                           <a:srgbClr val="0D0D0D"/>
                         </a:solidFill>
                         <a:effectLst/>
-                        <a:latin typeface="Microsoft YaHei Light" panose="020B0502040204020203" pitchFamily="34" charset="-122"/>
-                        <a:ea typeface="Microsoft YaHei Light" panose="020B0502040204020203" pitchFamily="34" charset="-122"/>
+                        <a:latin typeface="微软雅黑" panose="020B0503020204020204" pitchFamily="34" charset="-122"/>
+                        <a:ea typeface="微软雅黑" panose="020B0503020204020204" pitchFamily="34" charset="-122"/>
                         <a:cs typeface="Segoe UI" panose="020B0502040204020203" pitchFamily="34" charset="0"/>
                       </a:endParaRPr>
                     </a:p>
@@ -22225,24 +24058,24 @@
                         </a:lnSpc>
                       </a:pPr>
                       <a:r>
-                        <a:rPr lang="en-US" sz="1800" kern="0" dirty="0">
+                        <a:rPr lang="en-US" sz="1800" b="0" kern="0" dirty="0">
                           <a:solidFill>
                             <a:srgbClr val="0D0D0D"/>
                           </a:solidFill>
                           <a:effectLst/>
-                          <a:latin typeface="Microsoft YaHei Light" panose="020B0502040204020203" pitchFamily="34" charset="-122"/>
-                          <a:ea typeface="Microsoft YaHei Light" panose="020B0502040204020203" pitchFamily="34" charset="-122"/>
+                          <a:latin typeface="微软雅黑" panose="020B0503020204020204" pitchFamily="34" charset="-122"/>
+                          <a:ea typeface="微软雅黑" panose="020B0503020204020204" pitchFamily="34" charset="-122"/>
                           <a:cs typeface="Segoe UI" panose="020B0502040204020203" pitchFamily="34" charset="0"/>
                         </a:rPr>
                         <a:t>SH rs1,rs2,imm</a:t>
                       </a:r>
-                      <a:endParaRPr lang="zh-CN" altLang="en-US" sz="1800" kern="0" dirty="0">
+                      <a:endParaRPr lang="zh-CN" altLang="en-US" sz="1800" b="0" kern="0" dirty="0">
                         <a:solidFill>
                           <a:srgbClr val="0D0D0D"/>
                         </a:solidFill>
                         <a:effectLst/>
-                        <a:latin typeface="Microsoft YaHei Light" panose="020B0502040204020203" pitchFamily="34" charset="-122"/>
-                        <a:ea typeface="Microsoft YaHei Light" panose="020B0502040204020203" pitchFamily="34" charset="-122"/>
+                        <a:latin typeface="微软雅黑" panose="020B0503020204020204" pitchFamily="34" charset="-122"/>
+                        <a:ea typeface="微软雅黑" panose="020B0503020204020204" pitchFamily="34" charset="-122"/>
                         <a:cs typeface="Segoe UI" panose="020B0502040204020203" pitchFamily="34" charset="0"/>
                       </a:endParaRPr>
                     </a:p>
@@ -22282,37 +24115,37 @@
                         </a:lnSpc>
                       </a:pPr>
                       <a:r>
-                        <a:rPr lang="zh-CN" altLang="en-US" sz="1800" kern="0" dirty="0">
+                        <a:rPr lang="zh-CN" altLang="en-US" sz="1800" b="0" kern="0" dirty="0">
                           <a:solidFill>
                             <a:srgbClr val="0D0D0D"/>
                           </a:solidFill>
                           <a:effectLst/>
-                          <a:latin typeface="Microsoft YaHei Light" panose="020B0502040204020203" pitchFamily="34" charset="-122"/>
-                          <a:ea typeface="Microsoft YaHei Light" panose="020B0502040204020203" pitchFamily="34" charset="-122"/>
+                          <a:latin typeface="微软雅黑" panose="020B0503020204020204" pitchFamily="34" charset="-122"/>
+                          <a:ea typeface="微软雅黑" panose="020B0503020204020204" pitchFamily="34" charset="-122"/>
                           <a:cs typeface="Segoe UI" panose="020B0502040204020203" pitchFamily="34" charset="0"/>
                         </a:rPr>
                         <a:t>将低</a:t>
                       </a:r>
                       <a:r>
-                        <a:rPr lang="en-US" sz="1800" kern="0" dirty="0">
+                        <a:rPr lang="en-US" sz="1800" b="0" kern="0" dirty="0">
                           <a:solidFill>
                             <a:srgbClr val="0D0D0D"/>
                           </a:solidFill>
                           <a:effectLst/>
-                          <a:latin typeface="Microsoft YaHei Light" panose="020B0502040204020203" pitchFamily="34" charset="-122"/>
-                          <a:ea typeface="Microsoft YaHei Light" panose="020B0502040204020203" pitchFamily="34" charset="-122"/>
+                          <a:latin typeface="微软雅黑" panose="020B0503020204020204" pitchFamily="34" charset="-122"/>
+                          <a:ea typeface="微软雅黑" panose="020B0503020204020204" pitchFamily="34" charset="-122"/>
                           <a:cs typeface="Segoe UI" panose="020B0502040204020203" pitchFamily="34" charset="0"/>
                         </a:rPr>
                         <a:t>[15:0]</a:t>
                       </a:r>
                       <a:r>
-                        <a:rPr lang="zh-CN" altLang="en-US" sz="1800" kern="0" dirty="0">
+                        <a:rPr lang="zh-CN" altLang="en-US" sz="1800" b="0" kern="0" dirty="0">
                           <a:solidFill>
                             <a:srgbClr val="0D0D0D"/>
                           </a:solidFill>
                           <a:effectLst/>
-                          <a:latin typeface="Microsoft YaHei Light" panose="020B0502040204020203" pitchFamily="34" charset="-122"/>
-                          <a:ea typeface="Microsoft YaHei Light" panose="020B0502040204020203" pitchFamily="34" charset="-122"/>
+                          <a:latin typeface="微软雅黑" panose="020B0503020204020204" pitchFamily="34" charset="-122"/>
+                          <a:ea typeface="微软雅黑" panose="020B0503020204020204" pitchFamily="34" charset="-122"/>
                           <a:cs typeface="Segoe UI" panose="020B0502040204020203" pitchFamily="34" charset="0"/>
                         </a:rPr>
                         <a:t>位，存储到特定的地址单元</a:t>
@@ -22361,24 +24194,24 @@
                         </a:lnSpc>
                       </a:pPr>
                       <a:r>
-                        <a:rPr lang="en-US" sz="1800" kern="0" dirty="0">
+                        <a:rPr lang="en-US" sz="1800" b="0" kern="0" dirty="0">
                           <a:solidFill>
                             <a:srgbClr val="0D0D0D"/>
                           </a:solidFill>
                           <a:effectLst/>
-                          <a:latin typeface="Microsoft YaHei Light" panose="020B0502040204020203" pitchFamily="34" charset="-122"/>
-                          <a:ea typeface="Microsoft YaHei Light" panose="020B0502040204020203" pitchFamily="34" charset="-122"/>
+                          <a:latin typeface="微软雅黑" panose="020B0503020204020204" pitchFamily="34" charset="-122"/>
+                          <a:ea typeface="微软雅黑" panose="020B0503020204020204" pitchFamily="34" charset="-122"/>
                           <a:cs typeface="Segoe UI" panose="020B0502040204020203" pitchFamily="34" charset="0"/>
                         </a:rPr>
                         <a:t>SW </a:t>
                       </a:r>
-                      <a:endParaRPr lang="zh-CN" altLang="en-US" sz="1800" kern="0" dirty="0">
+                      <a:endParaRPr lang="zh-CN" altLang="en-US" sz="1800" b="0" kern="0" dirty="0">
                         <a:solidFill>
                           <a:srgbClr val="0D0D0D"/>
                         </a:solidFill>
                         <a:effectLst/>
-                        <a:latin typeface="Microsoft YaHei Light" panose="020B0502040204020203" pitchFamily="34" charset="-122"/>
-                        <a:ea typeface="Microsoft YaHei Light" panose="020B0502040204020203" pitchFamily="34" charset="-122"/>
+                        <a:latin typeface="微软雅黑" panose="020B0503020204020204" pitchFamily="34" charset="-122"/>
+                        <a:ea typeface="微软雅黑" panose="020B0503020204020204" pitchFamily="34" charset="-122"/>
                         <a:cs typeface="Segoe UI" panose="020B0502040204020203" pitchFamily="34" charset="0"/>
                       </a:endParaRPr>
                     </a:p>
@@ -22424,24 +24257,24 @@
                         </a:lnSpc>
                       </a:pPr>
                       <a:r>
-                        <a:rPr lang="en-US" sz="1800" kern="0" dirty="0">
+                        <a:rPr lang="en-US" sz="1800" b="0" kern="0" dirty="0">
                           <a:solidFill>
                             <a:srgbClr val="0D0D0D"/>
                           </a:solidFill>
                           <a:effectLst/>
-                          <a:latin typeface="Microsoft YaHei Light" panose="020B0502040204020203" pitchFamily="34" charset="-122"/>
-                          <a:ea typeface="Microsoft YaHei Light" panose="020B0502040204020203" pitchFamily="34" charset="-122"/>
+                          <a:latin typeface="微软雅黑" panose="020B0503020204020204" pitchFamily="34" charset="-122"/>
+                          <a:ea typeface="微软雅黑" panose="020B0503020204020204" pitchFamily="34" charset="-122"/>
                           <a:cs typeface="Segoe UI" panose="020B0502040204020203" pitchFamily="34" charset="0"/>
                         </a:rPr>
                         <a:t>SW rs1,rs2,imm</a:t>
                       </a:r>
-                      <a:endParaRPr lang="zh-CN" altLang="en-US" sz="1800" kern="0" dirty="0">
+                      <a:endParaRPr lang="zh-CN" altLang="en-US" sz="1800" b="0" kern="0" dirty="0">
                         <a:solidFill>
                           <a:srgbClr val="0D0D0D"/>
                         </a:solidFill>
                         <a:effectLst/>
-                        <a:latin typeface="Microsoft YaHei Light" panose="020B0502040204020203" pitchFamily="34" charset="-122"/>
-                        <a:ea typeface="Microsoft YaHei Light" panose="020B0502040204020203" pitchFamily="34" charset="-122"/>
+                        <a:latin typeface="微软雅黑" panose="020B0503020204020204" pitchFamily="34" charset="-122"/>
+                        <a:ea typeface="微软雅黑" panose="020B0503020204020204" pitchFamily="34" charset="-122"/>
                         <a:cs typeface="Segoe UI" panose="020B0502040204020203" pitchFamily="34" charset="0"/>
                       </a:endParaRPr>
                     </a:p>
@@ -22487,37 +24320,37 @@
                         </a:lnSpc>
                       </a:pPr>
                       <a:r>
-                        <a:rPr lang="zh-CN" altLang="en-US" sz="1800" kern="0" dirty="0">
+                        <a:rPr lang="zh-CN" altLang="en-US" sz="1800" b="0" kern="0" dirty="0">
                           <a:solidFill>
                             <a:srgbClr val="0D0D0D"/>
                           </a:solidFill>
                           <a:effectLst/>
-                          <a:latin typeface="Microsoft YaHei Light" panose="020B0502040204020203" pitchFamily="34" charset="-122"/>
-                          <a:ea typeface="Microsoft YaHei Light" panose="020B0502040204020203" pitchFamily="34" charset="-122"/>
+                          <a:latin typeface="微软雅黑" panose="020B0503020204020204" pitchFamily="34" charset="-122"/>
+                          <a:ea typeface="微软雅黑" panose="020B0503020204020204" pitchFamily="34" charset="-122"/>
                           <a:cs typeface="Segoe UI" panose="020B0502040204020203" pitchFamily="34" charset="0"/>
                         </a:rPr>
                         <a:t>将低</a:t>
                       </a:r>
                       <a:r>
-                        <a:rPr lang="en-US" sz="1800" kern="0" dirty="0">
+                        <a:rPr lang="en-US" sz="1800" b="0" kern="0" dirty="0">
                           <a:solidFill>
                             <a:srgbClr val="0D0D0D"/>
                           </a:solidFill>
                           <a:effectLst/>
-                          <a:latin typeface="Microsoft YaHei Light" panose="020B0502040204020203" pitchFamily="34" charset="-122"/>
-                          <a:ea typeface="Microsoft YaHei Light" panose="020B0502040204020203" pitchFamily="34" charset="-122"/>
+                          <a:latin typeface="微软雅黑" panose="020B0503020204020204" pitchFamily="34" charset="-122"/>
+                          <a:ea typeface="微软雅黑" panose="020B0503020204020204" pitchFamily="34" charset="-122"/>
                           <a:cs typeface="Segoe UI" panose="020B0502040204020203" pitchFamily="34" charset="0"/>
                         </a:rPr>
                         <a:t>[31:0]</a:t>
                       </a:r>
                       <a:r>
-                        <a:rPr lang="zh-CN" altLang="en-US" sz="1800" kern="0" dirty="0">
+                        <a:rPr lang="zh-CN" altLang="en-US" sz="1800" b="0" kern="0" dirty="0">
                           <a:solidFill>
                             <a:srgbClr val="0D0D0D"/>
                           </a:solidFill>
                           <a:effectLst/>
-                          <a:latin typeface="Microsoft YaHei Light" panose="020B0502040204020203" pitchFamily="34" charset="-122"/>
-                          <a:ea typeface="Microsoft YaHei Light" panose="020B0502040204020203" pitchFamily="34" charset="-122"/>
+                          <a:latin typeface="微软雅黑" panose="020B0503020204020204" pitchFamily="34" charset="-122"/>
+                          <a:ea typeface="微软雅黑" panose="020B0503020204020204" pitchFamily="34" charset="-122"/>
                           <a:cs typeface="Segoe UI" panose="020B0502040204020203" pitchFamily="34" charset="0"/>
                         </a:rPr>
                         <a:t>位，存储到特定的地址单元</a:t>
